--- a/02 - Documentos de Diseño/03 - DD Visaual.pptx
+++ b/02 - Documentos de Diseño/03 - DD Visaual.pptx
@@ -5,7 +5,7 @@
     <p:sldMasterId id="2147483648" r:id="rId1"/>
   </p:sldMasterIdLst>
   <p:notesMasterIdLst>
-    <p:notesMasterId r:id="rId14"/>
+    <p:notesMasterId r:id="rId15"/>
   </p:notesMasterIdLst>
   <p:sldIdLst>
     <p:sldId id="291" r:id="rId2"/>
@@ -13,13 +13,14 @@
     <p:sldId id="567" r:id="rId4"/>
     <p:sldId id="562" r:id="rId5"/>
     <p:sldId id="561" r:id="rId6"/>
-    <p:sldId id="568" r:id="rId7"/>
-    <p:sldId id="569" r:id="rId8"/>
-    <p:sldId id="570" r:id="rId9"/>
-    <p:sldId id="300" r:id="rId10"/>
-    <p:sldId id="301" r:id="rId11"/>
-    <p:sldId id="302" r:id="rId12"/>
-    <p:sldId id="565" r:id="rId13"/>
+    <p:sldId id="571" r:id="rId7"/>
+    <p:sldId id="568" r:id="rId8"/>
+    <p:sldId id="569" r:id="rId9"/>
+    <p:sldId id="570" r:id="rId10"/>
+    <p:sldId id="300" r:id="rId11"/>
+    <p:sldId id="301" r:id="rId12"/>
+    <p:sldId id="302" r:id="rId13"/>
+    <p:sldId id="565" r:id="rId14"/>
   </p:sldIdLst>
   <p:sldSz cx="12192000" cy="6858000"/>
   <p:notesSz cx="6858000" cy="9144000"/>
@@ -136,6 +137,7 @@
         <p14:section name="Sección 2: Visual" id="{45B42801-D39F-4118-AAEE-06C6D7BD4E45}">
           <p14:sldIdLst>
             <p14:sldId id="561"/>
+            <p14:sldId id="571"/>
             <p14:sldId id="568"/>
             <p14:sldId id="569"/>
             <p14:sldId id="570"/>
@@ -263,7 +265,7 @@
           <a:p>
             <a:fld id="{31015760-0B9D-4962-8806-24A71FF7CB38}" type="datetimeFigureOut">
               <a:rPr lang="es-ES" smtClean="0"/>
-              <a:t>09/06/2025</a:t>
+              <a:t>15/06/2025</a:t>
             </a:fld>
             <a:endParaRPr lang="es-ES"/>
           </a:p>
@@ -772,7 +774,7 @@
     </p:spTree>
     <p:extLst>
       <p:ext uri="{BB962C8B-B14F-4D97-AF65-F5344CB8AC3E}">
-        <p14:creationId xmlns:p14="http://schemas.microsoft.com/office/powerpoint/2010/main" val="3587615968"/>
+        <p14:creationId xmlns:p14="http://schemas.microsoft.com/office/powerpoint/2010/main" val="3368552882"/>
       </p:ext>
     </p:extLst>
   </p:cSld>
@@ -856,7 +858,7 @@
     </p:spTree>
     <p:extLst>
       <p:ext uri="{BB962C8B-B14F-4D97-AF65-F5344CB8AC3E}">
-        <p14:creationId xmlns:p14="http://schemas.microsoft.com/office/powerpoint/2010/main" val="1020995373"/>
+        <p14:creationId xmlns:p14="http://schemas.microsoft.com/office/powerpoint/2010/main" val="3587615968"/>
       </p:ext>
     </p:extLst>
   </p:cSld>
@@ -940,7 +942,7 @@
     </p:spTree>
     <p:extLst>
       <p:ext uri="{BB962C8B-B14F-4D97-AF65-F5344CB8AC3E}">
-        <p14:creationId xmlns:p14="http://schemas.microsoft.com/office/powerpoint/2010/main" val="22432728"/>
+        <p14:creationId xmlns:p14="http://schemas.microsoft.com/office/powerpoint/2010/main" val="1020995373"/>
       </p:ext>
     </p:extLst>
   </p:cSld>
@@ -1015,7 +1017,91 @@
           <a:p>
             <a:fld id="{9F23F2D7-B2A1-490D-91DD-A42768B2402D}" type="slidenum">
               <a:rPr lang="es-ES" smtClean="0"/>
-              <a:t>12</a:t>
+              <a:t>9</a:t>
+            </a:fld>
+            <a:endParaRPr lang="es-ES" dirty="0"/>
+          </a:p>
+        </p:txBody>
+      </p:sp>
+    </p:spTree>
+    <p:extLst>
+      <p:ext uri="{BB962C8B-B14F-4D97-AF65-F5344CB8AC3E}">
+        <p14:creationId xmlns:p14="http://schemas.microsoft.com/office/powerpoint/2010/main" val="22432728"/>
+      </p:ext>
+    </p:extLst>
+  </p:cSld>
+  <p:clrMapOvr>
+    <a:masterClrMapping/>
+  </p:clrMapOvr>
+</p:notes>
+</file>
+
+<file path=ppt/notesSlides/notesSlide7.xml><?xml version="1.0" encoding="utf-8"?>
+<p:notes xmlns:a="http://schemas.openxmlformats.org/drawingml/2006/main" xmlns:r="http://schemas.openxmlformats.org/officeDocument/2006/relationships" xmlns:p="http://schemas.openxmlformats.org/presentationml/2006/main">
+  <p:cSld>
+    <p:spTree>
+      <p:nvGrpSpPr>
+        <p:cNvPr id="1" name=""/>
+        <p:cNvGrpSpPr/>
+        <p:nvPr/>
+      </p:nvGrpSpPr>
+      <p:grpSpPr>
+        <a:xfrm>
+          <a:off x="0" y="0"/>
+          <a:ext cx="0" cy="0"/>
+          <a:chOff x="0" y="0"/>
+          <a:chExt cx="0" cy="0"/>
+        </a:xfrm>
+      </p:grpSpPr>
+      <p:sp>
+        <p:nvSpPr>
+          <p:cNvPr id="2" name="Marcador de imagen de diapositiva 1"/>
+          <p:cNvSpPr>
+            <a:spLocks noGrp="1" noRot="1" noChangeAspect="1"/>
+          </p:cNvSpPr>
+          <p:nvPr>
+            <p:ph type="sldImg"/>
+          </p:nvPr>
+        </p:nvSpPr>
+        <p:spPr/>
+      </p:sp>
+      <p:sp>
+        <p:nvSpPr>
+          <p:cNvPr id="3" name="Marcador de notas 2"/>
+          <p:cNvSpPr>
+            <a:spLocks noGrp="1"/>
+          </p:cNvSpPr>
+          <p:nvPr>
+            <p:ph type="body" idx="1"/>
+          </p:nvPr>
+        </p:nvSpPr>
+        <p:spPr/>
+        <p:txBody>
+          <a:bodyPr/>
+          <a:lstStyle/>
+          <a:p>
+            <a:endParaRPr lang="es-UY" dirty="0"/>
+          </a:p>
+        </p:txBody>
+      </p:sp>
+      <p:sp>
+        <p:nvSpPr>
+          <p:cNvPr id="4" name="Marcador de número de diapositiva 3"/>
+          <p:cNvSpPr>
+            <a:spLocks noGrp="1"/>
+          </p:cNvSpPr>
+          <p:nvPr>
+            <p:ph type="sldNum" sz="quarter" idx="5"/>
+          </p:nvPr>
+        </p:nvSpPr>
+        <p:spPr/>
+        <p:txBody>
+          <a:bodyPr/>
+          <a:lstStyle/>
+          <a:p>
+            <a:fld id="{9F23F2D7-B2A1-490D-91DD-A42768B2402D}" type="slidenum">
+              <a:rPr lang="es-ES" smtClean="0"/>
+              <a:t>13</a:t>
             </a:fld>
             <a:endParaRPr lang="es-ES"/>
           </a:p>
@@ -1183,7 +1269,7 @@
           <a:p>
             <a:fld id="{3519C4E0-327D-4001-842B-6143C18E08C1}" type="datetimeFigureOut">
               <a:rPr lang="es-UY" smtClean="0"/>
-              <a:t>9/6/2025</a:t>
+              <a:t>15/6/2025</a:t>
             </a:fld>
             <a:endParaRPr lang="es-UY"/>
           </a:p>
@@ -1383,7 +1469,7 @@
           <a:p>
             <a:fld id="{3519C4E0-327D-4001-842B-6143C18E08C1}" type="datetimeFigureOut">
               <a:rPr lang="es-UY" smtClean="0"/>
-              <a:t>9/6/2025</a:t>
+              <a:t>15/6/2025</a:t>
             </a:fld>
             <a:endParaRPr lang="es-UY"/>
           </a:p>
@@ -1593,7 +1679,7 @@
           <a:p>
             <a:fld id="{3519C4E0-327D-4001-842B-6143C18E08C1}" type="datetimeFigureOut">
               <a:rPr lang="es-UY" smtClean="0"/>
-              <a:t>9/6/2025</a:t>
+              <a:t>15/6/2025</a:t>
             </a:fld>
             <a:endParaRPr lang="es-UY"/>
           </a:p>
@@ -1793,7 +1879,7 @@
           <a:p>
             <a:fld id="{3519C4E0-327D-4001-842B-6143C18E08C1}" type="datetimeFigureOut">
               <a:rPr lang="es-UY" smtClean="0"/>
-              <a:t>9/6/2025</a:t>
+              <a:t>15/6/2025</a:t>
             </a:fld>
             <a:endParaRPr lang="es-UY"/>
           </a:p>
@@ -2069,7 +2155,7 @@
           <a:p>
             <a:fld id="{3519C4E0-327D-4001-842B-6143C18E08C1}" type="datetimeFigureOut">
               <a:rPr lang="es-UY" smtClean="0"/>
-              <a:t>9/6/2025</a:t>
+              <a:t>15/6/2025</a:t>
             </a:fld>
             <a:endParaRPr lang="es-UY"/>
           </a:p>
@@ -2337,7 +2423,7 @@
           <a:p>
             <a:fld id="{3519C4E0-327D-4001-842B-6143C18E08C1}" type="datetimeFigureOut">
               <a:rPr lang="es-UY" smtClean="0"/>
-              <a:t>9/6/2025</a:t>
+              <a:t>15/6/2025</a:t>
             </a:fld>
             <a:endParaRPr lang="es-UY"/>
           </a:p>
@@ -2752,7 +2838,7 @@
           <a:p>
             <a:fld id="{3519C4E0-327D-4001-842B-6143C18E08C1}" type="datetimeFigureOut">
               <a:rPr lang="es-UY" smtClean="0"/>
-              <a:t>9/6/2025</a:t>
+              <a:t>15/6/2025</a:t>
             </a:fld>
             <a:endParaRPr lang="es-UY"/>
           </a:p>
@@ -2894,7 +2980,7 @@
           <a:p>
             <a:fld id="{3519C4E0-327D-4001-842B-6143C18E08C1}" type="datetimeFigureOut">
               <a:rPr lang="es-UY" smtClean="0"/>
-              <a:t>9/6/2025</a:t>
+              <a:t>15/6/2025</a:t>
             </a:fld>
             <a:endParaRPr lang="es-UY"/>
           </a:p>
@@ -3007,7 +3093,7 @@
           <a:p>
             <a:fld id="{3519C4E0-327D-4001-842B-6143C18E08C1}" type="datetimeFigureOut">
               <a:rPr lang="es-UY" smtClean="0"/>
-              <a:t>9/6/2025</a:t>
+              <a:t>15/6/2025</a:t>
             </a:fld>
             <a:endParaRPr lang="es-UY"/>
           </a:p>
@@ -3320,7 +3406,7 @@
           <a:p>
             <a:fld id="{3519C4E0-327D-4001-842B-6143C18E08C1}" type="datetimeFigureOut">
               <a:rPr lang="es-UY" smtClean="0"/>
-              <a:t>9/6/2025</a:t>
+              <a:t>15/6/2025</a:t>
             </a:fld>
             <a:endParaRPr lang="es-UY"/>
           </a:p>
@@ -3609,7 +3695,7 @@
           <a:p>
             <a:fld id="{3519C4E0-327D-4001-842B-6143C18E08C1}" type="datetimeFigureOut">
               <a:rPr lang="es-UY" smtClean="0"/>
-              <a:t>9/6/2025</a:t>
+              <a:t>15/6/2025</a:t>
             </a:fld>
             <a:endParaRPr lang="es-UY"/>
           </a:p>
@@ -3852,7 +3938,7 @@
           <a:p>
             <a:fld id="{3519C4E0-327D-4001-842B-6143C18E08C1}" type="datetimeFigureOut">
               <a:rPr lang="es-UY" smtClean="0"/>
-              <a:t>9/6/2025</a:t>
+              <a:t>15/6/2025</a:t>
             </a:fld>
             <a:endParaRPr lang="es-UY"/>
           </a:p>
@@ -4610,10 +4696,106 @@
       </p:grpSpPr>
       <p:sp>
         <p:nvSpPr>
-          <p:cNvPr id="2" name="Rectángulo: esquinas redondeadas 1">
-            <a:extLst>
-              <a:ext uri="{FF2B5EF4-FFF2-40B4-BE49-F238E27FC236}">
-                <a16:creationId xmlns:a16="http://schemas.microsoft.com/office/drawing/2014/main" id="{C3A1AD93-7A5A-486D-A77E-859EBC62074D}"/>
+          <p:cNvPr id="2" name="CuadroTexto 1">
+            <a:extLst>
+              <a:ext uri="{FF2B5EF4-FFF2-40B4-BE49-F238E27FC236}">
+                <a16:creationId xmlns:a16="http://schemas.microsoft.com/office/drawing/2014/main" id="{BDD9EB80-7B9D-4C18-96A6-BA81186144EA}"/>
+              </a:ext>
+            </a:extLst>
+          </p:cNvPr>
+          <p:cNvSpPr txBox="1"/>
+          <p:nvPr/>
+        </p:nvSpPr>
+        <p:spPr>
+          <a:xfrm>
+            <a:off x="159799" y="1097539"/>
+            <a:ext cx="5839350" cy="3323987"/>
+          </a:xfrm>
+          <a:prstGeom prst="rect">
+            <a:avLst/>
+          </a:prstGeom>
+          <a:noFill/>
+          <a:ln w="28575">
+            <a:solidFill>
+              <a:schemeClr val="tx1"/>
+            </a:solidFill>
+          </a:ln>
+        </p:spPr>
+        <p:txBody>
+          <a:bodyPr wrap="square" rtlCol="0">
+            <a:spAutoFit/>
+          </a:bodyPr>
+          <a:lstStyle/>
+          <a:p>
+            <a:pPr algn="just"/>
+            <a:r>
+              <a:rPr lang="es-UY" sz="1400" dirty="0"/>
+              <a:t>El juego tiene tres tipos de enemigos esparcidos por el nivel:</a:t>
+            </a:r>
+          </a:p>
+          <a:p>
+            <a:pPr algn="just"/>
+            <a:endParaRPr lang="es-UY" sz="1400" dirty="0"/>
+          </a:p>
+          <a:p>
+            <a:pPr algn="just"/>
+            <a:r>
+              <a:rPr lang="es-UY" sz="1400" u="sng" dirty="0"/>
+              <a:t>Enemigo Simples </a:t>
+            </a:r>
+          </a:p>
+          <a:p>
+            <a:pPr algn="just"/>
+            <a:r>
+              <a:rPr lang="es-UY" sz="1400" dirty="0"/>
+              <a:t>Enemigos con funciones básicas que no necesitan de una interacción compleja con el jugador. Se dedican a hacer una cosa y son fáciles de derrotar.</a:t>
+            </a:r>
+          </a:p>
+          <a:p>
+            <a:pPr algn="just"/>
+            <a:endParaRPr lang="es-UY" sz="1400" dirty="0"/>
+          </a:p>
+          <a:p>
+            <a:pPr algn="just"/>
+            <a:r>
+              <a:rPr lang="es-UY" sz="1400" u="sng" dirty="0"/>
+              <a:t>Enemigo Inteligentes </a:t>
+            </a:r>
+            <a:endParaRPr lang="es-UY" sz="1400" dirty="0"/>
+          </a:p>
+          <a:p>
+            <a:pPr algn="just"/>
+            <a:r>
+              <a:rPr lang="es-UY" sz="1400" dirty="0"/>
+              <a:t>Enemigos con IA hecha para interactuar de diversas maneras con el jugador. Son retos que tienen que detener al jugador, son mas complejos de derrotar y marcan un ritmo en el nivel.</a:t>
+            </a:r>
+          </a:p>
+          <a:p>
+            <a:pPr algn="just"/>
+            <a:endParaRPr lang="es-UY" sz="1400" dirty="0"/>
+          </a:p>
+          <a:p>
+            <a:pPr algn="just"/>
+            <a:r>
+              <a:rPr lang="es-UY" sz="1400" u="sng" dirty="0"/>
+              <a:t>Enemigo Final</a:t>
+            </a:r>
+          </a:p>
+          <a:p>
+            <a:pPr algn="just"/>
+            <a:r>
+              <a:rPr lang="es-UY" sz="1400" dirty="0"/>
+              <a:t>Es un enemigo que combina el conocimiento adquirido del nivel en uno solo. Tiene una IA mas avanzada que los otros dos ya que busca desafiar y interactuar al jugador al máximo.</a:t>
+            </a:r>
+          </a:p>
+        </p:txBody>
+      </p:sp>
+      <p:sp>
+        <p:nvSpPr>
+          <p:cNvPr id="3" name="Rectángulo: esquinas redondeadas 2">
+            <a:extLst>
+              <a:ext uri="{FF2B5EF4-FFF2-40B4-BE49-F238E27FC236}">
+                <a16:creationId xmlns:a16="http://schemas.microsoft.com/office/drawing/2014/main" id="{3612F458-F975-4939-A718-E92212B9AE44}"/>
               </a:ext>
             </a:extLst>
           </p:cNvPr>
@@ -4661,17 +4843,17 @@
                 <a:latin typeface="Times New Roman" panose="02020603050405020304" pitchFamily="18" charset="0"/>
                 <a:cs typeface="Times New Roman" panose="02020603050405020304" pitchFamily="18" charset="0"/>
               </a:rPr>
-              <a:t>X. Enemigos Simples</a:t>
-            </a:r>
-          </a:p>
-        </p:txBody>
-      </p:sp>
-      <p:sp>
-        <p:nvSpPr>
-          <p:cNvPr id="3" name="CuadroTexto 2">
-            <a:extLst>
-              <a:ext uri="{FF2B5EF4-FFF2-40B4-BE49-F238E27FC236}">
-                <a16:creationId xmlns:a16="http://schemas.microsoft.com/office/drawing/2014/main" id="{16E5E629-5B33-45C1-8EC0-FBEE07DB9812}"/>
+              <a:t>Tipos de Enemigos</a:t>
+            </a:r>
+          </a:p>
+        </p:txBody>
+      </p:sp>
+      <p:sp>
+        <p:nvSpPr>
+          <p:cNvPr id="40" name="CuadroTexto 39">
+            <a:extLst>
+              <a:ext uri="{FF2B5EF4-FFF2-40B4-BE49-F238E27FC236}">
+                <a16:creationId xmlns:a16="http://schemas.microsoft.com/office/drawing/2014/main" id="{76BCE6BB-B692-40EB-BDED-E791E418B566}"/>
               </a:ext>
             </a:extLst>
           </p:cNvPr>
@@ -4680,14 +4862,14 @@
         </p:nvSpPr>
         <p:spPr>
           <a:xfrm>
-            <a:off x="156536" y="2334180"/>
-            <a:ext cx="5839350" cy="738664"/>
+            <a:off x="6192853" y="2721383"/>
+            <a:ext cx="3595456" cy="830997"/>
           </a:xfrm>
           <a:prstGeom prst="rect">
             <a:avLst/>
           </a:prstGeom>
           <a:noFill/>
-          <a:ln w="28575">
+          <a:ln w="19050">
             <a:solidFill>
               <a:schemeClr val="tx1"/>
             </a:solidFill>
@@ -4701,25 +4883,222 @@
           <a:p>
             <a:pPr algn="just"/>
             <a:r>
-              <a:rPr lang="es-UY" sz="1400" u="sng" dirty="0"/>
-              <a:t>Enemigo Simple 01: Guris Corre.</a:t>
+              <a:rPr lang="es-UY" sz="1200" dirty="0"/>
+              <a:t>Enemigo Básico – Guris.</a:t>
             </a:r>
           </a:p>
           <a:p>
             <a:pPr algn="just"/>
             <a:r>
-              <a:rPr lang="es-MX" sz="1400" dirty="0"/>
-              <a:t>Ataca mientras se mueve horizontalmente y rebota con las paredes. 1 golpe de HP.</a:t>
-            </a:r>
-          </a:p>
-        </p:txBody>
-      </p:sp>
+              <a:rPr lang="es-UY" sz="1200" dirty="0"/>
+              <a:t>Descansa quieto hasta que el jugador se acerca. Ataca mientras se mueve horizontalmente y rebota con las paredes. 1 golpe de HP.</a:t>
+            </a:r>
+          </a:p>
+        </p:txBody>
+      </p:sp>
+      <p:grpSp>
+        <p:nvGrpSpPr>
+          <p:cNvPr id="41" name="Grupo 40">
+            <a:extLst>
+              <a:ext uri="{FF2B5EF4-FFF2-40B4-BE49-F238E27FC236}">
+                <a16:creationId xmlns:a16="http://schemas.microsoft.com/office/drawing/2014/main" id="{AE658B23-FEE6-4530-9A05-ACD82434BD29}"/>
+              </a:ext>
+            </a:extLst>
+          </p:cNvPr>
+          <p:cNvGrpSpPr/>
+          <p:nvPr/>
+        </p:nvGrpSpPr>
+        <p:grpSpPr>
+          <a:xfrm>
+            <a:off x="6355223" y="1110121"/>
+            <a:ext cx="3235362" cy="1507673"/>
+            <a:chOff x="6552947" y="4495070"/>
+            <a:chExt cx="3235362" cy="1507673"/>
+          </a:xfrm>
+        </p:grpSpPr>
+        <p:sp>
+          <p:nvSpPr>
+            <p:cNvPr id="42" name="Flecha: a la derecha 41">
+              <a:extLst>
+                <a:ext uri="{FF2B5EF4-FFF2-40B4-BE49-F238E27FC236}">
+                  <a16:creationId xmlns:a16="http://schemas.microsoft.com/office/drawing/2014/main" id="{15050FEC-1A9A-497B-9C8D-C528BD3B6542}"/>
+                </a:ext>
+              </a:extLst>
+            </p:cNvPr>
+            <p:cNvSpPr/>
+            <p:nvPr/>
+          </p:nvSpPr>
+          <p:spPr>
+            <a:xfrm rot="10800000">
+              <a:off x="7852382" y="4929342"/>
+              <a:ext cx="1158708" cy="484632"/>
+            </a:xfrm>
+            <a:prstGeom prst="rightArrow">
+              <a:avLst/>
+            </a:prstGeom>
+            <a:solidFill>
+              <a:schemeClr val="tx1"/>
+            </a:solidFill>
+            <a:ln>
+              <a:noFill/>
+            </a:ln>
+          </p:spPr>
+          <p:style>
+            <a:lnRef idx="2">
+              <a:schemeClr val="accent1">
+                <a:shade val="50000"/>
+              </a:schemeClr>
+            </a:lnRef>
+            <a:fillRef idx="1">
+              <a:schemeClr val="accent1"/>
+            </a:fillRef>
+            <a:effectRef idx="0">
+              <a:schemeClr val="accent1"/>
+            </a:effectRef>
+            <a:fontRef idx="minor">
+              <a:schemeClr val="lt1"/>
+            </a:fontRef>
+          </p:style>
+          <p:txBody>
+            <a:bodyPr rtlCol="0" anchor="ctr"/>
+            <a:lstStyle/>
+            <a:p>
+              <a:pPr algn="ctr"/>
+              <a:endParaRPr lang="es-UY"/>
+            </a:p>
+          </p:txBody>
+        </p:sp>
+        <p:sp>
+          <p:nvSpPr>
+            <p:cNvPr id="43" name="Flecha: a la derecha 42">
+              <a:extLst>
+                <a:ext uri="{FF2B5EF4-FFF2-40B4-BE49-F238E27FC236}">
+                  <a16:creationId xmlns:a16="http://schemas.microsoft.com/office/drawing/2014/main" id="{82B9F141-452B-4E42-AE1D-276906207C7D}"/>
+                </a:ext>
+              </a:extLst>
+            </p:cNvPr>
+            <p:cNvSpPr/>
+            <p:nvPr/>
+          </p:nvSpPr>
+          <p:spPr>
+            <a:xfrm rot="16200000">
+              <a:off x="6539211" y="5026371"/>
+              <a:ext cx="978408" cy="484632"/>
+            </a:xfrm>
+            <a:prstGeom prst="rightArrow">
+              <a:avLst/>
+            </a:prstGeom>
+            <a:solidFill>
+              <a:schemeClr val="tx1"/>
+            </a:solidFill>
+            <a:ln>
+              <a:noFill/>
+            </a:ln>
+          </p:spPr>
+          <p:style>
+            <a:lnRef idx="2">
+              <a:schemeClr val="accent1">
+                <a:shade val="50000"/>
+              </a:schemeClr>
+            </a:lnRef>
+            <a:fillRef idx="1">
+              <a:schemeClr val="accent1"/>
+            </a:fillRef>
+            <a:effectRef idx="0">
+              <a:schemeClr val="accent1"/>
+            </a:effectRef>
+            <a:fontRef idx="minor">
+              <a:schemeClr val="lt1"/>
+            </a:fontRef>
+          </p:style>
+          <p:txBody>
+            <a:bodyPr rtlCol="0" anchor="ctr"/>
+            <a:lstStyle/>
+            <a:p>
+              <a:pPr algn="ctr"/>
+              <a:endParaRPr lang="es-UY"/>
+            </a:p>
+          </p:txBody>
+        </p:sp>
+        <p:pic>
+          <p:nvPicPr>
+            <p:cNvPr id="44" name="Imagen 43">
+              <a:extLst>
+                <a:ext uri="{FF2B5EF4-FFF2-40B4-BE49-F238E27FC236}">
+                  <a16:creationId xmlns:a16="http://schemas.microsoft.com/office/drawing/2014/main" id="{9F17A00B-E029-40FA-A597-49C29725AD93}"/>
+                </a:ext>
+              </a:extLst>
+            </p:cNvPr>
+            <p:cNvPicPr>
+              <a:picLocks noChangeAspect="1"/>
+            </p:cNvPicPr>
+            <p:nvPr/>
+          </p:nvPicPr>
+          <p:blipFill>
+            <a:blip r:embed="rId2">
+              <a:extLst>
+                <a:ext uri="{28A0092B-C50C-407E-A947-70E740481C1C}">
+                  <a14:useLocalDpi xmlns:a14="http://schemas.microsoft.com/office/drawing/2010/main" val="0"/>
+                </a:ext>
+              </a:extLst>
+            </a:blip>
+            <a:stretch>
+              <a:fillRect/>
+            </a:stretch>
+          </p:blipFill>
+          <p:spPr>
+            <a:xfrm flipH="1">
+              <a:off x="8582170" y="4495070"/>
+              <a:ext cx="1206139" cy="1507673"/>
+            </a:xfrm>
+            <a:prstGeom prst="rect">
+              <a:avLst/>
+            </a:prstGeom>
+          </p:spPr>
+        </p:pic>
+        <p:pic>
+          <p:nvPicPr>
+            <p:cNvPr id="45" name="Imagen 44">
+              <a:extLst>
+                <a:ext uri="{FF2B5EF4-FFF2-40B4-BE49-F238E27FC236}">
+                  <a16:creationId xmlns:a16="http://schemas.microsoft.com/office/drawing/2014/main" id="{6458CD6F-0D22-407E-8498-3BD332231D95}"/>
+                </a:ext>
+              </a:extLst>
+            </p:cNvPr>
+            <p:cNvPicPr>
+              <a:picLocks noChangeAspect="1"/>
+            </p:cNvPicPr>
+            <p:nvPr/>
+          </p:nvPicPr>
+          <p:blipFill>
+            <a:blip r:embed="rId3">
+              <a:extLst>
+                <a:ext uri="{28A0092B-C50C-407E-A947-70E740481C1C}">
+                  <a14:useLocalDpi xmlns:a14="http://schemas.microsoft.com/office/drawing/2010/main" val="0"/>
+                </a:ext>
+              </a:extLst>
+            </a:blip>
+            <a:stretch>
+              <a:fillRect/>
+            </a:stretch>
+          </p:blipFill>
+          <p:spPr>
+            <a:xfrm flipH="1">
+              <a:off x="6552947" y="4625700"/>
+              <a:ext cx="1101634" cy="1377043"/>
+            </a:xfrm>
+            <a:prstGeom prst="rect">
+              <a:avLst/>
+            </a:prstGeom>
+          </p:spPr>
+        </p:pic>
+      </p:grpSp>
       <p:sp>
         <p:nvSpPr>
           <p:cNvPr id="46" name="CuadroTexto 45">
             <a:extLst>
               <a:ext uri="{FF2B5EF4-FFF2-40B4-BE49-F238E27FC236}">
-                <a16:creationId xmlns:a16="http://schemas.microsoft.com/office/drawing/2014/main" id="{EC26EEE9-41E4-4961-84B9-A49921B9A221}"/>
+                <a16:creationId xmlns:a16="http://schemas.microsoft.com/office/drawing/2014/main" id="{34175FD0-7675-4624-8829-55AC8BB73C88}"/>
               </a:ext>
             </a:extLst>
           </p:cNvPr>
@@ -4728,14 +5107,14 @@
         </p:nvSpPr>
         <p:spPr>
           <a:xfrm>
-            <a:off x="6192851" y="1097539"/>
-            <a:ext cx="5839350" cy="523220"/>
+            <a:off x="6192853" y="5542235"/>
+            <a:ext cx="3595456" cy="830997"/>
           </a:xfrm>
           <a:prstGeom prst="rect">
             <a:avLst/>
           </a:prstGeom>
           <a:noFill/>
-          <a:ln w="28575">
+          <a:ln w="19050">
             <a:solidFill>
               <a:schemeClr val="tx1"/>
             </a:solidFill>
@@ -4749,122 +5128,241 @@
           <a:p>
             <a:pPr algn="just"/>
             <a:r>
-              <a:rPr lang="es-UY" sz="1400" u="sng" dirty="0"/>
-              <a:t>Enemigo Simple: Guris Tirador.</a:t>
+              <a:rPr lang="es-UY" sz="1200" dirty="0"/>
+              <a:t>Enemigo Avanzado – Soldado.</a:t>
             </a:r>
           </a:p>
           <a:p>
             <a:pPr algn="just"/>
             <a:r>
-              <a:rPr lang="es-MX" sz="1400" dirty="0"/>
-              <a:t>Lanza proyectiles en dirección al jugador. 1 golpe de HP.</a:t>
-            </a:r>
-          </a:p>
-        </p:txBody>
-      </p:sp>
-      <p:pic>
-        <p:nvPicPr>
-          <p:cNvPr id="42" name="Imagen 41">
-            <a:extLst>
-              <a:ext uri="{FF2B5EF4-FFF2-40B4-BE49-F238E27FC236}">
-                <a16:creationId xmlns:a16="http://schemas.microsoft.com/office/drawing/2014/main" id="{59FE8649-5AA6-4D56-B797-38BA352E33B9}"/>
-              </a:ext>
-            </a:extLst>
-          </p:cNvPr>
-          <p:cNvPicPr>
-            <a:picLocks noChangeAspect="1"/>
-          </p:cNvPicPr>
-          <p:nvPr/>
-        </p:nvPicPr>
-        <p:blipFill>
-          <a:blip r:embed="rId2">
-            <a:extLst>
-              <a:ext uri="{28A0092B-C50C-407E-A947-70E740481C1C}">
-                <a14:useLocalDpi xmlns:a14="http://schemas.microsoft.com/office/drawing/2010/main" val="0"/>
-              </a:ext>
-            </a:extLst>
-          </a:blip>
-          <a:stretch>
-            <a:fillRect/>
-          </a:stretch>
-        </p:blipFill>
-        <p:spPr>
-          <a:xfrm>
-            <a:off x="7097877" y="1995134"/>
-            <a:ext cx="1000475" cy="1400665"/>
-          </a:xfrm>
-          <a:prstGeom prst="rect">
-            <a:avLst/>
-          </a:prstGeom>
-        </p:spPr>
-      </p:pic>
-      <p:sp>
-        <p:nvSpPr>
-          <p:cNvPr id="49" name="CuadroTexto 48">
-            <a:extLst>
-              <a:ext uri="{FF2B5EF4-FFF2-40B4-BE49-F238E27FC236}">
-                <a16:creationId xmlns:a16="http://schemas.microsoft.com/office/drawing/2014/main" id="{60DCA371-904E-4368-AE8C-C5AD942AB738}"/>
-              </a:ext>
-            </a:extLst>
-          </p:cNvPr>
-          <p:cNvSpPr txBox="1"/>
-          <p:nvPr/>
-        </p:nvSpPr>
-        <p:spPr>
-          <a:xfrm>
-            <a:off x="6192851" y="1687357"/>
-            <a:ext cx="2885508" cy="307777"/>
-          </a:xfrm>
-          <a:prstGeom prst="rect">
+              <a:rPr lang="es-MX" sz="1200" dirty="0"/>
+              <a:t>Patrulla moviéndose horizontalmente. Al detectar al enemigo puede Atacar y Bloquear.</a:t>
+            </a:r>
+          </a:p>
+          <a:p>
+            <a:pPr algn="just"/>
+            <a:r>
+              <a:rPr lang="es-MX" sz="1200" dirty="0"/>
+              <a:t>2 normales + 1 poncho de HP. 2.5HP</a:t>
+            </a:r>
+          </a:p>
+        </p:txBody>
+      </p:sp>
+      <p:grpSp>
+        <p:nvGrpSpPr>
+          <p:cNvPr id="47" name="Grupo 46">
+            <a:extLst>
+              <a:ext uri="{FF2B5EF4-FFF2-40B4-BE49-F238E27FC236}">
+                <a16:creationId xmlns:a16="http://schemas.microsoft.com/office/drawing/2014/main" id="{117CA44B-64C6-444C-A6A9-C566D020E33F}"/>
+              </a:ext>
+            </a:extLst>
+          </p:cNvPr>
+          <p:cNvGrpSpPr/>
+          <p:nvPr/>
+        </p:nvGrpSpPr>
+        <p:grpSpPr>
+          <a:xfrm>
+            <a:off x="6319205" y="3826100"/>
+            <a:ext cx="3346167" cy="1692677"/>
+            <a:chOff x="4045038" y="3665209"/>
+            <a:chExt cx="3346167" cy="1692677"/>
+          </a:xfrm>
+        </p:grpSpPr>
+        <p:sp>
+          <p:nvSpPr>
+            <p:cNvPr id="48" name="Flecha: a la derecha 47">
+              <a:extLst>
+                <a:ext uri="{FF2B5EF4-FFF2-40B4-BE49-F238E27FC236}">
+                  <a16:creationId xmlns:a16="http://schemas.microsoft.com/office/drawing/2014/main" id="{4E0B12D7-C2B0-47D8-9CDD-466D3DDF8C81}"/>
+                </a:ext>
+              </a:extLst>
+            </p:cNvPr>
+            <p:cNvSpPr/>
+            <p:nvPr/>
+          </p:nvSpPr>
+          <p:spPr>
+            <a:xfrm rot="10800000">
+              <a:off x="4045038" y="4198164"/>
+              <a:ext cx="1673084" cy="484632"/>
+            </a:xfrm>
+            <a:prstGeom prst="rightArrow">
+              <a:avLst/>
+            </a:prstGeom>
+            <a:solidFill>
+              <a:schemeClr val="tx1"/>
+            </a:solidFill>
+            <a:ln>
+              <a:noFill/>
+            </a:ln>
+          </p:spPr>
+          <p:style>
+            <a:lnRef idx="2">
+              <a:schemeClr val="accent1">
+                <a:shade val="50000"/>
+              </a:schemeClr>
+            </a:lnRef>
+            <a:fillRef idx="1">
+              <a:schemeClr val="accent1"/>
+            </a:fillRef>
+            <a:effectRef idx="0">
+              <a:schemeClr val="accent1"/>
+            </a:effectRef>
+            <a:fontRef idx="minor">
+              <a:schemeClr val="lt1"/>
+            </a:fontRef>
+          </p:style>
+          <p:txBody>
+            <a:bodyPr rtlCol="0" anchor="ctr"/>
+            <a:lstStyle/>
+            <a:p>
+              <a:pPr algn="ctr"/>
+              <a:endParaRPr lang="es-UY"/>
+            </a:p>
+          </p:txBody>
+        </p:sp>
+        <p:sp>
+          <p:nvSpPr>
+            <p:cNvPr id="49" name="Flecha: a la derecha 48">
+              <a:extLst>
+                <a:ext uri="{FF2B5EF4-FFF2-40B4-BE49-F238E27FC236}">
+                  <a16:creationId xmlns:a16="http://schemas.microsoft.com/office/drawing/2014/main" id="{BDE0F6F5-FB56-47F4-BCF8-0CE01D760B32}"/>
+                </a:ext>
+              </a:extLst>
+            </p:cNvPr>
+            <p:cNvSpPr/>
+            <p:nvPr/>
+          </p:nvSpPr>
+          <p:spPr>
+            <a:xfrm rot="10800000" flipH="1">
+              <a:off x="5718121" y="4198164"/>
+              <a:ext cx="1673084" cy="484632"/>
+            </a:xfrm>
+            <a:prstGeom prst="rightArrow">
+              <a:avLst/>
+            </a:prstGeom>
+            <a:solidFill>
+              <a:schemeClr val="tx1"/>
+            </a:solidFill>
+            <a:ln>
+              <a:noFill/>
+            </a:ln>
+          </p:spPr>
+          <p:style>
+            <a:lnRef idx="2">
+              <a:schemeClr val="accent1">
+                <a:shade val="50000"/>
+              </a:schemeClr>
+            </a:lnRef>
+            <a:fillRef idx="1">
+              <a:schemeClr val="accent1"/>
+            </a:fillRef>
+            <a:effectRef idx="0">
+              <a:schemeClr val="accent1"/>
+            </a:effectRef>
+            <a:fontRef idx="minor">
+              <a:schemeClr val="lt1"/>
+            </a:fontRef>
+          </p:style>
+          <p:txBody>
+            <a:bodyPr rtlCol="0" anchor="ctr"/>
+            <a:lstStyle/>
+            <a:p>
+              <a:pPr algn="ctr"/>
+              <a:endParaRPr lang="es-UY"/>
+            </a:p>
+          </p:txBody>
+        </p:sp>
+        <p:pic>
+          <p:nvPicPr>
+            <p:cNvPr id="50" name="Imagen 49">
+              <a:extLst>
+                <a:ext uri="{FF2B5EF4-FFF2-40B4-BE49-F238E27FC236}">
+                  <a16:creationId xmlns:a16="http://schemas.microsoft.com/office/drawing/2014/main" id="{E72C389B-8FD2-4282-ABDD-B043E8F89AFA}"/>
+                </a:ext>
+              </a:extLst>
+            </p:cNvPr>
+            <p:cNvPicPr>
+              <a:picLocks noChangeAspect="1"/>
+            </p:cNvPicPr>
+            <p:nvPr/>
+          </p:nvPicPr>
+          <p:blipFill rotWithShape="1">
+            <a:blip r:embed="rId4">
+              <a:extLst>
+                <a:ext uri="{28A0092B-C50C-407E-A947-70E740481C1C}">
+                  <a14:useLocalDpi xmlns:a14="http://schemas.microsoft.com/office/drawing/2010/main" val="0"/>
+                </a:ext>
+              </a:extLst>
+            </a:blip>
+            <a:srcRect l="38114" t="37246" r="36560" b="37132"/>
+            <a:stretch/>
+          </p:blipFill>
+          <p:spPr>
+            <a:xfrm>
+              <a:off x="4879872" y="3665209"/>
+              <a:ext cx="1673084" cy="1692677"/>
+            </a:xfrm>
+            <a:prstGeom prst="rect">
+              <a:avLst/>
+            </a:prstGeom>
+          </p:spPr>
+        </p:pic>
+      </p:grpSp>
+    </p:spTree>
+    <p:extLst>
+      <p:ext uri="{BB962C8B-B14F-4D97-AF65-F5344CB8AC3E}">
+        <p14:creationId xmlns:p14="http://schemas.microsoft.com/office/powerpoint/2010/main" val="732763329"/>
+      </p:ext>
+    </p:extLst>
+  </p:cSld>
+  <p:clrMapOvr>
+    <a:masterClrMapping/>
+  </p:clrMapOvr>
+</p:sld>
+</file>
+
+<file path=ppt/slides/slide11.xml><?xml version="1.0" encoding="utf-8"?>
+<p:sld xmlns:a="http://schemas.openxmlformats.org/drawingml/2006/main" xmlns:r="http://schemas.openxmlformats.org/officeDocument/2006/relationships" xmlns:p="http://schemas.openxmlformats.org/presentationml/2006/main">
+  <p:cSld>
+    <p:spTree>
+      <p:nvGrpSpPr>
+        <p:cNvPr id="1" name=""/>
+        <p:cNvGrpSpPr/>
+        <p:nvPr/>
+      </p:nvGrpSpPr>
+      <p:grpSpPr>
+        <a:xfrm>
+          <a:off x="0" y="0"/>
+          <a:ext cx="0" cy="0"/>
+          <a:chOff x="0" y="0"/>
+          <a:chExt cx="0" cy="0"/>
+        </a:xfrm>
+      </p:grpSpPr>
+      <p:sp>
+        <p:nvSpPr>
+          <p:cNvPr id="2" name="Rectángulo: esquinas redondeadas 1">
+            <a:extLst>
+              <a:ext uri="{FF2B5EF4-FFF2-40B4-BE49-F238E27FC236}">
+                <a16:creationId xmlns:a16="http://schemas.microsoft.com/office/drawing/2014/main" id="{C3A1AD93-7A5A-486D-A77E-859EBC62074D}"/>
+              </a:ext>
+            </a:extLst>
+          </p:cNvPr>
+          <p:cNvSpPr/>
+          <p:nvPr/>
+        </p:nvSpPr>
+        <p:spPr>
+          <a:xfrm>
+            <a:off x="159798" y="106533"/>
+            <a:ext cx="11880000" cy="900000"/>
+          </a:xfrm>
+          <a:prstGeom prst="roundRect">
             <a:avLst/>
           </a:prstGeom>
           <a:solidFill>
             <a:schemeClr val="tx1"/>
           </a:solidFill>
-        </p:spPr>
-        <p:txBody>
-          <a:bodyPr wrap="square" rtlCol="0">
-            <a:spAutoFit/>
-          </a:bodyPr>
-          <a:lstStyle/>
-          <a:p>
-            <a:pPr algn="ctr"/>
-            <a:r>
-              <a:rPr lang="es-UY" sz="1400" dirty="0">
-                <a:solidFill>
-                  <a:schemeClr val="bg1"/>
-                </a:solidFill>
-              </a:rPr>
-              <a:t>Estado 1 - Descanso</a:t>
-            </a:r>
-          </a:p>
-        </p:txBody>
-      </p:sp>
-      <p:sp>
-        <p:nvSpPr>
-          <p:cNvPr id="50" name="Rectángulo 49">
-            <a:extLst>
-              <a:ext uri="{FF2B5EF4-FFF2-40B4-BE49-F238E27FC236}">
-                <a16:creationId xmlns:a16="http://schemas.microsoft.com/office/drawing/2014/main" id="{DDA0DA77-88B7-497E-AC74-9A1668393D56}"/>
-              </a:ext>
-            </a:extLst>
-          </p:cNvPr>
-          <p:cNvSpPr/>
-          <p:nvPr/>
-        </p:nvSpPr>
-        <p:spPr>
-          <a:xfrm>
-            <a:off x="6192850" y="1682398"/>
-            <a:ext cx="2885508" cy="1768645"/>
-          </a:xfrm>
-          <a:prstGeom prst="rect">
-            <a:avLst/>
-          </a:prstGeom>
-          <a:noFill/>
-          <a:ln w="28575">
-            <a:solidFill>
-              <a:schemeClr val="tx1"/>
-            </a:solidFill>
+          <a:ln>
+            <a:noFill/>
           </a:ln>
         </p:spPr>
         <p:style>
@@ -4888,16 +5386,22 @@
           <a:lstStyle/>
           <a:p>
             <a:pPr algn="ctr"/>
-            <a:endParaRPr lang="es-UY"/>
-          </a:p>
-        </p:txBody>
-      </p:sp>
-      <p:sp>
-        <p:nvSpPr>
-          <p:cNvPr id="51" name="CuadroTexto 50">
-            <a:extLst>
-              <a:ext uri="{FF2B5EF4-FFF2-40B4-BE49-F238E27FC236}">
-                <a16:creationId xmlns:a16="http://schemas.microsoft.com/office/drawing/2014/main" id="{19F06B00-8AE8-46BA-848D-648BC5E80E98}"/>
+            <a:r>
+              <a:rPr lang="es-UY" sz="6600" dirty="0">
+                <a:latin typeface="Times New Roman" panose="02020603050405020304" pitchFamily="18" charset="0"/>
+                <a:cs typeface="Times New Roman" panose="02020603050405020304" pitchFamily="18" charset="0"/>
+              </a:rPr>
+              <a:t>X. Enemigos Simples</a:t>
+            </a:r>
+          </a:p>
+        </p:txBody>
+      </p:sp>
+      <p:sp>
+        <p:nvSpPr>
+          <p:cNvPr id="3" name="CuadroTexto 2">
+            <a:extLst>
+              <a:ext uri="{FF2B5EF4-FFF2-40B4-BE49-F238E27FC236}">
+                <a16:creationId xmlns:a16="http://schemas.microsoft.com/office/drawing/2014/main" id="{16E5E629-5B33-45C1-8EC0-FBEE07DB9812}"/>
               </a:ext>
             </a:extLst>
           </p:cNvPr>
@@ -4906,7 +5410,139 @@
         </p:nvSpPr>
         <p:spPr>
           <a:xfrm>
-            <a:off x="9146693" y="1687357"/>
+            <a:off x="156536" y="2334180"/>
+            <a:ext cx="5839350" cy="738664"/>
+          </a:xfrm>
+          <a:prstGeom prst="rect">
+            <a:avLst/>
+          </a:prstGeom>
+          <a:noFill/>
+          <a:ln w="28575">
+            <a:solidFill>
+              <a:schemeClr val="tx1"/>
+            </a:solidFill>
+          </a:ln>
+        </p:spPr>
+        <p:txBody>
+          <a:bodyPr wrap="square" rtlCol="0">
+            <a:spAutoFit/>
+          </a:bodyPr>
+          <a:lstStyle/>
+          <a:p>
+            <a:pPr algn="just"/>
+            <a:r>
+              <a:rPr lang="es-UY" sz="1400" u="sng" dirty="0"/>
+              <a:t>Enemigo Simple 01: Guris Corre.</a:t>
+            </a:r>
+          </a:p>
+          <a:p>
+            <a:pPr algn="just"/>
+            <a:r>
+              <a:rPr lang="es-MX" sz="1400" dirty="0"/>
+              <a:t>Ataca mientras se mueve horizontalmente y rebota con las paredes. 1 golpe de HP.</a:t>
+            </a:r>
+          </a:p>
+        </p:txBody>
+      </p:sp>
+      <p:sp>
+        <p:nvSpPr>
+          <p:cNvPr id="46" name="CuadroTexto 45">
+            <a:extLst>
+              <a:ext uri="{FF2B5EF4-FFF2-40B4-BE49-F238E27FC236}">
+                <a16:creationId xmlns:a16="http://schemas.microsoft.com/office/drawing/2014/main" id="{EC26EEE9-41E4-4961-84B9-A49921B9A221}"/>
+              </a:ext>
+            </a:extLst>
+          </p:cNvPr>
+          <p:cNvSpPr txBox="1"/>
+          <p:nvPr/>
+        </p:nvSpPr>
+        <p:spPr>
+          <a:xfrm>
+            <a:off x="6192851" y="1097539"/>
+            <a:ext cx="5839350" cy="523220"/>
+          </a:xfrm>
+          <a:prstGeom prst="rect">
+            <a:avLst/>
+          </a:prstGeom>
+          <a:noFill/>
+          <a:ln w="28575">
+            <a:solidFill>
+              <a:schemeClr val="tx1"/>
+            </a:solidFill>
+          </a:ln>
+        </p:spPr>
+        <p:txBody>
+          <a:bodyPr wrap="square" rtlCol="0">
+            <a:spAutoFit/>
+          </a:bodyPr>
+          <a:lstStyle/>
+          <a:p>
+            <a:pPr algn="just"/>
+            <a:r>
+              <a:rPr lang="es-UY" sz="1400" u="sng" dirty="0"/>
+              <a:t>Enemigo Simple: Guris Tirador.</a:t>
+            </a:r>
+          </a:p>
+          <a:p>
+            <a:pPr algn="just"/>
+            <a:r>
+              <a:rPr lang="es-MX" sz="1400" dirty="0"/>
+              <a:t>Lanza proyectiles en dirección al jugador. 1 golpe de HP.</a:t>
+            </a:r>
+          </a:p>
+        </p:txBody>
+      </p:sp>
+      <p:pic>
+        <p:nvPicPr>
+          <p:cNvPr id="42" name="Imagen 41">
+            <a:extLst>
+              <a:ext uri="{FF2B5EF4-FFF2-40B4-BE49-F238E27FC236}">
+                <a16:creationId xmlns:a16="http://schemas.microsoft.com/office/drawing/2014/main" id="{59FE8649-5AA6-4D56-B797-38BA352E33B9}"/>
+              </a:ext>
+            </a:extLst>
+          </p:cNvPr>
+          <p:cNvPicPr>
+            <a:picLocks noChangeAspect="1"/>
+          </p:cNvPicPr>
+          <p:nvPr/>
+        </p:nvPicPr>
+        <p:blipFill>
+          <a:blip r:embed="rId2">
+            <a:extLst>
+              <a:ext uri="{28A0092B-C50C-407E-A947-70E740481C1C}">
+                <a14:useLocalDpi xmlns:a14="http://schemas.microsoft.com/office/drawing/2010/main" val="0"/>
+              </a:ext>
+            </a:extLst>
+          </a:blip>
+          <a:stretch>
+            <a:fillRect/>
+          </a:stretch>
+        </p:blipFill>
+        <p:spPr>
+          <a:xfrm>
+            <a:off x="7097877" y="1995134"/>
+            <a:ext cx="1000475" cy="1400665"/>
+          </a:xfrm>
+          <a:prstGeom prst="rect">
+            <a:avLst/>
+          </a:prstGeom>
+        </p:spPr>
+      </p:pic>
+      <p:sp>
+        <p:nvSpPr>
+          <p:cNvPr id="49" name="CuadroTexto 48">
+            <a:extLst>
+              <a:ext uri="{FF2B5EF4-FFF2-40B4-BE49-F238E27FC236}">
+                <a16:creationId xmlns:a16="http://schemas.microsoft.com/office/drawing/2014/main" id="{60DCA371-904E-4368-AE8C-C5AD942AB738}"/>
+              </a:ext>
+            </a:extLst>
+          </p:cNvPr>
+          <p:cNvSpPr txBox="1"/>
+          <p:nvPr/>
+        </p:nvSpPr>
+        <p:spPr>
+          <a:xfrm>
+            <a:off x="6192851" y="1687357"/>
             <a:ext cx="2885508" cy="307777"/>
           </a:xfrm>
           <a:prstGeom prst="rect">
@@ -4929,17 +5565,17 @@
                   <a:schemeClr val="bg1"/>
                 </a:solidFill>
               </a:rPr>
-              <a:t>Estado 2 - Ataque</a:t>
-            </a:r>
-          </a:p>
-        </p:txBody>
-      </p:sp>
-      <p:sp>
-        <p:nvSpPr>
-          <p:cNvPr id="52" name="Rectángulo 51">
-            <a:extLst>
-              <a:ext uri="{FF2B5EF4-FFF2-40B4-BE49-F238E27FC236}">
-                <a16:creationId xmlns:a16="http://schemas.microsoft.com/office/drawing/2014/main" id="{558DB664-1744-4ECB-9260-DE0725724FC4}"/>
+              <a:t>Estado 1 - Descanso</a:t>
+            </a:r>
+          </a:p>
+        </p:txBody>
+      </p:sp>
+      <p:sp>
+        <p:nvSpPr>
+          <p:cNvPr id="50" name="Rectángulo 49">
+            <a:extLst>
+              <a:ext uri="{FF2B5EF4-FFF2-40B4-BE49-F238E27FC236}">
+                <a16:creationId xmlns:a16="http://schemas.microsoft.com/office/drawing/2014/main" id="{DDA0DA77-88B7-497E-AC74-9A1668393D56}"/>
               </a:ext>
             </a:extLst>
           </p:cNvPr>
@@ -4948,7 +5584,7 @@
         </p:nvSpPr>
         <p:spPr>
           <a:xfrm>
-            <a:off x="9146692" y="1682398"/>
+            <a:off x="6192850" y="1682398"/>
             <a:ext cx="2885508" cy="1768645"/>
           </a:xfrm>
           <a:prstGeom prst="rect">
@@ -4986,48 +5622,12 @@
           </a:p>
         </p:txBody>
       </p:sp>
-      <p:pic>
-        <p:nvPicPr>
-          <p:cNvPr id="44" name="Imagen 43">
-            <a:extLst>
-              <a:ext uri="{FF2B5EF4-FFF2-40B4-BE49-F238E27FC236}">
-                <a16:creationId xmlns:a16="http://schemas.microsoft.com/office/drawing/2014/main" id="{624CB4AD-E7C3-401D-9D68-F3E74116F95E}"/>
-              </a:ext>
-            </a:extLst>
-          </p:cNvPr>
-          <p:cNvPicPr>
-            <a:picLocks noChangeAspect="1"/>
-          </p:cNvPicPr>
-          <p:nvPr/>
-        </p:nvPicPr>
-        <p:blipFill>
-          <a:blip r:embed="rId3">
-            <a:extLst>
-              <a:ext uri="{28A0092B-C50C-407E-A947-70E740481C1C}">
-                <a14:useLocalDpi xmlns:a14="http://schemas.microsoft.com/office/drawing/2010/main" val="0"/>
-              </a:ext>
-            </a:extLst>
-          </a:blip>
-          <a:stretch>
-            <a:fillRect/>
-          </a:stretch>
-        </p:blipFill>
-        <p:spPr>
-          <a:xfrm>
-            <a:off x="9690075" y="2299849"/>
-            <a:ext cx="1996582" cy="1095950"/>
-          </a:xfrm>
-          <a:prstGeom prst="rect">
-            <a:avLst/>
-          </a:prstGeom>
-        </p:spPr>
-      </p:pic>
-      <p:sp>
-        <p:nvSpPr>
-          <p:cNvPr id="56" name="CuadroTexto 55">
-            <a:extLst>
-              <a:ext uri="{FF2B5EF4-FFF2-40B4-BE49-F238E27FC236}">
-                <a16:creationId xmlns:a16="http://schemas.microsoft.com/office/drawing/2014/main" id="{B3AC053E-DBAC-4695-B3EE-8F070F05343F}"/>
+      <p:sp>
+        <p:nvSpPr>
+          <p:cNvPr id="51" name="CuadroTexto 50">
+            <a:extLst>
+              <a:ext uri="{FF2B5EF4-FFF2-40B4-BE49-F238E27FC236}">
+                <a16:creationId xmlns:a16="http://schemas.microsoft.com/office/drawing/2014/main" id="{19F06B00-8AE8-46BA-848D-648BC5E80E98}"/>
               </a:ext>
             </a:extLst>
           </p:cNvPr>
@@ -5036,7 +5636,7 @@
         </p:nvSpPr>
         <p:spPr>
           <a:xfrm>
-            <a:off x="156536" y="3119234"/>
+            <a:off x="9146693" y="1687357"/>
             <a:ext cx="2885508" cy="307777"/>
           </a:xfrm>
           <a:prstGeom prst="rect">
@@ -5059,17 +5659,17 @@
                   <a:schemeClr val="bg1"/>
                 </a:solidFill>
               </a:rPr>
-              <a:t>Estado 1 - Descanso</a:t>
-            </a:r>
-          </a:p>
-        </p:txBody>
-      </p:sp>
-      <p:sp>
-        <p:nvSpPr>
-          <p:cNvPr id="57" name="Rectángulo 56">
-            <a:extLst>
-              <a:ext uri="{FF2B5EF4-FFF2-40B4-BE49-F238E27FC236}">
-                <a16:creationId xmlns:a16="http://schemas.microsoft.com/office/drawing/2014/main" id="{3FBD07C1-A6AC-4417-B959-9D2BE224FB55}"/>
+              <a:t>Estado 2 - Ataque</a:t>
+            </a:r>
+          </a:p>
+        </p:txBody>
+      </p:sp>
+      <p:sp>
+        <p:nvSpPr>
+          <p:cNvPr id="52" name="Rectángulo 51">
+            <a:extLst>
+              <a:ext uri="{FF2B5EF4-FFF2-40B4-BE49-F238E27FC236}">
+                <a16:creationId xmlns:a16="http://schemas.microsoft.com/office/drawing/2014/main" id="{558DB664-1744-4ECB-9260-DE0725724FC4}"/>
               </a:ext>
             </a:extLst>
           </p:cNvPr>
@@ -5078,7 +5678,7 @@
         </p:nvSpPr>
         <p:spPr>
           <a:xfrm>
-            <a:off x="156535" y="3114275"/>
+            <a:off x="9146692" y="1682398"/>
             <a:ext cx="2885508" cy="1768645"/>
           </a:xfrm>
           <a:prstGeom prst="rect">
@@ -5116,12 +5716,48 @@
           </a:p>
         </p:txBody>
       </p:sp>
-      <p:sp>
-        <p:nvSpPr>
-          <p:cNvPr id="58" name="CuadroTexto 57">
-            <a:extLst>
-              <a:ext uri="{FF2B5EF4-FFF2-40B4-BE49-F238E27FC236}">
-                <a16:creationId xmlns:a16="http://schemas.microsoft.com/office/drawing/2014/main" id="{FA7C2F04-C86F-49D0-897C-059F6BCD2F72}"/>
+      <p:pic>
+        <p:nvPicPr>
+          <p:cNvPr id="44" name="Imagen 43">
+            <a:extLst>
+              <a:ext uri="{FF2B5EF4-FFF2-40B4-BE49-F238E27FC236}">
+                <a16:creationId xmlns:a16="http://schemas.microsoft.com/office/drawing/2014/main" id="{624CB4AD-E7C3-401D-9D68-F3E74116F95E}"/>
+              </a:ext>
+            </a:extLst>
+          </p:cNvPr>
+          <p:cNvPicPr>
+            <a:picLocks noChangeAspect="1"/>
+          </p:cNvPicPr>
+          <p:nvPr/>
+        </p:nvPicPr>
+        <p:blipFill>
+          <a:blip r:embed="rId3">
+            <a:extLst>
+              <a:ext uri="{28A0092B-C50C-407E-A947-70E740481C1C}">
+                <a14:useLocalDpi xmlns:a14="http://schemas.microsoft.com/office/drawing/2010/main" val="0"/>
+              </a:ext>
+            </a:extLst>
+          </a:blip>
+          <a:stretch>
+            <a:fillRect/>
+          </a:stretch>
+        </p:blipFill>
+        <p:spPr>
+          <a:xfrm>
+            <a:off x="9690075" y="2299849"/>
+            <a:ext cx="1996582" cy="1095950"/>
+          </a:xfrm>
+          <a:prstGeom prst="rect">
+            <a:avLst/>
+          </a:prstGeom>
+        </p:spPr>
+      </p:pic>
+      <p:sp>
+        <p:nvSpPr>
+          <p:cNvPr id="56" name="CuadroTexto 55">
+            <a:extLst>
+              <a:ext uri="{FF2B5EF4-FFF2-40B4-BE49-F238E27FC236}">
+                <a16:creationId xmlns:a16="http://schemas.microsoft.com/office/drawing/2014/main" id="{B3AC053E-DBAC-4695-B3EE-8F070F05343F}"/>
               </a:ext>
             </a:extLst>
           </p:cNvPr>
@@ -5130,7 +5766,7 @@
         </p:nvSpPr>
         <p:spPr>
           <a:xfrm>
-            <a:off x="3110378" y="3119234"/>
+            <a:off x="156536" y="3119234"/>
             <a:ext cx="2885508" cy="307777"/>
           </a:xfrm>
           <a:prstGeom prst="rect">
@@ -5153,17 +5789,17 @@
                   <a:schemeClr val="bg1"/>
                 </a:solidFill>
               </a:rPr>
-              <a:t>Estado 2 - Ataque</a:t>
-            </a:r>
-          </a:p>
-        </p:txBody>
-      </p:sp>
-      <p:sp>
-        <p:nvSpPr>
-          <p:cNvPr id="59" name="Rectángulo 58">
-            <a:extLst>
-              <a:ext uri="{FF2B5EF4-FFF2-40B4-BE49-F238E27FC236}">
-                <a16:creationId xmlns:a16="http://schemas.microsoft.com/office/drawing/2014/main" id="{13735A1D-8244-44AE-A354-E98828B1D1B5}"/>
+              <a:t>Estado 1 - Descanso</a:t>
+            </a:r>
+          </a:p>
+        </p:txBody>
+      </p:sp>
+      <p:sp>
+        <p:nvSpPr>
+          <p:cNvPr id="57" name="Rectángulo 56">
+            <a:extLst>
+              <a:ext uri="{FF2B5EF4-FFF2-40B4-BE49-F238E27FC236}">
+                <a16:creationId xmlns:a16="http://schemas.microsoft.com/office/drawing/2014/main" id="{3FBD07C1-A6AC-4417-B959-9D2BE224FB55}"/>
               </a:ext>
             </a:extLst>
           </p:cNvPr>
@@ -5172,7 +5808,7 @@
         </p:nvSpPr>
         <p:spPr>
           <a:xfrm>
-            <a:off x="3110377" y="3114275"/>
+            <a:off x="156535" y="3114275"/>
             <a:ext cx="2885508" cy="1768645"/>
           </a:xfrm>
           <a:prstGeom prst="rect">
@@ -5210,84 +5846,12 @@
           </a:p>
         </p:txBody>
       </p:sp>
-      <p:pic>
-        <p:nvPicPr>
-          <p:cNvPr id="48" name="Imagen 47">
-            <a:extLst>
-              <a:ext uri="{FF2B5EF4-FFF2-40B4-BE49-F238E27FC236}">
-                <a16:creationId xmlns:a16="http://schemas.microsoft.com/office/drawing/2014/main" id="{1915E78F-EAE1-40B7-8B47-FBB4E008B0CC}"/>
-              </a:ext>
-            </a:extLst>
-          </p:cNvPr>
-          <p:cNvPicPr>
-            <a:picLocks noChangeAspect="1"/>
-          </p:cNvPicPr>
-          <p:nvPr/>
-        </p:nvPicPr>
-        <p:blipFill>
-          <a:blip r:embed="rId4">
-            <a:extLst>
-              <a:ext uri="{28A0092B-C50C-407E-A947-70E740481C1C}">
-                <a14:useLocalDpi xmlns:a14="http://schemas.microsoft.com/office/drawing/2010/main" val="0"/>
-              </a:ext>
-            </a:extLst>
-          </a:blip>
-          <a:stretch>
-            <a:fillRect/>
-          </a:stretch>
-        </p:blipFill>
-        <p:spPr>
-          <a:xfrm>
-            <a:off x="1113862" y="3587935"/>
-            <a:ext cx="1080792" cy="1142906"/>
-          </a:xfrm>
-          <a:prstGeom prst="rect">
-            <a:avLst/>
-          </a:prstGeom>
-        </p:spPr>
-      </p:pic>
-      <p:pic>
-        <p:nvPicPr>
-          <p:cNvPr id="54" name="Imagen 53">
-            <a:extLst>
-              <a:ext uri="{FF2B5EF4-FFF2-40B4-BE49-F238E27FC236}">
-                <a16:creationId xmlns:a16="http://schemas.microsoft.com/office/drawing/2014/main" id="{16D93D7A-2A73-4EA2-BD6B-76C022D40437}"/>
-              </a:ext>
-            </a:extLst>
-          </p:cNvPr>
-          <p:cNvPicPr>
-            <a:picLocks noChangeAspect="1"/>
-          </p:cNvPicPr>
-          <p:nvPr/>
-        </p:nvPicPr>
-        <p:blipFill>
-          <a:blip r:embed="rId5">
-            <a:extLst>
-              <a:ext uri="{28A0092B-C50C-407E-A947-70E740481C1C}">
-                <a14:useLocalDpi xmlns:a14="http://schemas.microsoft.com/office/drawing/2010/main" val="0"/>
-              </a:ext>
-            </a:extLst>
-          </a:blip>
-          <a:stretch>
-            <a:fillRect/>
-          </a:stretch>
-        </p:blipFill>
-        <p:spPr>
-          <a:xfrm>
-            <a:off x="3996985" y="3535095"/>
-            <a:ext cx="1112291" cy="1239741"/>
-          </a:xfrm>
-          <a:prstGeom prst="rect">
-            <a:avLst/>
-          </a:prstGeom>
-        </p:spPr>
-      </p:pic>
-      <p:sp>
-        <p:nvSpPr>
-          <p:cNvPr id="65" name="CuadroTexto 64">
-            <a:extLst>
-              <a:ext uri="{FF2B5EF4-FFF2-40B4-BE49-F238E27FC236}">
-                <a16:creationId xmlns:a16="http://schemas.microsoft.com/office/drawing/2014/main" id="{20CCACC0-195A-40A1-AC0A-C89B65424F7F}"/>
+      <p:sp>
+        <p:nvSpPr>
+          <p:cNvPr id="58" name="CuadroTexto 57">
+            <a:extLst>
+              <a:ext uri="{FF2B5EF4-FFF2-40B4-BE49-F238E27FC236}">
+                <a16:creationId xmlns:a16="http://schemas.microsoft.com/office/drawing/2014/main" id="{FA7C2F04-C86F-49D0-897C-059F6BCD2F72}"/>
               </a:ext>
             </a:extLst>
           </p:cNvPr>
@@ -5296,59 +5860,7 @@
         </p:nvSpPr>
         <p:spPr>
           <a:xfrm>
-            <a:off x="159799" y="1097539"/>
-            <a:ext cx="5839350" cy="1169551"/>
-          </a:xfrm>
-          <a:prstGeom prst="rect">
-            <a:avLst/>
-          </a:prstGeom>
-          <a:noFill/>
-          <a:ln w="28575">
-            <a:solidFill>
-              <a:schemeClr val="tx1"/>
-            </a:solidFill>
-          </a:ln>
-        </p:spPr>
-        <p:txBody>
-          <a:bodyPr wrap="square" rtlCol="0">
-            <a:spAutoFit/>
-          </a:bodyPr>
-          <a:lstStyle/>
-          <a:p>
-            <a:pPr algn="just"/>
-            <a:r>
-              <a:rPr lang="es-UY" sz="1400" u="sng" dirty="0"/>
-              <a:t>Enemigo Simple: Guris.</a:t>
-            </a:r>
-          </a:p>
-          <a:p>
-            <a:pPr algn="just"/>
-            <a:endParaRPr lang="es-UY" sz="1400" dirty="0"/>
-          </a:p>
-          <a:p>
-            <a:pPr algn="just"/>
-            <a:r>
-              <a:rPr lang="es-UY" sz="1400" dirty="0"/>
-              <a:t>Este es el tipo mas habitual de Enemigos Simple. Su comportamiento es básico, tiene dos modos esenciales, descanso y ataque. Esta en reposo hasta que entra en contacto con el jugador y pasa al modo de ataque.</a:t>
-            </a:r>
-          </a:p>
-        </p:txBody>
-      </p:sp>
-      <p:sp>
-        <p:nvSpPr>
-          <p:cNvPr id="28" name="CuadroTexto 27">
-            <a:extLst>
-              <a:ext uri="{FF2B5EF4-FFF2-40B4-BE49-F238E27FC236}">
-                <a16:creationId xmlns:a16="http://schemas.microsoft.com/office/drawing/2014/main" id="{4C3C4478-676F-4052-9693-EDFF381266AC}"/>
-              </a:ext>
-            </a:extLst>
-          </p:cNvPr>
-          <p:cNvSpPr txBox="1"/>
-          <p:nvPr/>
-        </p:nvSpPr>
-        <p:spPr>
-          <a:xfrm>
-            <a:off x="1634067" y="4991004"/>
+            <a:off x="3110378" y="3119234"/>
             <a:ext cx="2885508" cy="307777"/>
           </a:xfrm>
           <a:prstGeom prst="rect">
@@ -5371,17 +5883,17 @@
                   <a:schemeClr val="bg1"/>
                 </a:solidFill>
               </a:rPr>
-              <a:t>Variable 1: Estado 3 - Empuje</a:t>
-            </a:r>
-          </a:p>
-        </p:txBody>
-      </p:sp>
-      <p:sp>
-        <p:nvSpPr>
-          <p:cNvPr id="29" name="Rectángulo 28">
-            <a:extLst>
-              <a:ext uri="{FF2B5EF4-FFF2-40B4-BE49-F238E27FC236}">
-                <a16:creationId xmlns:a16="http://schemas.microsoft.com/office/drawing/2014/main" id="{24E2FF94-79FD-4847-9F35-7E7891ECD276}"/>
+              <a:t>Estado 2 - Ataque</a:t>
+            </a:r>
+          </a:p>
+        </p:txBody>
+      </p:sp>
+      <p:sp>
+        <p:nvSpPr>
+          <p:cNvPr id="59" name="Rectángulo 58">
+            <a:extLst>
+              <a:ext uri="{FF2B5EF4-FFF2-40B4-BE49-F238E27FC236}">
+                <a16:creationId xmlns:a16="http://schemas.microsoft.com/office/drawing/2014/main" id="{13735A1D-8244-44AE-A354-E98828B1D1B5}"/>
               </a:ext>
             </a:extLst>
           </p:cNvPr>
@@ -5390,7 +5902,7 @@
         </p:nvSpPr>
         <p:spPr>
           <a:xfrm>
-            <a:off x="1634066" y="4986045"/>
+            <a:off x="3110377" y="3114275"/>
             <a:ext cx="2885508" cy="1768645"/>
           </a:xfrm>
           <a:prstGeom prst="rect">
@@ -5430,6 +5942,224 @@
       </p:sp>
       <p:pic>
         <p:nvPicPr>
+          <p:cNvPr id="48" name="Imagen 47">
+            <a:extLst>
+              <a:ext uri="{FF2B5EF4-FFF2-40B4-BE49-F238E27FC236}">
+                <a16:creationId xmlns:a16="http://schemas.microsoft.com/office/drawing/2014/main" id="{1915E78F-EAE1-40B7-8B47-FBB4E008B0CC}"/>
+              </a:ext>
+            </a:extLst>
+          </p:cNvPr>
+          <p:cNvPicPr>
+            <a:picLocks noChangeAspect="1"/>
+          </p:cNvPicPr>
+          <p:nvPr/>
+        </p:nvPicPr>
+        <p:blipFill>
+          <a:blip r:embed="rId4">
+            <a:extLst>
+              <a:ext uri="{28A0092B-C50C-407E-A947-70E740481C1C}">
+                <a14:useLocalDpi xmlns:a14="http://schemas.microsoft.com/office/drawing/2010/main" val="0"/>
+              </a:ext>
+            </a:extLst>
+          </a:blip>
+          <a:stretch>
+            <a:fillRect/>
+          </a:stretch>
+        </p:blipFill>
+        <p:spPr>
+          <a:xfrm>
+            <a:off x="1113862" y="3587935"/>
+            <a:ext cx="1080792" cy="1142906"/>
+          </a:xfrm>
+          <a:prstGeom prst="rect">
+            <a:avLst/>
+          </a:prstGeom>
+        </p:spPr>
+      </p:pic>
+      <p:pic>
+        <p:nvPicPr>
+          <p:cNvPr id="54" name="Imagen 53">
+            <a:extLst>
+              <a:ext uri="{FF2B5EF4-FFF2-40B4-BE49-F238E27FC236}">
+                <a16:creationId xmlns:a16="http://schemas.microsoft.com/office/drawing/2014/main" id="{16D93D7A-2A73-4EA2-BD6B-76C022D40437}"/>
+              </a:ext>
+            </a:extLst>
+          </p:cNvPr>
+          <p:cNvPicPr>
+            <a:picLocks noChangeAspect="1"/>
+          </p:cNvPicPr>
+          <p:nvPr/>
+        </p:nvPicPr>
+        <p:blipFill>
+          <a:blip r:embed="rId5">
+            <a:extLst>
+              <a:ext uri="{28A0092B-C50C-407E-A947-70E740481C1C}">
+                <a14:useLocalDpi xmlns:a14="http://schemas.microsoft.com/office/drawing/2010/main" val="0"/>
+              </a:ext>
+            </a:extLst>
+          </a:blip>
+          <a:stretch>
+            <a:fillRect/>
+          </a:stretch>
+        </p:blipFill>
+        <p:spPr>
+          <a:xfrm>
+            <a:off x="3996985" y="3535095"/>
+            <a:ext cx="1112291" cy="1239741"/>
+          </a:xfrm>
+          <a:prstGeom prst="rect">
+            <a:avLst/>
+          </a:prstGeom>
+        </p:spPr>
+      </p:pic>
+      <p:sp>
+        <p:nvSpPr>
+          <p:cNvPr id="65" name="CuadroTexto 64">
+            <a:extLst>
+              <a:ext uri="{FF2B5EF4-FFF2-40B4-BE49-F238E27FC236}">
+                <a16:creationId xmlns:a16="http://schemas.microsoft.com/office/drawing/2014/main" id="{20CCACC0-195A-40A1-AC0A-C89B65424F7F}"/>
+              </a:ext>
+            </a:extLst>
+          </p:cNvPr>
+          <p:cNvSpPr txBox="1"/>
+          <p:nvPr/>
+        </p:nvSpPr>
+        <p:spPr>
+          <a:xfrm>
+            <a:off x="159799" y="1097539"/>
+            <a:ext cx="5839350" cy="1169551"/>
+          </a:xfrm>
+          <a:prstGeom prst="rect">
+            <a:avLst/>
+          </a:prstGeom>
+          <a:noFill/>
+          <a:ln w="28575">
+            <a:solidFill>
+              <a:schemeClr val="tx1"/>
+            </a:solidFill>
+          </a:ln>
+        </p:spPr>
+        <p:txBody>
+          <a:bodyPr wrap="square" rtlCol="0">
+            <a:spAutoFit/>
+          </a:bodyPr>
+          <a:lstStyle/>
+          <a:p>
+            <a:pPr algn="just"/>
+            <a:r>
+              <a:rPr lang="es-UY" sz="1400" u="sng" dirty="0"/>
+              <a:t>Enemigo Simple: Guris.</a:t>
+            </a:r>
+          </a:p>
+          <a:p>
+            <a:pPr algn="just"/>
+            <a:endParaRPr lang="es-UY" sz="1400" dirty="0"/>
+          </a:p>
+          <a:p>
+            <a:pPr algn="just"/>
+            <a:r>
+              <a:rPr lang="es-UY" sz="1400" dirty="0"/>
+              <a:t>Este es el tipo mas habitual de Enemigos Simple. Su comportamiento es básico, tiene dos modos esenciales, descanso y ataque. Esta en reposo hasta que entra en contacto con el jugador y pasa al modo de ataque.</a:t>
+            </a:r>
+          </a:p>
+        </p:txBody>
+      </p:sp>
+      <p:sp>
+        <p:nvSpPr>
+          <p:cNvPr id="28" name="CuadroTexto 27">
+            <a:extLst>
+              <a:ext uri="{FF2B5EF4-FFF2-40B4-BE49-F238E27FC236}">
+                <a16:creationId xmlns:a16="http://schemas.microsoft.com/office/drawing/2014/main" id="{4C3C4478-676F-4052-9693-EDFF381266AC}"/>
+              </a:ext>
+            </a:extLst>
+          </p:cNvPr>
+          <p:cNvSpPr txBox="1"/>
+          <p:nvPr/>
+        </p:nvSpPr>
+        <p:spPr>
+          <a:xfrm>
+            <a:off x="1634067" y="4991004"/>
+            <a:ext cx="2885508" cy="307777"/>
+          </a:xfrm>
+          <a:prstGeom prst="rect">
+            <a:avLst/>
+          </a:prstGeom>
+          <a:solidFill>
+            <a:schemeClr val="tx1"/>
+          </a:solidFill>
+        </p:spPr>
+        <p:txBody>
+          <a:bodyPr wrap="square" rtlCol="0">
+            <a:spAutoFit/>
+          </a:bodyPr>
+          <a:lstStyle/>
+          <a:p>
+            <a:pPr algn="ctr"/>
+            <a:r>
+              <a:rPr lang="es-UY" sz="1400" dirty="0">
+                <a:solidFill>
+                  <a:schemeClr val="bg1"/>
+                </a:solidFill>
+              </a:rPr>
+              <a:t>Variable 1: Estado 3 - Empuje</a:t>
+            </a:r>
+          </a:p>
+        </p:txBody>
+      </p:sp>
+      <p:sp>
+        <p:nvSpPr>
+          <p:cNvPr id="29" name="Rectángulo 28">
+            <a:extLst>
+              <a:ext uri="{FF2B5EF4-FFF2-40B4-BE49-F238E27FC236}">
+                <a16:creationId xmlns:a16="http://schemas.microsoft.com/office/drawing/2014/main" id="{24E2FF94-79FD-4847-9F35-7E7891ECD276}"/>
+              </a:ext>
+            </a:extLst>
+          </p:cNvPr>
+          <p:cNvSpPr/>
+          <p:nvPr/>
+        </p:nvSpPr>
+        <p:spPr>
+          <a:xfrm>
+            <a:off x="1634066" y="4986045"/>
+            <a:ext cx="2885508" cy="1768645"/>
+          </a:xfrm>
+          <a:prstGeom prst="rect">
+            <a:avLst/>
+          </a:prstGeom>
+          <a:noFill/>
+          <a:ln w="28575">
+            <a:solidFill>
+              <a:schemeClr val="tx1"/>
+            </a:solidFill>
+          </a:ln>
+        </p:spPr>
+        <p:style>
+          <a:lnRef idx="2">
+            <a:schemeClr val="accent1">
+              <a:shade val="50000"/>
+            </a:schemeClr>
+          </a:lnRef>
+          <a:fillRef idx="1">
+            <a:schemeClr val="accent1"/>
+          </a:fillRef>
+          <a:effectRef idx="0">
+            <a:schemeClr val="accent1"/>
+          </a:effectRef>
+          <a:fontRef idx="minor">
+            <a:schemeClr val="lt1"/>
+          </a:fontRef>
+        </p:style>
+        <p:txBody>
+          <a:bodyPr rtlCol="0" anchor="ctr"/>
+          <a:lstStyle/>
+          <a:p>
+            <a:pPr algn="ctr"/>
+            <a:endParaRPr lang="es-UY"/>
+          </a:p>
+        </p:txBody>
+      </p:sp>
+      <p:pic>
+        <p:nvPicPr>
           <p:cNvPr id="7" name="Imagen 6">
             <a:extLst>
               <a:ext uri="{FF2B5EF4-FFF2-40B4-BE49-F238E27FC236}">
@@ -5477,7 +6207,7 @@
 </p:sld>
 </file>
 
-<file path=ppt/slides/slide11.xml><?xml version="1.0" encoding="utf-8"?>
+<file path=ppt/slides/slide12.xml><?xml version="1.0" encoding="utf-8"?>
 <p:sld xmlns:a="http://schemas.openxmlformats.org/drawingml/2006/main" xmlns:r="http://schemas.openxmlformats.org/officeDocument/2006/relationships" xmlns:p="http://schemas.openxmlformats.org/presentationml/2006/main">
   <p:cSld>
     <p:spTree>
@@ -6713,7 +7443,7 @@
 </p:sld>
 </file>
 
-<file path=ppt/slides/slide12.xml><?xml version="1.0" encoding="utf-8"?>
+<file path=ppt/slides/slide13.xml><?xml version="1.0" encoding="utf-8"?>
 <p:sld xmlns:a="http://schemas.openxmlformats.org/drawingml/2006/main" xmlns:r="http://schemas.openxmlformats.org/officeDocument/2006/relationships" xmlns:p="http://schemas.openxmlformats.org/presentationml/2006/main">
   <p:cSld>
     <p:spTree>
@@ -12272,6 +13002,41 @@
           <a:chExt cx="0" cy="0"/>
         </a:xfrm>
       </p:grpSpPr>
+      <p:pic>
+        <p:nvPicPr>
+          <p:cNvPr id="10" name="Imagen 9">
+            <a:extLst>
+              <a:ext uri="{FF2B5EF4-FFF2-40B4-BE49-F238E27FC236}">
+                <a16:creationId xmlns:a16="http://schemas.microsoft.com/office/drawing/2014/main" id="{C43C8323-65D7-405C-8CA8-47B9A9F61643}"/>
+              </a:ext>
+            </a:extLst>
+          </p:cNvPr>
+          <p:cNvPicPr>
+            <a:picLocks noChangeAspect="1"/>
+          </p:cNvPicPr>
+          <p:nvPr/>
+        </p:nvPicPr>
+        <p:blipFill rotWithShape="1">
+          <a:blip r:embed="rId3">
+            <a:extLst>
+              <a:ext uri="{28A0092B-C50C-407E-A947-70E740481C1C}">
+                <a14:useLocalDpi xmlns:a14="http://schemas.microsoft.com/office/drawing/2010/main" val="0"/>
+              </a:ext>
+            </a:extLst>
+          </a:blip>
+          <a:srcRect l="3690" t="-1069" r="54" b="1069"/>
+          <a:stretch/>
+        </p:blipFill>
+        <p:spPr>
+          <a:xfrm flipH="1">
+            <a:off x="2801294" y="4380411"/>
+            <a:ext cx="2115206" cy="1551181"/>
+          </a:xfrm>
+          <a:prstGeom prst="rect">
+            <a:avLst/>
+          </a:prstGeom>
+        </p:spPr>
+      </p:pic>
       <p:sp>
         <p:nvSpPr>
           <p:cNvPr id="45" name="Rectángulo: esquinas redondeadas 44">
@@ -12325,7 +13090,7 @@
                 <a:latin typeface="Times New Roman" panose="02020603050405020304" pitchFamily="18" charset="0"/>
                 <a:cs typeface="Times New Roman" panose="02020603050405020304" pitchFamily="18" charset="0"/>
               </a:rPr>
-              <a:t>Anim: Movimiento</a:t>
+              <a:t>Personajes</a:t>
             </a:r>
           </a:p>
         </p:txBody>
@@ -12446,48 +13211,6 @@
       </p:sp>
       <p:sp>
         <p:nvSpPr>
-          <p:cNvPr id="52" name="CuadroTexto 51">
-            <a:extLst>
-              <a:ext uri="{FF2B5EF4-FFF2-40B4-BE49-F238E27FC236}">
-                <a16:creationId xmlns:a16="http://schemas.microsoft.com/office/drawing/2014/main" id="{801446E1-A3C1-424B-A051-E80E9F0F42E8}"/>
-              </a:ext>
-            </a:extLst>
-          </p:cNvPr>
-          <p:cNvSpPr txBox="1"/>
-          <p:nvPr/>
-        </p:nvSpPr>
-        <p:spPr>
-          <a:xfrm>
-            <a:off x="508436" y="3395097"/>
-            <a:ext cx="2148926" cy="307777"/>
-          </a:xfrm>
-          <a:prstGeom prst="rect">
-            <a:avLst/>
-          </a:prstGeom>
-          <a:solidFill>
-            <a:schemeClr val="tx1"/>
-          </a:solidFill>
-        </p:spPr>
-        <p:txBody>
-          <a:bodyPr wrap="square" rtlCol="0">
-            <a:spAutoFit/>
-          </a:bodyPr>
-          <a:lstStyle/>
-          <a:p>
-            <a:pPr algn="ctr"/>
-            <a:r>
-              <a:rPr lang="es-UY" sz="1400" u="sng" dirty="0">
-                <a:solidFill>
-                  <a:schemeClr val="bg1"/>
-                </a:solidFill>
-              </a:rPr>
-              <a:t>Idle</a:t>
-            </a:r>
-          </a:p>
-        </p:txBody>
-      </p:sp>
-      <p:sp>
-        <p:nvSpPr>
           <p:cNvPr id="46" name="Rectángulo: esquinas redondeadas 45">
             <a:extLst>
               <a:ext uri="{FF2B5EF4-FFF2-40B4-BE49-F238E27FC236}">
@@ -12942,6 +13665,1414 @@
           </a:p>
         </p:txBody>
       </p:sp>
+      <p:sp>
+        <p:nvSpPr>
+          <p:cNvPr id="119" name="CuadroTexto 118">
+            <a:extLst>
+              <a:ext uri="{FF2B5EF4-FFF2-40B4-BE49-F238E27FC236}">
+                <a16:creationId xmlns:a16="http://schemas.microsoft.com/office/drawing/2014/main" id="{1B2973EE-6759-4CA6-9EF0-C9B234E9A0EF}"/>
+              </a:ext>
+            </a:extLst>
+          </p:cNvPr>
+          <p:cNvSpPr txBox="1"/>
+          <p:nvPr/>
+        </p:nvSpPr>
+        <p:spPr>
+          <a:xfrm>
+            <a:off x="508436" y="6098312"/>
+            <a:ext cx="2148926" cy="307777"/>
+          </a:xfrm>
+          <a:prstGeom prst="rect">
+            <a:avLst/>
+          </a:prstGeom>
+          <a:solidFill>
+            <a:schemeClr val="tx1"/>
+          </a:solidFill>
+        </p:spPr>
+        <p:txBody>
+          <a:bodyPr wrap="square" rtlCol="0">
+            <a:spAutoFit/>
+          </a:bodyPr>
+          <a:lstStyle/>
+          <a:p>
+            <a:pPr algn="ctr"/>
+            <a:r>
+              <a:rPr lang="es-UY" sz="1400" u="sng" dirty="0">
+                <a:solidFill>
+                  <a:schemeClr val="bg1"/>
+                </a:solidFill>
+              </a:rPr>
+              <a:t>D. Manuel Francisco</a:t>
+            </a:r>
+          </a:p>
+        </p:txBody>
+      </p:sp>
+      <p:sp>
+        <p:nvSpPr>
+          <p:cNvPr id="120" name="CuadroTexto 119">
+            <a:extLst>
+              <a:ext uri="{FF2B5EF4-FFF2-40B4-BE49-F238E27FC236}">
+                <a16:creationId xmlns:a16="http://schemas.microsoft.com/office/drawing/2014/main" id="{4EAC24CA-07D8-4648-8A08-FDD8B39F9858}"/>
+              </a:ext>
+            </a:extLst>
+          </p:cNvPr>
+          <p:cNvSpPr txBox="1"/>
+          <p:nvPr/>
+        </p:nvSpPr>
+        <p:spPr>
+          <a:xfrm>
+            <a:off x="2768960" y="6098311"/>
+            <a:ext cx="2148926" cy="307777"/>
+          </a:xfrm>
+          <a:prstGeom prst="rect">
+            <a:avLst/>
+          </a:prstGeom>
+          <a:solidFill>
+            <a:schemeClr val="tx1"/>
+          </a:solidFill>
+        </p:spPr>
+        <p:txBody>
+          <a:bodyPr wrap="square" rtlCol="0">
+            <a:spAutoFit/>
+          </a:bodyPr>
+          <a:lstStyle/>
+          <a:p>
+            <a:pPr algn="ctr"/>
+            <a:r>
+              <a:rPr lang="es-UY" sz="1400" u="sng" dirty="0">
+                <a:solidFill>
+                  <a:schemeClr val="bg1"/>
+                </a:solidFill>
+              </a:rPr>
+              <a:t>Juan Antonio Artigas</a:t>
+            </a:r>
+          </a:p>
+        </p:txBody>
+      </p:sp>
+      <p:sp>
+        <p:nvSpPr>
+          <p:cNvPr id="121" name="CuadroTexto 120">
+            <a:extLst>
+              <a:ext uri="{FF2B5EF4-FFF2-40B4-BE49-F238E27FC236}">
+                <a16:creationId xmlns:a16="http://schemas.microsoft.com/office/drawing/2014/main" id="{2192EFA3-A52B-4308-ABCA-473CECA477BA}"/>
+              </a:ext>
+            </a:extLst>
+          </p:cNvPr>
+          <p:cNvSpPr txBox="1"/>
+          <p:nvPr/>
+        </p:nvSpPr>
+        <p:spPr>
+          <a:xfrm>
+            <a:off x="5016888" y="6104273"/>
+            <a:ext cx="2148926" cy="307777"/>
+          </a:xfrm>
+          <a:prstGeom prst="rect">
+            <a:avLst/>
+          </a:prstGeom>
+          <a:solidFill>
+            <a:schemeClr val="tx1"/>
+          </a:solidFill>
+        </p:spPr>
+        <p:txBody>
+          <a:bodyPr wrap="square" rtlCol="0">
+            <a:spAutoFit/>
+          </a:bodyPr>
+          <a:lstStyle/>
+          <a:p>
+            <a:pPr algn="ctr"/>
+            <a:r>
+              <a:rPr lang="es-UY" sz="1400" u="sng" dirty="0">
+                <a:solidFill>
+                  <a:schemeClr val="bg1"/>
+                </a:solidFill>
+              </a:rPr>
+              <a:t>Tacuabé</a:t>
+            </a:r>
+          </a:p>
+        </p:txBody>
+      </p:sp>
+      <p:sp>
+        <p:nvSpPr>
+          <p:cNvPr id="124" name="CuadroTexto 123">
+            <a:extLst>
+              <a:ext uri="{FF2B5EF4-FFF2-40B4-BE49-F238E27FC236}">
+                <a16:creationId xmlns:a16="http://schemas.microsoft.com/office/drawing/2014/main" id="{E5576CAD-55B7-4AF5-A680-B9EB0B77102D}"/>
+              </a:ext>
+            </a:extLst>
+          </p:cNvPr>
+          <p:cNvSpPr txBox="1"/>
+          <p:nvPr/>
+        </p:nvSpPr>
+        <p:spPr>
+          <a:xfrm>
+            <a:off x="7294830" y="6104272"/>
+            <a:ext cx="2148926" cy="307777"/>
+          </a:xfrm>
+          <a:prstGeom prst="rect">
+            <a:avLst/>
+          </a:prstGeom>
+          <a:solidFill>
+            <a:schemeClr val="tx1"/>
+          </a:solidFill>
+        </p:spPr>
+        <p:txBody>
+          <a:bodyPr wrap="square" rtlCol="0">
+            <a:spAutoFit/>
+          </a:bodyPr>
+          <a:lstStyle/>
+          <a:p>
+            <a:pPr algn="ctr"/>
+            <a:r>
+              <a:rPr lang="es-UY" sz="1400" u="sng" dirty="0">
+                <a:solidFill>
+                  <a:schemeClr val="bg1"/>
+                </a:solidFill>
+              </a:rPr>
+              <a:t>Chica Charrúa</a:t>
+            </a:r>
+          </a:p>
+        </p:txBody>
+      </p:sp>
+      <p:sp>
+        <p:nvSpPr>
+          <p:cNvPr id="125" name="CuadroTexto 124">
+            <a:extLst>
+              <a:ext uri="{FF2B5EF4-FFF2-40B4-BE49-F238E27FC236}">
+                <a16:creationId xmlns:a16="http://schemas.microsoft.com/office/drawing/2014/main" id="{7BB0B988-D2E9-4E70-B672-98AA714A56E3}"/>
+              </a:ext>
+            </a:extLst>
+          </p:cNvPr>
+          <p:cNvSpPr txBox="1"/>
+          <p:nvPr/>
+        </p:nvSpPr>
+        <p:spPr>
+          <a:xfrm>
+            <a:off x="9576586" y="6090269"/>
+            <a:ext cx="2148926" cy="307777"/>
+          </a:xfrm>
+          <a:prstGeom prst="rect">
+            <a:avLst/>
+          </a:prstGeom>
+          <a:solidFill>
+            <a:schemeClr val="tx1"/>
+          </a:solidFill>
+        </p:spPr>
+        <p:txBody>
+          <a:bodyPr wrap="square" rtlCol="0">
+            <a:spAutoFit/>
+          </a:bodyPr>
+          <a:lstStyle/>
+          <a:p>
+            <a:pPr algn="ctr"/>
+            <a:r>
+              <a:rPr lang="es-UY" sz="1400" u="sng" dirty="0">
+                <a:solidFill>
+                  <a:schemeClr val="bg1"/>
+                </a:solidFill>
+              </a:rPr>
+              <a:t>Chico Charrúa</a:t>
+            </a:r>
+          </a:p>
+        </p:txBody>
+      </p:sp>
+      <p:sp>
+        <p:nvSpPr>
+          <p:cNvPr id="23" name="CuadroTexto 22">
+            <a:extLst>
+              <a:ext uri="{FF2B5EF4-FFF2-40B4-BE49-F238E27FC236}">
+                <a16:creationId xmlns:a16="http://schemas.microsoft.com/office/drawing/2014/main" id="{B5F6A1A8-D4C8-4795-B83D-B598A085424C}"/>
+              </a:ext>
+            </a:extLst>
+          </p:cNvPr>
+          <p:cNvSpPr txBox="1"/>
+          <p:nvPr/>
+        </p:nvSpPr>
+        <p:spPr>
+          <a:xfrm>
+            <a:off x="490726" y="3394512"/>
+            <a:ext cx="2148926" cy="307777"/>
+          </a:xfrm>
+          <a:prstGeom prst="rect">
+            <a:avLst/>
+          </a:prstGeom>
+          <a:solidFill>
+            <a:schemeClr val="tx1"/>
+          </a:solidFill>
+        </p:spPr>
+        <p:txBody>
+          <a:bodyPr wrap="square" rtlCol="0">
+            <a:spAutoFit/>
+          </a:bodyPr>
+          <a:lstStyle/>
+          <a:p>
+            <a:pPr algn="ctr"/>
+            <a:r>
+              <a:rPr lang="es-UY" sz="1400" u="sng" dirty="0">
+                <a:solidFill>
+                  <a:schemeClr val="bg1"/>
+                </a:solidFill>
+              </a:rPr>
+              <a:t>José Gervasio</a:t>
+            </a:r>
+          </a:p>
+        </p:txBody>
+      </p:sp>
+      <p:sp>
+        <p:nvSpPr>
+          <p:cNvPr id="24" name="CuadroTexto 23">
+            <a:extLst>
+              <a:ext uri="{FF2B5EF4-FFF2-40B4-BE49-F238E27FC236}">
+                <a16:creationId xmlns:a16="http://schemas.microsoft.com/office/drawing/2014/main" id="{F85C5291-DB6D-41B0-92AA-434FF34F12A3}"/>
+              </a:ext>
+            </a:extLst>
+          </p:cNvPr>
+          <p:cNvSpPr txBox="1"/>
+          <p:nvPr/>
+        </p:nvSpPr>
+        <p:spPr>
+          <a:xfrm>
+            <a:off x="2751250" y="3394511"/>
+            <a:ext cx="2148926" cy="307777"/>
+          </a:xfrm>
+          <a:prstGeom prst="rect">
+            <a:avLst/>
+          </a:prstGeom>
+          <a:solidFill>
+            <a:schemeClr val="tx1"/>
+          </a:solidFill>
+        </p:spPr>
+        <p:txBody>
+          <a:bodyPr wrap="square" rtlCol="0">
+            <a:spAutoFit/>
+          </a:bodyPr>
+          <a:lstStyle/>
+          <a:p>
+            <a:pPr algn="ctr"/>
+            <a:r>
+              <a:rPr lang="es-UY" sz="1400" u="sng" dirty="0">
+                <a:solidFill>
+                  <a:schemeClr val="bg1"/>
+                </a:solidFill>
+              </a:rPr>
+              <a:t>Pedro Ángel</a:t>
+            </a:r>
+          </a:p>
+        </p:txBody>
+      </p:sp>
+      <p:sp>
+        <p:nvSpPr>
+          <p:cNvPr id="25" name="CuadroTexto 24">
+            <a:extLst>
+              <a:ext uri="{FF2B5EF4-FFF2-40B4-BE49-F238E27FC236}">
+                <a16:creationId xmlns:a16="http://schemas.microsoft.com/office/drawing/2014/main" id="{39D69AB1-B6C0-4BEC-B9C4-99A9475CD049}"/>
+              </a:ext>
+            </a:extLst>
+          </p:cNvPr>
+          <p:cNvSpPr txBox="1"/>
+          <p:nvPr/>
+        </p:nvSpPr>
+        <p:spPr>
+          <a:xfrm>
+            <a:off x="5025305" y="3400473"/>
+            <a:ext cx="2148926" cy="307777"/>
+          </a:xfrm>
+          <a:prstGeom prst="rect">
+            <a:avLst/>
+          </a:prstGeom>
+          <a:solidFill>
+            <a:schemeClr val="tx1"/>
+          </a:solidFill>
+        </p:spPr>
+        <p:txBody>
+          <a:bodyPr wrap="square" rtlCol="0">
+            <a:spAutoFit/>
+          </a:bodyPr>
+          <a:lstStyle/>
+          <a:p>
+            <a:pPr algn="ctr"/>
+            <a:r>
+              <a:rPr lang="es-UY" sz="1400" u="sng" dirty="0">
+                <a:solidFill>
+                  <a:schemeClr val="bg1"/>
+                </a:solidFill>
+              </a:rPr>
+              <a:t>Martina Antonia</a:t>
+            </a:r>
+          </a:p>
+        </p:txBody>
+      </p:sp>
+      <p:sp>
+        <p:nvSpPr>
+          <p:cNvPr id="26" name="CuadroTexto 25">
+            <a:extLst>
+              <a:ext uri="{FF2B5EF4-FFF2-40B4-BE49-F238E27FC236}">
+                <a16:creationId xmlns:a16="http://schemas.microsoft.com/office/drawing/2014/main" id="{17ACFA7A-4C4F-414F-8EED-A72B02C71DDF}"/>
+              </a:ext>
+            </a:extLst>
+          </p:cNvPr>
+          <p:cNvSpPr txBox="1"/>
+          <p:nvPr/>
+        </p:nvSpPr>
+        <p:spPr>
+          <a:xfrm>
+            <a:off x="7277120" y="3400472"/>
+            <a:ext cx="2148926" cy="307777"/>
+          </a:xfrm>
+          <a:prstGeom prst="rect">
+            <a:avLst/>
+          </a:prstGeom>
+          <a:solidFill>
+            <a:schemeClr val="tx1"/>
+          </a:solidFill>
+        </p:spPr>
+        <p:txBody>
+          <a:bodyPr wrap="square" rtlCol="0">
+            <a:spAutoFit/>
+          </a:bodyPr>
+          <a:lstStyle/>
+          <a:p>
+            <a:pPr algn="ctr"/>
+            <a:r>
+              <a:rPr lang="es-UY" sz="1400" u="sng" dirty="0">
+                <a:solidFill>
+                  <a:schemeClr val="bg1"/>
+                </a:solidFill>
+              </a:rPr>
+              <a:t>Cornelio Cipriano</a:t>
+            </a:r>
+          </a:p>
+        </p:txBody>
+      </p:sp>
+      <p:sp>
+        <p:nvSpPr>
+          <p:cNvPr id="27" name="CuadroTexto 26">
+            <a:extLst>
+              <a:ext uri="{FF2B5EF4-FFF2-40B4-BE49-F238E27FC236}">
+                <a16:creationId xmlns:a16="http://schemas.microsoft.com/office/drawing/2014/main" id="{608F93CB-F1D1-4199-8B9A-A1F3C7C9E4C2}"/>
+              </a:ext>
+            </a:extLst>
+          </p:cNvPr>
+          <p:cNvSpPr txBox="1"/>
+          <p:nvPr/>
+        </p:nvSpPr>
+        <p:spPr>
+          <a:xfrm>
+            <a:off x="9568970" y="3404135"/>
+            <a:ext cx="2148926" cy="307777"/>
+          </a:xfrm>
+          <a:prstGeom prst="rect">
+            <a:avLst/>
+          </a:prstGeom>
+          <a:solidFill>
+            <a:schemeClr val="tx1"/>
+          </a:solidFill>
+        </p:spPr>
+        <p:txBody>
+          <a:bodyPr wrap="square" rtlCol="0">
+            <a:spAutoFit/>
+          </a:bodyPr>
+          <a:lstStyle/>
+          <a:p>
+            <a:pPr algn="ctr"/>
+            <a:r>
+              <a:rPr lang="es-UY" sz="1400" u="sng" dirty="0">
+                <a:solidFill>
+                  <a:schemeClr val="bg1"/>
+                </a:solidFill>
+              </a:rPr>
+              <a:t>José Nicolás</a:t>
+            </a:r>
+          </a:p>
+        </p:txBody>
+      </p:sp>
+      <p:pic>
+        <p:nvPicPr>
+          <p:cNvPr id="5" name="Imagen 4">
+            <a:extLst>
+              <a:ext uri="{FF2B5EF4-FFF2-40B4-BE49-F238E27FC236}">
+                <a16:creationId xmlns:a16="http://schemas.microsoft.com/office/drawing/2014/main" id="{3A635D2B-9E63-4BFE-A1F0-F05151C37757}"/>
+              </a:ext>
+            </a:extLst>
+          </p:cNvPr>
+          <p:cNvPicPr>
+            <a:picLocks noChangeAspect="1"/>
+          </p:cNvPicPr>
+          <p:nvPr/>
+        </p:nvPicPr>
+        <p:blipFill>
+          <a:blip r:embed="rId4">
+            <a:extLst>
+              <a:ext uri="{28A0092B-C50C-407E-A947-70E740481C1C}">
+                <a14:useLocalDpi xmlns:a14="http://schemas.microsoft.com/office/drawing/2010/main" val="0"/>
+              </a:ext>
+            </a:extLst>
+          </a:blip>
+          <a:stretch>
+            <a:fillRect/>
+          </a:stretch>
+        </p:blipFill>
+        <p:spPr>
+          <a:xfrm>
+            <a:off x="650293" y="1449126"/>
+            <a:ext cx="1865211" cy="1697342"/>
+          </a:xfrm>
+          <a:prstGeom prst="rect">
+            <a:avLst/>
+          </a:prstGeom>
+        </p:spPr>
+      </p:pic>
+      <p:pic>
+        <p:nvPicPr>
+          <p:cNvPr id="6" name="Imagen 5">
+            <a:extLst>
+              <a:ext uri="{FF2B5EF4-FFF2-40B4-BE49-F238E27FC236}">
+                <a16:creationId xmlns:a16="http://schemas.microsoft.com/office/drawing/2014/main" id="{EFC9A490-45FF-4DE7-B182-3BA33AE0B285}"/>
+              </a:ext>
+            </a:extLst>
+          </p:cNvPr>
+          <p:cNvPicPr>
+            <a:picLocks noChangeAspect="1"/>
+          </p:cNvPicPr>
+          <p:nvPr/>
+        </p:nvPicPr>
+        <p:blipFill>
+          <a:blip r:embed="rId5">
+            <a:extLst>
+              <a:ext uri="{28A0092B-C50C-407E-A947-70E740481C1C}">
+                <a14:useLocalDpi xmlns:a14="http://schemas.microsoft.com/office/drawing/2010/main" val="0"/>
+              </a:ext>
+            </a:extLst>
+          </a:blip>
+          <a:stretch>
+            <a:fillRect/>
+          </a:stretch>
+        </p:blipFill>
+        <p:spPr>
+          <a:xfrm>
+            <a:off x="5583926" y="1389486"/>
+            <a:ext cx="1031683" cy="1818560"/>
+          </a:xfrm>
+          <a:prstGeom prst="rect">
+            <a:avLst/>
+          </a:prstGeom>
+        </p:spPr>
+      </p:pic>
+      <p:pic>
+        <p:nvPicPr>
+          <p:cNvPr id="7" name="Imagen 6">
+            <a:extLst>
+              <a:ext uri="{FF2B5EF4-FFF2-40B4-BE49-F238E27FC236}">
+                <a16:creationId xmlns:a16="http://schemas.microsoft.com/office/drawing/2014/main" id="{0078F708-1B7C-42BD-90E1-987CA44624A6}"/>
+              </a:ext>
+            </a:extLst>
+          </p:cNvPr>
+          <p:cNvPicPr>
+            <a:picLocks noChangeAspect="1"/>
+          </p:cNvPicPr>
+          <p:nvPr/>
+        </p:nvPicPr>
+        <p:blipFill>
+          <a:blip r:embed="rId6">
+            <a:extLst>
+              <a:ext uri="{28A0092B-C50C-407E-A947-70E740481C1C}">
+                <a14:useLocalDpi xmlns:a14="http://schemas.microsoft.com/office/drawing/2010/main" val="0"/>
+              </a:ext>
+            </a:extLst>
+          </a:blip>
+          <a:stretch>
+            <a:fillRect/>
+          </a:stretch>
+        </p:blipFill>
+        <p:spPr>
+          <a:xfrm flipH="1">
+            <a:off x="8066512" y="2734491"/>
+            <a:ext cx="579808" cy="478972"/>
+          </a:xfrm>
+          <a:prstGeom prst="rect">
+            <a:avLst/>
+          </a:prstGeom>
+        </p:spPr>
+      </p:pic>
+      <p:pic>
+        <p:nvPicPr>
+          <p:cNvPr id="11" name="Imagen 10">
+            <a:extLst>
+              <a:ext uri="{FF2B5EF4-FFF2-40B4-BE49-F238E27FC236}">
+                <a16:creationId xmlns:a16="http://schemas.microsoft.com/office/drawing/2014/main" id="{F411A35D-58BB-4E33-BD4E-F8AAF308FC1A}"/>
+              </a:ext>
+            </a:extLst>
+          </p:cNvPr>
+          <p:cNvPicPr>
+            <a:picLocks noChangeAspect="1"/>
+          </p:cNvPicPr>
+          <p:nvPr/>
+        </p:nvPicPr>
+        <p:blipFill>
+          <a:blip r:embed="rId7">
+            <a:extLst>
+              <a:ext uri="{28A0092B-C50C-407E-A947-70E740481C1C}">
+                <a14:useLocalDpi xmlns:a14="http://schemas.microsoft.com/office/drawing/2010/main" val="0"/>
+              </a:ext>
+            </a:extLst>
+          </a:blip>
+          <a:stretch>
+            <a:fillRect/>
+          </a:stretch>
+        </p:blipFill>
+        <p:spPr>
+          <a:xfrm>
+            <a:off x="1050760" y="3998402"/>
+            <a:ext cx="1230885" cy="2045163"/>
+          </a:xfrm>
+          <a:prstGeom prst="rect">
+            <a:avLst/>
+          </a:prstGeom>
+        </p:spPr>
+      </p:pic>
+      <p:pic>
+        <p:nvPicPr>
+          <p:cNvPr id="13" name="Imagen 12">
+            <a:extLst>
+              <a:ext uri="{FF2B5EF4-FFF2-40B4-BE49-F238E27FC236}">
+                <a16:creationId xmlns:a16="http://schemas.microsoft.com/office/drawing/2014/main" id="{7A8FF81C-CA6B-44BD-BD21-14B65A68DC1D}"/>
+              </a:ext>
+            </a:extLst>
+          </p:cNvPr>
+          <p:cNvPicPr>
+            <a:picLocks noChangeAspect="1"/>
+          </p:cNvPicPr>
+          <p:nvPr/>
+        </p:nvPicPr>
+        <p:blipFill>
+          <a:blip r:embed="rId8">
+            <a:extLst>
+              <a:ext uri="{28A0092B-C50C-407E-A947-70E740481C1C}">
+                <a14:useLocalDpi xmlns:a14="http://schemas.microsoft.com/office/drawing/2010/main" val="0"/>
+              </a:ext>
+            </a:extLst>
+          </a:blip>
+          <a:stretch>
+            <a:fillRect/>
+          </a:stretch>
+        </p:blipFill>
+        <p:spPr>
+          <a:xfrm>
+            <a:off x="10010160" y="1639671"/>
+            <a:ext cx="1485149" cy="1664083"/>
+          </a:xfrm>
+          <a:prstGeom prst="rect">
+            <a:avLst/>
+          </a:prstGeom>
+        </p:spPr>
+      </p:pic>
+      <p:pic>
+        <p:nvPicPr>
+          <p:cNvPr id="3" name="Imagen 2">
+            <a:extLst>
+              <a:ext uri="{FF2B5EF4-FFF2-40B4-BE49-F238E27FC236}">
+                <a16:creationId xmlns:a16="http://schemas.microsoft.com/office/drawing/2014/main" id="{A76AEF8F-7B40-4B57-81B0-F42539D85E65}"/>
+              </a:ext>
+            </a:extLst>
+          </p:cNvPr>
+          <p:cNvPicPr>
+            <a:picLocks noChangeAspect="1"/>
+          </p:cNvPicPr>
+          <p:nvPr/>
+        </p:nvPicPr>
+        <p:blipFill>
+          <a:blip r:embed="rId9">
+            <a:extLst>
+              <a:ext uri="{28A0092B-C50C-407E-A947-70E740481C1C}">
+                <a14:useLocalDpi xmlns:a14="http://schemas.microsoft.com/office/drawing/2010/main" val="0"/>
+              </a:ext>
+            </a:extLst>
+          </a:blip>
+          <a:stretch>
+            <a:fillRect/>
+          </a:stretch>
+        </p:blipFill>
+        <p:spPr>
+          <a:xfrm>
+            <a:off x="3491793" y="1639671"/>
+            <a:ext cx="664714" cy="1679277"/>
+          </a:xfrm>
+          <a:prstGeom prst="rect">
+            <a:avLst/>
+          </a:prstGeom>
+        </p:spPr>
+      </p:pic>
+      <p:pic>
+        <p:nvPicPr>
+          <p:cNvPr id="8" name="Imagen 7">
+            <a:extLst>
+              <a:ext uri="{FF2B5EF4-FFF2-40B4-BE49-F238E27FC236}">
+                <a16:creationId xmlns:a16="http://schemas.microsoft.com/office/drawing/2014/main" id="{1F344AA7-C4E3-4E6F-9C19-733536F94716}"/>
+              </a:ext>
+            </a:extLst>
+          </p:cNvPr>
+          <p:cNvPicPr>
+            <a:picLocks noChangeAspect="1"/>
+          </p:cNvPicPr>
+          <p:nvPr/>
+        </p:nvPicPr>
+        <p:blipFill>
+          <a:blip r:embed="rId10">
+            <a:extLst>
+              <a:ext uri="{28A0092B-C50C-407E-A947-70E740481C1C}">
+                <a14:useLocalDpi xmlns:a14="http://schemas.microsoft.com/office/drawing/2010/main" val="0"/>
+              </a:ext>
+            </a:extLst>
+          </a:blip>
+          <a:stretch>
+            <a:fillRect/>
+          </a:stretch>
+        </p:blipFill>
+        <p:spPr>
+          <a:xfrm>
+            <a:off x="5677913" y="3958070"/>
+            <a:ext cx="843000" cy="2125826"/>
+          </a:xfrm>
+          <a:prstGeom prst="rect">
+            <a:avLst/>
+          </a:prstGeom>
+        </p:spPr>
+      </p:pic>
+      <p:pic>
+        <p:nvPicPr>
+          <p:cNvPr id="14" name="Imagen 13">
+            <a:extLst>
+              <a:ext uri="{FF2B5EF4-FFF2-40B4-BE49-F238E27FC236}">
+                <a16:creationId xmlns:a16="http://schemas.microsoft.com/office/drawing/2014/main" id="{31EC0FCC-B213-403B-93B2-3221662204A3}"/>
+              </a:ext>
+            </a:extLst>
+          </p:cNvPr>
+          <p:cNvPicPr>
+            <a:picLocks noChangeAspect="1"/>
+          </p:cNvPicPr>
+          <p:nvPr/>
+        </p:nvPicPr>
+        <p:blipFill>
+          <a:blip r:embed="rId11">
+            <a:extLst>
+              <a:ext uri="{28A0092B-C50C-407E-A947-70E740481C1C}">
+                <a14:useLocalDpi xmlns:a14="http://schemas.microsoft.com/office/drawing/2010/main" val="0"/>
+              </a:ext>
+            </a:extLst>
+          </a:blip>
+          <a:stretch>
+            <a:fillRect/>
+          </a:stretch>
+        </p:blipFill>
+        <p:spPr>
+          <a:xfrm>
+            <a:off x="7871729" y="4409407"/>
+            <a:ext cx="983378" cy="1616740"/>
+          </a:xfrm>
+          <a:prstGeom prst="rect">
+            <a:avLst/>
+          </a:prstGeom>
+        </p:spPr>
+      </p:pic>
+    </p:spTree>
+    <p:extLst>
+      <p:ext uri="{BB962C8B-B14F-4D97-AF65-F5344CB8AC3E}">
+        <p14:creationId xmlns:p14="http://schemas.microsoft.com/office/powerpoint/2010/main" val="3166970197"/>
+      </p:ext>
+    </p:extLst>
+  </p:cSld>
+  <p:clrMapOvr>
+    <a:masterClrMapping/>
+  </p:clrMapOvr>
+</p:sld>
+</file>
+
+<file path=ppt/slides/slide7.xml><?xml version="1.0" encoding="utf-8"?>
+<p:sld xmlns:a="http://schemas.openxmlformats.org/drawingml/2006/main" xmlns:r="http://schemas.openxmlformats.org/officeDocument/2006/relationships" xmlns:p="http://schemas.openxmlformats.org/presentationml/2006/main">
+  <p:cSld>
+    <p:spTree>
+      <p:nvGrpSpPr>
+        <p:cNvPr id="1" name=""/>
+        <p:cNvGrpSpPr/>
+        <p:nvPr/>
+      </p:nvGrpSpPr>
+      <p:grpSpPr>
+        <a:xfrm>
+          <a:off x="0" y="0"/>
+          <a:ext cx="0" cy="0"/>
+          <a:chOff x="0" y="0"/>
+          <a:chExt cx="0" cy="0"/>
+        </a:xfrm>
+      </p:grpSpPr>
+      <p:sp>
+        <p:nvSpPr>
+          <p:cNvPr id="45" name="Rectángulo: esquinas redondeadas 44">
+            <a:extLst>
+              <a:ext uri="{FF2B5EF4-FFF2-40B4-BE49-F238E27FC236}">
+                <a16:creationId xmlns:a16="http://schemas.microsoft.com/office/drawing/2014/main" id="{8D559841-E46F-4934-8D07-A2092603A2C5}"/>
+              </a:ext>
+            </a:extLst>
+          </p:cNvPr>
+          <p:cNvSpPr/>
+          <p:nvPr/>
+        </p:nvSpPr>
+        <p:spPr>
+          <a:xfrm>
+            <a:off x="159798" y="106533"/>
+            <a:ext cx="11880000" cy="900000"/>
+          </a:xfrm>
+          <a:prstGeom prst="roundRect">
+            <a:avLst/>
+          </a:prstGeom>
+          <a:solidFill>
+            <a:schemeClr val="tx1"/>
+          </a:solidFill>
+          <a:ln>
+            <a:noFill/>
+          </a:ln>
+        </p:spPr>
+        <p:style>
+          <a:lnRef idx="2">
+            <a:schemeClr val="accent1">
+              <a:shade val="50000"/>
+            </a:schemeClr>
+          </a:lnRef>
+          <a:fillRef idx="1">
+            <a:schemeClr val="accent1"/>
+          </a:fillRef>
+          <a:effectRef idx="0">
+            <a:schemeClr val="accent1"/>
+          </a:effectRef>
+          <a:fontRef idx="minor">
+            <a:schemeClr val="lt1"/>
+          </a:fontRef>
+        </p:style>
+        <p:txBody>
+          <a:bodyPr rtlCol="0" anchor="ctr"/>
+          <a:lstStyle/>
+          <a:p>
+            <a:pPr algn="ctr"/>
+            <a:r>
+              <a:rPr lang="es-UY" sz="5400" dirty="0">
+                <a:latin typeface="Times New Roman" panose="02020603050405020304" pitchFamily="18" charset="0"/>
+                <a:cs typeface="Times New Roman" panose="02020603050405020304" pitchFamily="18" charset="0"/>
+              </a:rPr>
+              <a:t>Anim: Movimiento</a:t>
+            </a:r>
+          </a:p>
+        </p:txBody>
+      </p:sp>
+      <p:sp>
+        <p:nvSpPr>
+          <p:cNvPr id="62" name="Rectángulo: esquinas redondeadas 61">
+            <a:extLst>
+              <a:ext uri="{FF2B5EF4-FFF2-40B4-BE49-F238E27FC236}">
+                <a16:creationId xmlns:a16="http://schemas.microsoft.com/office/drawing/2014/main" id="{A6EB4EBC-18EB-4AE2-9A3E-EEA344493360}"/>
+              </a:ext>
+            </a:extLst>
+          </p:cNvPr>
+          <p:cNvSpPr/>
+          <p:nvPr/>
+        </p:nvSpPr>
+        <p:spPr>
+          <a:xfrm>
+            <a:off x="7288955" y="1201081"/>
+            <a:ext cx="2148926" cy="2510831"/>
+          </a:xfrm>
+          <a:prstGeom prst="roundRect">
+            <a:avLst>
+              <a:gd name="adj" fmla="val 2601"/>
+            </a:avLst>
+          </a:prstGeom>
+          <a:noFill/>
+          <a:ln w="38100">
+            <a:solidFill>
+              <a:schemeClr val="tx1"/>
+            </a:solidFill>
+          </a:ln>
+        </p:spPr>
+        <p:style>
+          <a:lnRef idx="2">
+            <a:schemeClr val="accent1">
+              <a:shade val="50000"/>
+            </a:schemeClr>
+          </a:lnRef>
+          <a:fillRef idx="1">
+            <a:schemeClr val="accent1"/>
+          </a:fillRef>
+          <a:effectRef idx="0">
+            <a:schemeClr val="accent1"/>
+          </a:effectRef>
+          <a:fontRef idx="minor">
+            <a:schemeClr val="lt1"/>
+          </a:fontRef>
+        </p:style>
+        <p:txBody>
+          <a:bodyPr rtlCol="0" anchor="ctr"/>
+          <a:lstStyle/>
+          <a:p>
+            <a:pPr algn="ctr"/>
+            <a:endParaRPr lang="es-UY" sz="6600" dirty="0">
+              <a:latin typeface="Times New Roman" panose="02020603050405020304" pitchFamily="18" charset="0"/>
+              <a:cs typeface="Times New Roman" panose="02020603050405020304" pitchFamily="18" charset="0"/>
+            </a:endParaRPr>
+          </a:p>
+        </p:txBody>
+      </p:sp>
+      <p:sp>
+        <p:nvSpPr>
+          <p:cNvPr id="51" name="Rectángulo: esquinas redondeadas 50">
+            <a:extLst>
+              <a:ext uri="{FF2B5EF4-FFF2-40B4-BE49-F238E27FC236}">
+                <a16:creationId xmlns:a16="http://schemas.microsoft.com/office/drawing/2014/main" id="{061157F9-7ACF-43D4-8182-ADB79307AF1F}"/>
+              </a:ext>
+            </a:extLst>
+          </p:cNvPr>
+          <p:cNvSpPr/>
+          <p:nvPr/>
+        </p:nvSpPr>
+        <p:spPr>
+          <a:xfrm>
+            <a:off x="500844" y="1201081"/>
+            <a:ext cx="2148926" cy="2510831"/>
+          </a:xfrm>
+          <a:prstGeom prst="roundRect">
+            <a:avLst>
+              <a:gd name="adj" fmla="val 2601"/>
+            </a:avLst>
+          </a:prstGeom>
+          <a:noFill/>
+          <a:ln w="38100">
+            <a:solidFill>
+              <a:schemeClr val="tx1"/>
+            </a:solidFill>
+          </a:ln>
+        </p:spPr>
+        <p:style>
+          <a:lnRef idx="2">
+            <a:schemeClr val="accent1">
+              <a:shade val="50000"/>
+            </a:schemeClr>
+          </a:lnRef>
+          <a:fillRef idx="1">
+            <a:schemeClr val="accent1"/>
+          </a:fillRef>
+          <a:effectRef idx="0">
+            <a:schemeClr val="accent1"/>
+          </a:effectRef>
+          <a:fontRef idx="minor">
+            <a:schemeClr val="lt1"/>
+          </a:fontRef>
+        </p:style>
+        <p:txBody>
+          <a:bodyPr rtlCol="0" anchor="ctr"/>
+          <a:lstStyle/>
+          <a:p>
+            <a:pPr algn="ctr"/>
+            <a:endParaRPr lang="es-UY" sz="6600" dirty="0">
+              <a:latin typeface="Times New Roman" panose="02020603050405020304" pitchFamily="18" charset="0"/>
+              <a:cs typeface="Times New Roman" panose="02020603050405020304" pitchFamily="18" charset="0"/>
+            </a:endParaRPr>
+          </a:p>
+        </p:txBody>
+      </p:sp>
+      <p:sp>
+        <p:nvSpPr>
+          <p:cNvPr id="52" name="CuadroTexto 51">
+            <a:extLst>
+              <a:ext uri="{FF2B5EF4-FFF2-40B4-BE49-F238E27FC236}">
+                <a16:creationId xmlns:a16="http://schemas.microsoft.com/office/drawing/2014/main" id="{801446E1-A3C1-424B-A051-E80E9F0F42E8}"/>
+              </a:ext>
+            </a:extLst>
+          </p:cNvPr>
+          <p:cNvSpPr txBox="1"/>
+          <p:nvPr/>
+        </p:nvSpPr>
+        <p:spPr>
+          <a:xfrm>
+            <a:off x="508436" y="3395097"/>
+            <a:ext cx="2148926" cy="307777"/>
+          </a:xfrm>
+          <a:prstGeom prst="rect">
+            <a:avLst/>
+          </a:prstGeom>
+          <a:solidFill>
+            <a:schemeClr val="tx1"/>
+          </a:solidFill>
+        </p:spPr>
+        <p:txBody>
+          <a:bodyPr wrap="square" rtlCol="0">
+            <a:spAutoFit/>
+          </a:bodyPr>
+          <a:lstStyle/>
+          <a:p>
+            <a:pPr algn="ctr"/>
+            <a:r>
+              <a:rPr lang="es-UY" sz="1400" u="sng" dirty="0">
+                <a:solidFill>
+                  <a:schemeClr val="bg1"/>
+                </a:solidFill>
+              </a:rPr>
+              <a:t>Idle</a:t>
+            </a:r>
+          </a:p>
+        </p:txBody>
+      </p:sp>
+      <p:sp>
+        <p:nvSpPr>
+          <p:cNvPr id="46" name="Rectángulo: esquinas redondeadas 45">
+            <a:extLst>
+              <a:ext uri="{FF2B5EF4-FFF2-40B4-BE49-F238E27FC236}">
+                <a16:creationId xmlns:a16="http://schemas.microsoft.com/office/drawing/2014/main" id="{293BB8B5-E556-4FD0-9E83-84C9365688CD}"/>
+              </a:ext>
+            </a:extLst>
+          </p:cNvPr>
+          <p:cNvSpPr/>
+          <p:nvPr/>
+        </p:nvSpPr>
+        <p:spPr>
+          <a:xfrm>
+            <a:off x="2767575" y="1210127"/>
+            <a:ext cx="2148926" cy="2510831"/>
+          </a:xfrm>
+          <a:prstGeom prst="roundRect">
+            <a:avLst>
+              <a:gd name="adj" fmla="val 2601"/>
+            </a:avLst>
+          </a:prstGeom>
+          <a:noFill/>
+          <a:ln w="38100">
+            <a:solidFill>
+              <a:schemeClr val="tx1"/>
+            </a:solidFill>
+          </a:ln>
+        </p:spPr>
+        <p:style>
+          <a:lnRef idx="2">
+            <a:schemeClr val="accent1">
+              <a:shade val="50000"/>
+            </a:schemeClr>
+          </a:lnRef>
+          <a:fillRef idx="1">
+            <a:schemeClr val="accent1"/>
+          </a:fillRef>
+          <a:effectRef idx="0">
+            <a:schemeClr val="accent1"/>
+          </a:effectRef>
+          <a:fontRef idx="minor">
+            <a:schemeClr val="lt1"/>
+          </a:fontRef>
+        </p:style>
+        <p:txBody>
+          <a:bodyPr rtlCol="0" anchor="ctr"/>
+          <a:lstStyle/>
+          <a:p>
+            <a:pPr algn="ctr"/>
+            <a:endParaRPr lang="es-UY" sz="6600" dirty="0">
+              <a:latin typeface="Times New Roman" panose="02020603050405020304" pitchFamily="18" charset="0"/>
+              <a:cs typeface="Times New Roman" panose="02020603050405020304" pitchFamily="18" charset="0"/>
+            </a:endParaRPr>
+          </a:p>
+        </p:txBody>
+      </p:sp>
+      <p:sp>
+        <p:nvSpPr>
+          <p:cNvPr id="59" name="Rectángulo: esquinas redondeadas 58">
+            <a:extLst>
+              <a:ext uri="{FF2B5EF4-FFF2-40B4-BE49-F238E27FC236}">
+                <a16:creationId xmlns:a16="http://schemas.microsoft.com/office/drawing/2014/main" id="{2F8068C2-94CF-421F-B67D-D0B1DC583AC2}"/>
+              </a:ext>
+            </a:extLst>
+          </p:cNvPr>
+          <p:cNvSpPr/>
+          <p:nvPr/>
+        </p:nvSpPr>
+        <p:spPr>
+          <a:xfrm>
+            <a:off x="5028099" y="1201081"/>
+            <a:ext cx="2148926" cy="2510831"/>
+          </a:xfrm>
+          <a:prstGeom prst="roundRect">
+            <a:avLst>
+              <a:gd name="adj" fmla="val 2601"/>
+            </a:avLst>
+          </a:prstGeom>
+          <a:noFill/>
+          <a:ln w="38100">
+            <a:solidFill>
+              <a:schemeClr val="tx1"/>
+            </a:solidFill>
+          </a:ln>
+        </p:spPr>
+        <p:style>
+          <a:lnRef idx="2">
+            <a:schemeClr val="accent1">
+              <a:shade val="50000"/>
+            </a:schemeClr>
+          </a:lnRef>
+          <a:fillRef idx="1">
+            <a:schemeClr val="accent1"/>
+          </a:fillRef>
+          <a:effectRef idx="0">
+            <a:schemeClr val="accent1"/>
+          </a:effectRef>
+          <a:fontRef idx="minor">
+            <a:schemeClr val="lt1"/>
+          </a:fontRef>
+        </p:style>
+        <p:txBody>
+          <a:bodyPr rtlCol="0" anchor="ctr"/>
+          <a:lstStyle/>
+          <a:p>
+            <a:pPr algn="ctr"/>
+            <a:endParaRPr lang="es-UY" sz="6600" dirty="0">
+              <a:latin typeface="Times New Roman" panose="02020603050405020304" pitchFamily="18" charset="0"/>
+              <a:cs typeface="Times New Roman" panose="02020603050405020304" pitchFamily="18" charset="0"/>
+            </a:endParaRPr>
+          </a:p>
+        </p:txBody>
+      </p:sp>
+      <p:sp>
+        <p:nvSpPr>
+          <p:cNvPr id="87" name="Rectángulo: esquinas redondeadas 86">
+            <a:extLst>
+              <a:ext uri="{FF2B5EF4-FFF2-40B4-BE49-F238E27FC236}">
+                <a16:creationId xmlns:a16="http://schemas.microsoft.com/office/drawing/2014/main" id="{F3C0F78A-7ADC-459D-A95D-EFDCB0F3BD23}"/>
+              </a:ext>
+            </a:extLst>
+          </p:cNvPr>
+          <p:cNvSpPr/>
+          <p:nvPr/>
+        </p:nvSpPr>
+        <p:spPr>
+          <a:xfrm>
+            <a:off x="490726" y="3906460"/>
+            <a:ext cx="2148926" cy="2510831"/>
+          </a:xfrm>
+          <a:prstGeom prst="roundRect">
+            <a:avLst>
+              <a:gd name="adj" fmla="val 2601"/>
+            </a:avLst>
+          </a:prstGeom>
+          <a:noFill/>
+          <a:ln w="38100">
+            <a:solidFill>
+              <a:schemeClr val="tx1"/>
+            </a:solidFill>
+          </a:ln>
+        </p:spPr>
+        <p:style>
+          <a:lnRef idx="2">
+            <a:schemeClr val="accent1">
+              <a:shade val="50000"/>
+            </a:schemeClr>
+          </a:lnRef>
+          <a:fillRef idx="1">
+            <a:schemeClr val="accent1"/>
+          </a:fillRef>
+          <a:effectRef idx="0">
+            <a:schemeClr val="accent1"/>
+          </a:effectRef>
+          <a:fontRef idx="minor">
+            <a:schemeClr val="lt1"/>
+          </a:fontRef>
+        </p:style>
+        <p:txBody>
+          <a:bodyPr rtlCol="0" anchor="ctr"/>
+          <a:lstStyle/>
+          <a:p>
+            <a:pPr algn="ctr"/>
+            <a:endParaRPr lang="es-UY" sz="6600" dirty="0">
+              <a:latin typeface="Times New Roman" panose="02020603050405020304" pitchFamily="18" charset="0"/>
+              <a:cs typeface="Times New Roman" panose="02020603050405020304" pitchFamily="18" charset="0"/>
+            </a:endParaRPr>
+          </a:p>
+        </p:txBody>
+      </p:sp>
+      <p:sp>
+        <p:nvSpPr>
+          <p:cNvPr id="94" name="Rectángulo: esquinas redondeadas 93">
+            <a:extLst>
+              <a:ext uri="{FF2B5EF4-FFF2-40B4-BE49-F238E27FC236}">
+                <a16:creationId xmlns:a16="http://schemas.microsoft.com/office/drawing/2014/main" id="{9C0AFDA7-3D9D-4EE9-A465-68CB59D1CA9D}"/>
+              </a:ext>
+            </a:extLst>
+          </p:cNvPr>
+          <p:cNvSpPr/>
+          <p:nvPr/>
+        </p:nvSpPr>
+        <p:spPr>
+          <a:xfrm>
+            <a:off x="2775167" y="3900859"/>
+            <a:ext cx="2148926" cy="2510831"/>
+          </a:xfrm>
+          <a:prstGeom prst="roundRect">
+            <a:avLst>
+              <a:gd name="adj" fmla="val 2601"/>
+            </a:avLst>
+          </a:prstGeom>
+          <a:noFill/>
+          <a:ln w="38100">
+            <a:solidFill>
+              <a:schemeClr val="tx1"/>
+            </a:solidFill>
+          </a:ln>
+        </p:spPr>
+        <p:style>
+          <a:lnRef idx="2">
+            <a:schemeClr val="accent1">
+              <a:shade val="50000"/>
+            </a:schemeClr>
+          </a:lnRef>
+          <a:fillRef idx="1">
+            <a:schemeClr val="accent1"/>
+          </a:fillRef>
+          <a:effectRef idx="0">
+            <a:schemeClr val="accent1"/>
+          </a:effectRef>
+          <a:fontRef idx="minor">
+            <a:schemeClr val="lt1"/>
+          </a:fontRef>
+        </p:style>
+        <p:txBody>
+          <a:bodyPr rtlCol="0" anchor="ctr"/>
+          <a:lstStyle/>
+          <a:p>
+            <a:pPr algn="ctr"/>
+            <a:endParaRPr lang="es-UY" sz="6600" dirty="0">
+              <a:latin typeface="Times New Roman" panose="02020603050405020304" pitchFamily="18" charset="0"/>
+              <a:cs typeface="Times New Roman" panose="02020603050405020304" pitchFamily="18" charset="0"/>
+            </a:endParaRPr>
+          </a:p>
+        </p:txBody>
+      </p:sp>
+      <p:sp>
+        <p:nvSpPr>
+          <p:cNvPr id="111" name="Rectángulo: esquinas redondeadas 110">
+            <a:extLst>
+              <a:ext uri="{FF2B5EF4-FFF2-40B4-BE49-F238E27FC236}">
+                <a16:creationId xmlns:a16="http://schemas.microsoft.com/office/drawing/2014/main" id="{329CEACB-93CB-48C0-BDF4-2BD49ECBECFA}"/>
+              </a:ext>
+            </a:extLst>
+          </p:cNvPr>
+          <p:cNvSpPr/>
+          <p:nvPr/>
+        </p:nvSpPr>
+        <p:spPr>
+          <a:xfrm>
+            <a:off x="5007704" y="3900859"/>
+            <a:ext cx="2148926" cy="2510831"/>
+          </a:xfrm>
+          <a:prstGeom prst="roundRect">
+            <a:avLst>
+              <a:gd name="adj" fmla="val 2601"/>
+            </a:avLst>
+          </a:prstGeom>
+          <a:noFill/>
+          <a:ln w="38100">
+            <a:solidFill>
+              <a:schemeClr val="tx1"/>
+            </a:solidFill>
+          </a:ln>
+        </p:spPr>
+        <p:style>
+          <a:lnRef idx="2">
+            <a:schemeClr val="accent1">
+              <a:shade val="50000"/>
+            </a:schemeClr>
+          </a:lnRef>
+          <a:fillRef idx="1">
+            <a:schemeClr val="accent1"/>
+          </a:fillRef>
+          <a:effectRef idx="0">
+            <a:schemeClr val="accent1"/>
+          </a:effectRef>
+          <a:fontRef idx="minor">
+            <a:schemeClr val="lt1"/>
+          </a:fontRef>
+        </p:style>
+        <p:txBody>
+          <a:bodyPr rtlCol="0" anchor="ctr"/>
+          <a:lstStyle/>
+          <a:p>
+            <a:pPr algn="ctr"/>
+            <a:endParaRPr lang="es-UY" sz="6600" dirty="0">
+              <a:latin typeface="Times New Roman" panose="02020603050405020304" pitchFamily="18" charset="0"/>
+              <a:cs typeface="Times New Roman" panose="02020603050405020304" pitchFamily="18" charset="0"/>
+            </a:endParaRPr>
+          </a:p>
+        </p:txBody>
+      </p:sp>
+      <p:sp>
+        <p:nvSpPr>
+          <p:cNvPr id="117" name="Rectángulo: esquinas redondeadas 116">
+            <a:extLst>
+              <a:ext uri="{FF2B5EF4-FFF2-40B4-BE49-F238E27FC236}">
+                <a16:creationId xmlns:a16="http://schemas.microsoft.com/office/drawing/2014/main" id="{5E48A019-3A3B-46F2-9B90-8FA0B25E1F7A}"/>
+              </a:ext>
+            </a:extLst>
+          </p:cNvPr>
+          <p:cNvSpPr/>
+          <p:nvPr/>
+        </p:nvSpPr>
+        <p:spPr>
+          <a:xfrm>
+            <a:off x="7292145" y="3895258"/>
+            <a:ext cx="2148926" cy="2510831"/>
+          </a:xfrm>
+          <a:prstGeom prst="roundRect">
+            <a:avLst>
+              <a:gd name="adj" fmla="val 2601"/>
+            </a:avLst>
+          </a:prstGeom>
+          <a:noFill/>
+          <a:ln w="38100">
+            <a:solidFill>
+              <a:schemeClr val="tx1"/>
+            </a:solidFill>
+          </a:ln>
+        </p:spPr>
+        <p:style>
+          <a:lnRef idx="2">
+            <a:schemeClr val="accent1">
+              <a:shade val="50000"/>
+            </a:schemeClr>
+          </a:lnRef>
+          <a:fillRef idx="1">
+            <a:schemeClr val="accent1"/>
+          </a:fillRef>
+          <a:effectRef idx="0">
+            <a:schemeClr val="accent1"/>
+          </a:effectRef>
+          <a:fontRef idx="minor">
+            <a:schemeClr val="lt1"/>
+          </a:fontRef>
+        </p:style>
+        <p:txBody>
+          <a:bodyPr rtlCol="0" anchor="ctr"/>
+          <a:lstStyle/>
+          <a:p>
+            <a:pPr algn="ctr"/>
+            <a:endParaRPr lang="es-UY" sz="6600" dirty="0">
+              <a:latin typeface="Times New Roman" panose="02020603050405020304" pitchFamily="18" charset="0"/>
+              <a:cs typeface="Times New Roman" panose="02020603050405020304" pitchFamily="18" charset="0"/>
+            </a:endParaRPr>
+          </a:p>
+        </p:txBody>
+      </p:sp>
+      <p:sp>
+        <p:nvSpPr>
+          <p:cNvPr id="41" name="Rectángulo: esquinas redondeadas 40">
+            <a:extLst>
+              <a:ext uri="{FF2B5EF4-FFF2-40B4-BE49-F238E27FC236}">
+                <a16:creationId xmlns:a16="http://schemas.microsoft.com/office/drawing/2014/main" id="{3667AE9A-8C3A-467F-BFBB-70DDDF7AB935}"/>
+              </a:ext>
+            </a:extLst>
+          </p:cNvPr>
+          <p:cNvSpPr/>
+          <p:nvPr/>
+        </p:nvSpPr>
+        <p:spPr>
+          <a:xfrm>
+            <a:off x="9576586" y="1206682"/>
+            <a:ext cx="2148926" cy="2510831"/>
+          </a:xfrm>
+          <a:prstGeom prst="roundRect">
+            <a:avLst>
+              <a:gd name="adj" fmla="val 2601"/>
+            </a:avLst>
+          </a:prstGeom>
+          <a:noFill/>
+          <a:ln w="38100">
+            <a:solidFill>
+              <a:schemeClr val="tx1"/>
+            </a:solidFill>
+          </a:ln>
+        </p:spPr>
+        <p:style>
+          <a:lnRef idx="2">
+            <a:schemeClr val="accent1">
+              <a:shade val="50000"/>
+            </a:schemeClr>
+          </a:lnRef>
+          <a:fillRef idx="1">
+            <a:schemeClr val="accent1"/>
+          </a:fillRef>
+          <a:effectRef idx="0">
+            <a:schemeClr val="accent1"/>
+          </a:effectRef>
+          <a:fontRef idx="minor">
+            <a:schemeClr val="lt1"/>
+          </a:fontRef>
+        </p:style>
+        <p:txBody>
+          <a:bodyPr rtlCol="0" anchor="ctr"/>
+          <a:lstStyle/>
+          <a:p>
+            <a:pPr algn="ctr"/>
+            <a:endParaRPr lang="es-UY" sz="6600" dirty="0">
+              <a:latin typeface="Times New Roman" panose="02020603050405020304" pitchFamily="18" charset="0"/>
+              <a:cs typeface="Times New Roman" panose="02020603050405020304" pitchFamily="18" charset="0"/>
+            </a:endParaRPr>
+          </a:p>
+        </p:txBody>
+      </p:sp>
+      <p:sp>
+        <p:nvSpPr>
+          <p:cNvPr id="43" name="Rectángulo: esquinas redondeadas 42">
+            <a:extLst>
+              <a:ext uri="{FF2B5EF4-FFF2-40B4-BE49-F238E27FC236}">
+                <a16:creationId xmlns:a16="http://schemas.microsoft.com/office/drawing/2014/main" id="{76777907-9D11-4DDE-B431-F5B967995C8F}"/>
+              </a:ext>
+            </a:extLst>
+          </p:cNvPr>
+          <p:cNvSpPr/>
+          <p:nvPr/>
+        </p:nvSpPr>
+        <p:spPr>
+          <a:xfrm>
+            <a:off x="9579776" y="3900859"/>
+            <a:ext cx="2148926" cy="2510831"/>
+          </a:xfrm>
+          <a:prstGeom prst="roundRect">
+            <a:avLst>
+              <a:gd name="adj" fmla="val 2601"/>
+            </a:avLst>
+          </a:prstGeom>
+          <a:noFill/>
+          <a:ln w="38100">
+            <a:solidFill>
+              <a:schemeClr val="tx1"/>
+            </a:solidFill>
+          </a:ln>
+        </p:spPr>
+        <p:style>
+          <a:lnRef idx="2">
+            <a:schemeClr val="accent1">
+              <a:shade val="50000"/>
+            </a:schemeClr>
+          </a:lnRef>
+          <a:fillRef idx="1">
+            <a:schemeClr val="accent1"/>
+          </a:fillRef>
+          <a:effectRef idx="0">
+            <a:schemeClr val="accent1"/>
+          </a:effectRef>
+          <a:fontRef idx="minor">
+            <a:schemeClr val="lt1"/>
+          </a:fontRef>
+        </p:style>
+        <p:txBody>
+          <a:bodyPr rtlCol="0" anchor="ctr"/>
+          <a:lstStyle/>
+          <a:p>
+            <a:pPr algn="ctr"/>
+            <a:endParaRPr lang="es-UY" sz="6600" dirty="0">
+              <a:latin typeface="Times New Roman" panose="02020603050405020304" pitchFamily="18" charset="0"/>
+              <a:cs typeface="Times New Roman" panose="02020603050405020304" pitchFamily="18" charset="0"/>
+            </a:endParaRPr>
+          </a:p>
+        </p:txBody>
+      </p:sp>
       <p:pic>
         <p:nvPicPr>
           <p:cNvPr id="49" name="Imagen 48">
@@ -13510,7 +15641,7 @@
 </p:sld>
 </file>
 
-<file path=ppt/slides/slide7.xml><?xml version="1.0" encoding="utf-8"?>
+<file path=ppt/slides/slide8.xml><?xml version="1.0" encoding="utf-8"?>
 <p:sld xmlns:a="http://schemas.openxmlformats.org/drawingml/2006/main" xmlns:r="http://schemas.openxmlformats.org/officeDocument/2006/relationships" xmlns:p="http://schemas.openxmlformats.org/presentationml/2006/main">
   <p:cSld>
     <p:spTree>
@@ -16032,1179 +18163,6 @@
 </p:sld>
 </file>
 
-<file path=ppt/slides/slide8.xml><?xml version="1.0" encoding="utf-8"?>
-<p:sld xmlns:a="http://schemas.openxmlformats.org/drawingml/2006/main" xmlns:r="http://schemas.openxmlformats.org/officeDocument/2006/relationships" xmlns:p="http://schemas.openxmlformats.org/presentationml/2006/main">
-  <p:cSld>
-    <p:spTree>
-      <p:nvGrpSpPr>
-        <p:cNvPr id="1" name=""/>
-        <p:cNvGrpSpPr/>
-        <p:nvPr/>
-      </p:nvGrpSpPr>
-      <p:grpSpPr>
-        <a:xfrm>
-          <a:off x="0" y="0"/>
-          <a:ext cx="0" cy="0"/>
-          <a:chOff x="0" y="0"/>
-          <a:chExt cx="0" cy="0"/>
-        </a:xfrm>
-      </p:grpSpPr>
-      <p:sp>
-        <p:nvSpPr>
-          <p:cNvPr id="45" name="Rectángulo: esquinas redondeadas 44">
-            <a:extLst>
-              <a:ext uri="{FF2B5EF4-FFF2-40B4-BE49-F238E27FC236}">
-                <a16:creationId xmlns:a16="http://schemas.microsoft.com/office/drawing/2014/main" id="{8D559841-E46F-4934-8D07-A2092603A2C5}"/>
-              </a:ext>
-            </a:extLst>
-          </p:cNvPr>
-          <p:cNvSpPr/>
-          <p:nvPr/>
-        </p:nvSpPr>
-        <p:spPr>
-          <a:xfrm>
-            <a:off x="159798" y="106533"/>
-            <a:ext cx="11880000" cy="900000"/>
-          </a:xfrm>
-          <a:prstGeom prst="roundRect">
-            <a:avLst/>
-          </a:prstGeom>
-          <a:solidFill>
-            <a:schemeClr val="tx1"/>
-          </a:solidFill>
-          <a:ln>
-            <a:noFill/>
-          </a:ln>
-        </p:spPr>
-        <p:style>
-          <a:lnRef idx="2">
-            <a:schemeClr val="accent1">
-              <a:shade val="50000"/>
-            </a:schemeClr>
-          </a:lnRef>
-          <a:fillRef idx="1">
-            <a:schemeClr val="accent1"/>
-          </a:fillRef>
-          <a:effectRef idx="0">
-            <a:schemeClr val="accent1"/>
-          </a:effectRef>
-          <a:fontRef idx="minor">
-            <a:schemeClr val="lt1"/>
-          </a:fontRef>
-        </p:style>
-        <p:txBody>
-          <a:bodyPr rtlCol="0" anchor="ctr"/>
-          <a:lstStyle/>
-          <a:p>
-            <a:pPr algn="ctr"/>
-            <a:r>
-              <a:rPr lang="es-UY" sz="5400" dirty="0">
-                <a:latin typeface="Times New Roman" panose="02020603050405020304" pitchFamily="18" charset="0"/>
-                <a:cs typeface="Times New Roman" panose="02020603050405020304" pitchFamily="18" charset="0"/>
-              </a:rPr>
-              <a:t>Anim: Interacciones</a:t>
-            </a:r>
-          </a:p>
-        </p:txBody>
-      </p:sp>
-      <p:sp>
-        <p:nvSpPr>
-          <p:cNvPr id="62" name="Rectángulo: esquinas redondeadas 61">
-            <a:extLst>
-              <a:ext uri="{FF2B5EF4-FFF2-40B4-BE49-F238E27FC236}">
-                <a16:creationId xmlns:a16="http://schemas.microsoft.com/office/drawing/2014/main" id="{A6EB4EBC-18EB-4AE2-9A3E-EEA344493360}"/>
-              </a:ext>
-            </a:extLst>
-          </p:cNvPr>
-          <p:cNvSpPr/>
-          <p:nvPr/>
-        </p:nvSpPr>
-        <p:spPr>
-          <a:xfrm>
-            <a:off x="7288955" y="1201081"/>
-            <a:ext cx="2148926" cy="2510831"/>
-          </a:xfrm>
-          <a:prstGeom prst="roundRect">
-            <a:avLst>
-              <a:gd name="adj" fmla="val 2601"/>
-            </a:avLst>
-          </a:prstGeom>
-          <a:noFill/>
-          <a:ln w="38100">
-            <a:solidFill>
-              <a:schemeClr val="tx1"/>
-            </a:solidFill>
-          </a:ln>
-        </p:spPr>
-        <p:style>
-          <a:lnRef idx="2">
-            <a:schemeClr val="accent1">
-              <a:shade val="50000"/>
-            </a:schemeClr>
-          </a:lnRef>
-          <a:fillRef idx="1">
-            <a:schemeClr val="accent1"/>
-          </a:fillRef>
-          <a:effectRef idx="0">
-            <a:schemeClr val="accent1"/>
-          </a:effectRef>
-          <a:fontRef idx="minor">
-            <a:schemeClr val="lt1"/>
-          </a:fontRef>
-        </p:style>
-        <p:txBody>
-          <a:bodyPr rtlCol="0" anchor="ctr"/>
-          <a:lstStyle/>
-          <a:p>
-            <a:pPr algn="ctr"/>
-            <a:endParaRPr lang="es-UY" sz="6600" dirty="0">
-              <a:latin typeface="Times New Roman" panose="02020603050405020304" pitchFamily="18" charset="0"/>
-              <a:cs typeface="Times New Roman" panose="02020603050405020304" pitchFamily="18" charset="0"/>
-            </a:endParaRPr>
-          </a:p>
-        </p:txBody>
-      </p:sp>
-      <p:sp>
-        <p:nvSpPr>
-          <p:cNvPr id="51" name="Rectángulo: esquinas redondeadas 50">
-            <a:extLst>
-              <a:ext uri="{FF2B5EF4-FFF2-40B4-BE49-F238E27FC236}">
-                <a16:creationId xmlns:a16="http://schemas.microsoft.com/office/drawing/2014/main" id="{061157F9-7ACF-43D4-8182-ADB79307AF1F}"/>
-              </a:ext>
-            </a:extLst>
-          </p:cNvPr>
-          <p:cNvSpPr/>
-          <p:nvPr/>
-        </p:nvSpPr>
-        <p:spPr>
-          <a:xfrm>
-            <a:off x="500844" y="1201081"/>
-            <a:ext cx="2148926" cy="2510831"/>
-          </a:xfrm>
-          <a:prstGeom prst="roundRect">
-            <a:avLst>
-              <a:gd name="adj" fmla="val 2601"/>
-            </a:avLst>
-          </a:prstGeom>
-          <a:noFill/>
-          <a:ln w="38100">
-            <a:solidFill>
-              <a:schemeClr val="tx1"/>
-            </a:solidFill>
-          </a:ln>
-        </p:spPr>
-        <p:style>
-          <a:lnRef idx="2">
-            <a:schemeClr val="accent1">
-              <a:shade val="50000"/>
-            </a:schemeClr>
-          </a:lnRef>
-          <a:fillRef idx="1">
-            <a:schemeClr val="accent1"/>
-          </a:fillRef>
-          <a:effectRef idx="0">
-            <a:schemeClr val="accent1"/>
-          </a:effectRef>
-          <a:fontRef idx="minor">
-            <a:schemeClr val="lt1"/>
-          </a:fontRef>
-        </p:style>
-        <p:txBody>
-          <a:bodyPr rtlCol="0" anchor="ctr"/>
-          <a:lstStyle/>
-          <a:p>
-            <a:pPr algn="ctr"/>
-            <a:endParaRPr lang="es-UY" sz="6600" dirty="0">
-              <a:latin typeface="Times New Roman" panose="02020603050405020304" pitchFamily="18" charset="0"/>
-              <a:cs typeface="Times New Roman" panose="02020603050405020304" pitchFamily="18" charset="0"/>
-            </a:endParaRPr>
-          </a:p>
-        </p:txBody>
-      </p:sp>
-      <p:sp>
-        <p:nvSpPr>
-          <p:cNvPr id="46" name="Rectángulo: esquinas redondeadas 45">
-            <a:extLst>
-              <a:ext uri="{FF2B5EF4-FFF2-40B4-BE49-F238E27FC236}">
-                <a16:creationId xmlns:a16="http://schemas.microsoft.com/office/drawing/2014/main" id="{293BB8B5-E556-4FD0-9E83-84C9365688CD}"/>
-              </a:ext>
-            </a:extLst>
-          </p:cNvPr>
-          <p:cNvSpPr/>
-          <p:nvPr/>
-        </p:nvSpPr>
-        <p:spPr>
-          <a:xfrm>
-            <a:off x="2767575" y="1210127"/>
-            <a:ext cx="2148926" cy="2510831"/>
-          </a:xfrm>
-          <a:prstGeom prst="roundRect">
-            <a:avLst>
-              <a:gd name="adj" fmla="val 2601"/>
-            </a:avLst>
-          </a:prstGeom>
-          <a:noFill/>
-          <a:ln w="38100">
-            <a:solidFill>
-              <a:schemeClr val="tx1"/>
-            </a:solidFill>
-          </a:ln>
-        </p:spPr>
-        <p:style>
-          <a:lnRef idx="2">
-            <a:schemeClr val="accent1">
-              <a:shade val="50000"/>
-            </a:schemeClr>
-          </a:lnRef>
-          <a:fillRef idx="1">
-            <a:schemeClr val="accent1"/>
-          </a:fillRef>
-          <a:effectRef idx="0">
-            <a:schemeClr val="accent1"/>
-          </a:effectRef>
-          <a:fontRef idx="minor">
-            <a:schemeClr val="lt1"/>
-          </a:fontRef>
-        </p:style>
-        <p:txBody>
-          <a:bodyPr rtlCol="0" anchor="ctr"/>
-          <a:lstStyle/>
-          <a:p>
-            <a:pPr algn="ctr"/>
-            <a:endParaRPr lang="es-UY" sz="6600" dirty="0">
-              <a:latin typeface="Times New Roman" panose="02020603050405020304" pitchFamily="18" charset="0"/>
-              <a:cs typeface="Times New Roman" panose="02020603050405020304" pitchFamily="18" charset="0"/>
-            </a:endParaRPr>
-          </a:p>
-        </p:txBody>
-      </p:sp>
-      <p:sp>
-        <p:nvSpPr>
-          <p:cNvPr id="59" name="Rectángulo: esquinas redondeadas 58">
-            <a:extLst>
-              <a:ext uri="{FF2B5EF4-FFF2-40B4-BE49-F238E27FC236}">
-                <a16:creationId xmlns:a16="http://schemas.microsoft.com/office/drawing/2014/main" id="{2F8068C2-94CF-421F-B67D-D0B1DC583AC2}"/>
-              </a:ext>
-            </a:extLst>
-          </p:cNvPr>
-          <p:cNvSpPr/>
-          <p:nvPr/>
-        </p:nvSpPr>
-        <p:spPr>
-          <a:xfrm>
-            <a:off x="5028099" y="1201081"/>
-            <a:ext cx="2148926" cy="2510831"/>
-          </a:xfrm>
-          <a:prstGeom prst="roundRect">
-            <a:avLst>
-              <a:gd name="adj" fmla="val 2601"/>
-            </a:avLst>
-          </a:prstGeom>
-          <a:noFill/>
-          <a:ln w="38100">
-            <a:solidFill>
-              <a:schemeClr val="tx1"/>
-            </a:solidFill>
-          </a:ln>
-        </p:spPr>
-        <p:style>
-          <a:lnRef idx="2">
-            <a:schemeClr val="accent1">
-              <a:shade val="50000"/>
-            </a:schemeClr>
-          </a:lnRef>
-          <a:fillRef idx="1">
-            <a:schemeClr val="accent1"/>
-          </a:fillRef>
-          <a:effectRef idx="0">
-            <a:schemeClr val="accent1"/>
-          </a:effectRef>
-          <a:fontRef idx="minor">
-            <a:schemeClr val="lt1"/>
-          </a:fontRef>
-        </p:style>
-        <p:txBody>
-          <a:bodyPr rtlCol="0" anchor="ctr"/>
-          <a:lstStyle/>
-          <a:p>
-            <a:pPr algn="ctr"/>
-            <a:endParaRPr lang="es-UY" sz="6600" dirty="0">
-              <a:latin typeface="Times New Roman" panose="02020603050405020304" pitchFamily="18" charset="0"/>
-              <a:cs typeface="Times New Roman" panose="02020603050405020304" pitchFamily="18" charset="0"/>
-            </a:endParaRPr>
-          </a:p>
-        </p:txBody>
-      </p:sp>
-      <p:sp>
-        <p:nvSpPr>
-          <p:cNvPr id="87" name="Rectángulo: esquinas redondeadas 86">
-            <a:extLst>
-              <a:ext uri="{FF2B5EF4-FFF2-40B4-BE49-F238E27FC236}">
-                <a16:creationId xmlns:a16="http://schemas.microsoft.com/office/drawing/2014/main" id="{F3C0F78A-7ADC-459D-A95D-EFDCB0F3BD23}"/>
-              </a:ext>
-            </a:extLst>
-          </p:cNvPr>
-          <p:cNvSpPr/>
-          <p:nvPr/>
-        </p:nvSpPr>
-        <p:spPr>
-          <a:xfrm>
-            <a:off x="490726" y="3906460"/>
-            <a:ext cx="2148926" cy="2510831"/>
-          </a:xfrm>
-          <a:prstGeom prst="roundRect">
-            <a:avLst>
-              <a:gd name="adj" fmla="val 2601"/>
-            </a:avLst>
-          </a:prstGeom>
-          <a:noFill/>
-          <a:ln w="38100">
-            <a:solidFill>
-              <a:schemeClr val="tx1"/>
-            </a:solidFill>
-          </a:ln>
-        </p:spPr>
-        <p:style>
-          <a:lnRef idx="2">
-            <a:schemeClr val="accent1">
-              <a:shade val="50000"/>
-            </a:schemeClr>
-          </a:lnRef>
-          <a:fillRef idx="1">
-            <a:schemeClr val="accent1"/>
-          </a:fillRef>
-          <a:effectRef idx="0">
-            <a:schemeClr val="accent1"/>
-          </a:effectRef>
-          <a:fontRef idx="minor">
-            <a:schemeClr val="lt1"/>
-          </a:fontRef>
-        </p:style>
-        <p:txBody>
-          <a:bodyPr rtlCol="0" anchor="ctr"/>
-          <a:lstStyle/>
-          <a:p>
-            <a:pPr algn="ctr"/>
-            <a:endParaRPr lang="es-UY" sz="6600" dirty="0">
-              <a:latin typeface="Times New Roman" panose="02020603050405020304" pitchFamily="18" charset="0"/>
-              <a:cs typeface="Times New Roman" panose="02020603050405020304" pitchFamily="18" charset="0"/>
-            </a:endParaRPr>
-          </a:p>
-        </p:txBody>
-      </p:sp>
-      <p:sp>
-        <p:nvSpPr>
-          <p:cNvPr id="94" name="Rectángulo: esquinas redondeadas 93">
-            <a:extLst>
-              <a:ext uri="{FF2B5EF4-FFF2-40B4-BE49-F238E27FC236}">
-                <a16:creationId xmlns:a16="http://schemas.microsoft.com/office/drawing/2014/main" id="{9C0AFDA7-3D9D-4EE9-A465-68CB59D1CA9D}"/>
-              </a:ext>
-            </a:extLst>
-          </p:cNvPr>
-          <p:cNvSpPr/>
-          <p:nvPr/>
-        </p:nvSpPr>
-        <p:spPr>
-          <a:xfrm>
-            <a:off x="2775167" y="3900859"/>
-            <a:ext cx="2148926" cy="2510831"/>
-          </a:xfrm>
-          <a:prstGeom prst="roundRect">
-            <a:avLst>
-              <a:gd name="adj" fmla="val 2601"/>
-            </a:avLst>
-          </a:prstGeom>
-          <a:noFill/>
-          <a:ln w="38100">
-            <a:solidFill>
-              <a:schemeClr val="tx1"/>
-            </a:solidFill>
-          </a:ln>
-        </p:spPr>
-        <p:style>
-          <a:lnRef idx="2">
-            <a:schemeClr val="accent1">
-              <a:shade val="50000"/>
-            </a:schemeClr>
-          </a:lnRef>
-          <a:fillRef idx="1">
-            <a:schemeClr val="accent1"/>
-          </a:fillRef>
-          <a:effectRef idx="0">
-            <a:schemeClr val="accent1"/>
-          </a:effectRef>
-          <a:fontRef idx="minor">
-            <a:schemeClr val="lt1"/>
-          </a:fontRef>
-        </p:style>
-        <p:txBody>
-          <a:bodyPr rtlCol="0" anchor="ctr"/>
-          <a:lstStyle/>
-          <a:p>
-            <a:pPr algn="ctr"/>
-            <a:endParaRPr lang="es-UY" sz="6600" dirty="0">
-              <a:latin typeface="Times New Roman" panose="02020603050405020304" pitchFamily="18" charset="0"/>
-              <a:cs typeface="Times New Roman" panose="02020603050405020304" pitchFamily="18" charset="0"/>
-            </a:endParaRPr>
-          </a:p>
-        </p:txBody>
-      </p:sp>
-      <p:sp>
-        <p:nvSpPr>
-          <p:cNvPr id="111" name="Rectángulo: esquinas redondeadas 110">
-            <a:extLst>
-              <a:ext uri="{FF2B5EF4-FFF2-40B4-BE49-F238E27FC236}">
-                <a16:creationId xmlns:a16="http://schemas.microsoft.com/office/drawing/2014/main" id="{329CEACB-93CB-48C0-BDF4-2BD49ECBECFA}"/>
-              </a:ext>
-            </a:extLst>
-          </p:cNvPr>
-          <p:cNvSpPr/>
-          <p:nvPr/>
-        </p:nvSpPr>
-        <p:spPr>
-          <a:xfrm>
-            <a:off x="5007704" y="3900859"/>
-            <a:ext cx="2148926" cy="2510831"/>
-          </a:xfrm>
-          <a:prstGeom prst="roundRect">
-            <a:avLst>
-              <a:gd name="adj" fmla="val 2601"/>
-            </a:avLst>
-          </a:prstGeom>
-          <a:noFill/>
-          <a:ln w="38100">
-            <a:solidFill>
-              <a:schemeClr val="tx1"/>
-            </a:solidFill>
-          </a:ln>
-        </p:spPr>
-        <p:style>
-          <a:lnRef idx="2">
-            <a:schemeClr val="accent1">
-              <a:shade val="50000"/>
-            </a:schemeClr>
-          </a:lnRef>
-          <a:fillRef idx="1">
-            <a:schemeClr val="accent1"/>
-          </a:fillRef>
-          <a:effectRef idx="0">
-            <a:schemeClr val="accent1"/>
-          </a:effectRef>
-          <a:fontRef idx="minor">
-            <a:schemeClr val="lt1"/>
-          </a:fontRef>
-        </p:style>
-        <p:txBody>
-          <a:bodyPr rtlCol="0" anchor="ctr"/>
-          <a:lstStyle/>
-          <a:p>
-            <a:pPr algn="ctr"/>
-            <a:endParaRPr lang="es-UY" sz="6600" dirty="0">
-              <a:latin typeface="Times New Roman" panose="02020603050405020304" pitchFamily="18" charset="0"/>
-              <a:cs typeface="Times New Roman" panose="02020603050405020304" pitchFamily="18" charset="0"/>
-            </a:endParaRPr>
-          </a:p>
-        </p:txBody>
-      </p:sp>
-      <p:sp>
-        <p:nvSpPr>
-          <p:cNvPr id="117" name="Rectángulo: esquinas redondeadas 116">
-            <a:extLst>
-              <a:ext uri="{FF2B5EF4-FFF2-40B4-BE49-F238E27FC236}">
-                <a16:creationId xmlns:a16="http://schemas.microsoft.com/office/drawing/2014/main" id="{5E48A019-3A3B-46F2-9B90-8FA0B25E1F7A}"/>
-              </a:ext>
-            </a:extLst>
-          </p:cNvPr>
-          <p:cNvSpPr/>
-          <p:nvPr/>
-        </p:nvSpPr>
-        <p:spPr>
-          <a:xfrm>
-            <a:off x="7292145" y="3895258"/>
-            <a:ext cx="2148926" cy="2510831"/>
-          </a:xfrm>
-          <a:prstGeom prst="roundRect">
-            <a:avLst>
-              <a:gd name="adj" fmla="val 2601"/>
-            </a:avLst>
-          </a:prstGeom>
-          <a:noFill/>
-          <a:ln w="38100">
-            <a:solidFill>
-              <a:schemeClr val="tx1"/>
-            </a:solidFill>
-          </a:ln>
-        </p:spPr>
-        <p:style>
-          <a:lnRef idx="2">
-            <a:schemeClr val="accent1">
-              <a:shade val="50000"/>
-            </a:schemeClr>
-          </a:lnRef>
-          <a:fillRef idx="1">
-            <a:schemeClr val="accent1"/>
-          </a:fillRef>
-          <a:effectRef idx="0">
-            <a:schemeClr val="accent1"/>
-          </a:effectRef>
-          <a:fontRef idx="minor">
-            <a:schemeClr val="lt1"/>
-          </a:fontRef>
-        </p:style>
-        <p:txBody>
-          <a:bodyPr rtlCol="0" anchor="ctr"/>
-          <a:lstStyle/>
-          <a:p>
-            <a:pPr algn="ctr"/>
-            <a:endParaRPr lang="es-UY" sz="6600" dirty="0">
-              <a:latin typeface="Times New Roman" panose="02020603050405020304" pitchFamily="18" charset="0"/>
-              <a:cs typeface="Times New Roman" panose="02020603050405020304" pitchFamily="18" charset="0"/>
-            </a:endParaRPr>
-          </a:p>
-        </p:txBody>
-      </p:sp>
-      <p:sp>
-        <p:nvSpPr>
-          <p:cNvPr id="41" name="Rectángulo: esquinas redondeadas 40">
-            <a:extLst>
-              <a:ext uri="{FF2B5EF4-FFF2-40B4-BE49-F238E27FC236}">
-                <a16:creationId xmlns:a16="http://schemas.microsoft.com/office/drawing/2014/main" id="{3667AE9A-8C3A-467F-BFBB-70DDDF7AB935}"/>
-              </a:ext>
-            </a:extLst>
-          </p:cNvPr>
-          <p:cNvSpPr/>
-          <p:nvPr/>
-        </p:nvSpPr>
-        <p:spPr>
-          <a:xfrm>
-            <a:off x="9576586" y="1206682"/>
-            <a:ext cx="2148926" cy="2510831"/>
-          </a:xfrm>
-          <a:prstGeom prst="roundRect">
-            <a:avLst>
-              <a:gd name="adj" fmla="val 2601"/>
-            </a:avLst>
-          </a:prstGeom>
-          <a:noFill/>
-          <a:ln w="38100">
-            <a:solidFill>
-              <a:schemeClr val="tx1"/>
-            </a:solidFill>
-          </a:ln>
-        </p:spPr>
-        <p:style>
-          <a:lnRef idx="2">
-            <a:schemeClr val="accent1">
-              <a:shade val="50000"/>
-            </a:schemeClr>
-          </a:lnRef>
-          <a:fillRef idx="1">
-            <a:schemeClr val="accent1"/>
-          </a:fillRef>
-          <a:effectRef idx="0">
-            <a:schemeClr val="accent1"/>
-          </a:effectRef>
-          <a:fontRef idx="minor">
-            <a:schemeClr val="lt1"/>
-          </a:fontRef>
-        </p:style>
-        <p:txBody>
-          <a:bodyPr rtlCol="0" anchor="ctr"/>
-          <a:lstStyle/>
-          <a:p>
-            <a:pPr algn="ctr"/>
-            <a:endParaRPr lang="es-UY" sz="6600" dirty="0">
-              <a:latin typeface="Times New Roman" panose="02020603050405020304" pitchFamily="18" charset="0"/>
-              <a:cs typeface="Times New Roman" panose="02020603050405020304" pitchFamily="18" charset="0"/>
-            </a:endParaRPr>
-          </a:p>
-        </p:txBody>
-      </p:sp>
-      <p:sp>
-        <p:nvSpPr>
-          <p:cNvPr id="43" name="Rectángulo: esquinas redondeadas 42">
-            <a:extLst>
-              <a:ext uri="{FF2B5EF4-FFF2-40B4-BE49-F238E27FC236}">
-                <a16:creationId xmlns:a16="http://schemas.microsoft.com/office/drawing/2014/main" id="{76777907-9D11-4DDE-B431-F5B967995C8F}"/>
-              </a:ext>
-            </a:extLst>
-          </p:cNvPr>
-          <p:cNvSpPr/>
-          <p:nvPr/>
-        </p:nvSpPr>
-        <p:spPr>
-          <a:xfrm>
-            <a:off x="9579776" y="3900859"/>
-            <a:ext cx="2148926" cy="2510831"/>
-          </a:xfrm>
-          <a:prstGeom prst="roundRect">
-            <a:avLst>
-              <a:gd name="adj" fmla="val 2601"/>
-            </a:avLst>
-          </a:prstGeom>
-          <a:noFill/>
-          <a:ln w="38100">
-            <a:solidFill>
-              <a:schemeClr val="tx1"/>
-            </a:solidFill>
-          </a:ln>
-        </p:spPr>
-        <p:style>
-          <a:lnRef idx="2">
-            <a:schemeClr val="accent1">
-              <a:shade val="50000"/>
-            </a:schemeClr>
-          </a:lnRef>
-          <a:fillRef idx="1">
-            <a:schemeClr val="accent1"/>
-          </a:fillRef>
-          <a:effectRef idx="0">
-            <a:schemeClr val="accent1"/>
-          </a:effectRef>
-          <a:fontRef idx="minor">
-            <a:schemeClr val="lt1"/>
-          </a:fontRef>
-        </p:style>
-        <p:txBody>
-          <a:bodyPr rtlCol="0" anchor="ctr"/>
-          <a:lstStyle/>
-          <a:p>
-            <a:pPr algn="ctr"/>
-            <a:endParaRPr lang="es-UY" sz="6600" dirty="0">
-              <a:latin typeface="Times New Roman" panose="02020603050405020304" pitchFamily="18" charset="0"/>
-              <a:cs typeface="Times New Roman" panose="02020603050405020304" pitchFamily="18" charset="0"/>
-            </a:endParaRPr>
-          </a:p>
-        </p:txBody>
-      </p:sp>
-      <p:sp>
-        <p:nvSpPr>
-          <p:cNvPr id="60" name="CuadroTexto 59">
-            <a:extLst>
-              <a:ext uri="{FF2B5EF4-FFF2-40B4-BE49-F238E27FC236}">
-                <a16:creationId xmlns:a16="http://schemas.microsoft.com/office/drawing/2014/main" id="{4B12C472-C471-4130-8AB9-33D6DC708C73}"/>
-              </a:ext>
-            </a:extLst>
-          </p:cNvPr>
-          <p:cNvSpPr txBox="1"/>
-          <p:nvPr/>
-        </p:nvSpPr>
-        <p:spPr>
-          <a:xfrm>
-            <a:off x="9576586" y="3413181"/>
-            <a:ext cx="2148926" cy="307777"/>
-          </a:xfrm>
-          <a:prstGeom prst="rect">
-            <a:avLst/>
-          </a:prstGeom>
-          <a:solidFill>
-            <a:schemeClr val="tx1"/>
-          </a:solidFill>
-        </p:spPr>
-        <p:txBody>
-          <a:bodyPr wrap="square" rtlCol="0">
-            <a:spAutoFit/>
-          </a:bodyPr>
-          <a:lstStyle/>
-          <a:p>
-            <a:pPr algn="ctr"/>
-            <a:r>
-              <a:rPr lang="es-UY" sz="1400" u="sng" dirty="0">
-                <a:solidFill>
-                  <a:schemeClr val="bg1"/>
-                </a:solidFill>
-              </a:rPr>
-              <a:t>Hit Aéreo</a:t>
-            </a:r>
-          </a:p>
-        </p:txBody>
-      </p:sp>
-      <p:sp>
-        <p:nvSpPr>
-          <p:cNvPr id="119" name="CuadroTexto 118">
-            <a:extLst>
-              <a:ext uri="{FF2B5EF4-FFF2-40B4-BE49-F238E27FC236}">
-                <a16:creationId xmlns:a16="http://schemas.microsoft.com/office/drawing/2014/main" id="{1B2973EE-6759-4CA6-9EF0-C9B234E9A0EF}"/>
-              </a:ext>
-            </a:extLst>
-          </p:cNvPr>
-          <p:cNvSpPr txBox="1"/>
-          <p:nvPr/>
-        </p:nvSpPr>
-        <p:spPr>
-          <a:xfrm>
-            <a:off x="508436" y="6098312"/>
-            <a:ext cx="2148926" cy="307777"/>
-          </a:xfrm>
-          <a:prstGeom prst="rect">
-            <a:avLst/>
-          </a:prstGeom>
-          <a:solidFill>
-            <a:schemeClr val="tx1"/>
-          </a:solidFill>
-        </p:spPr>
-        <p:txBody>
-          <a:bodyPr wrap="square" rtlCol="0">
-            <a:spAutoFit/>
-          </a:bodyPr>
-          <a:lstStyle/>
-          <a:p>
-            <a:pPr algn="ctr"/>
-            <a:r>
-              <a:rPr lang="es-UY" sz="1400" u="sng" dirty="0">
-                <a:solidFill>
-                  <a:schemeClr val="bg1"/>
-                </a:solidFill>
-              </a:rPr>
-              <a:t>x</a:t>
-            </a:r>
-          </a:p>
-        </p:txBody>
-      </p:sp>
-      <p:sp>
-        <p:nvSpPr>
-          <p:cNvPr id="120" name="CuadroTexto 119">
-            <a:extLst>
-              <a:ext uri="{FF2B5EF4-FFF2-40B4-BE49-F238E27FC236}">
-                <a16:creationId xmlns:a16="http://schemas.microsoft.com/office/drawing/2014/main" id="{4EAC24CA-07D8-4648-8A08-FDD8B39F9858}"/>
-              </a:ext>
-            </a:extLst>
-          </p:cNvPr>
-          <p:cNvSpPr txBox="1"/>
-          <p:nvPr/>
-        </p:nvSpPr>
-        <p:spPr>
-          <a:xfrm>
-            <a:off x="2768960" y="6098311"/>
-            <a:ext cx="2148926" cy="307777"/>
-          </a:xfrm>
-          <a:prstGeom prst="rect">
-            <a:avLst/>
-          </a:prstGeom>
-          <a:solidFill>
-            <a:schemeClr val="tx1"/>
-          </a:solidFill>
-        </p:spPr>
-        <p:txBody>
-          <a:bodyPr wrap="square" rtlCol="0">
-            <a:spAutoFit/>
-          </a:bodyPr>
-          <a:lstStyle/>
-          <a:p>
-            <a:pPr algn="ctr"/>
-            <a:r>
-              <a:rPr lang="es-UY" sz="1400" u="sng" dirty="0">
-                <a:solidFill>
-                  <a:schemeClr val="bg1"/>
-                </a:solidFill>
-              </a:rPr>
-              <a:t>x</a:t>
-            </a:r>
-          </a:p>
-        </p:txBody>
-      </p:sp>
-      <p:sp>
-        <p:nvSpPr>
-          <p:cNvPr id="121" name="CuadroTexto 120">
-            <a:extLst>
-              <a:ext uri="{FF2B5EF4-FFF2-40B4-BE49-F238E27FC236}">
-                <a16:creationId xmlns:a16="http://schemas.microsoft.com/office/drawing/2014/main" id="{2192EFA3-A52B-4308-ABCA-473CECA477BA}"/>
-              </a:ext>
-            </a:extLst>
-          </p:cNvPr>
-          <p:cNvSpPr txBox="1"/>
-          <p:nvPr/>
-        </p:nvSpPr>
-        <p:spPr>
-          <a:xfrm>
-            <a:off x="5016888" y="6104273"/>
-            <a:ext cx="2148926" cy="307777"/>
-          </a:xfrm>
-          <a:prstGeom prst="rect">
-            <a:avLst/>
-          </a:prstGeom>
-          <a:solidFill>
-            <a:schemeClr val="tx1"/>
-          </a:solidFill>
-        </p:spPr>
-        <p:txBody>
-          <a:bodyPr wrap="square" rtlCol="0">
-            <a:spAutoFit/>
-          </a:bodyPr>
-          <a:lstStyle/>
-          <a:p>
-            <a:pPr algn="ctr"/>
-            <a:r>
-              <a:rPr lang="es-UY" sz="1400" u="sng" dirty="0">
-                <a:solidFill>
-                  <a:schemeClr val="bg1"/>
-                </a:solidFill>
-              </a:rPr>
-              <a:t>x</a:t>
-            </a:r>
-          </a:p>
-        </p:txBody>
-      </p:sp>
-      <p:sp>
-        <p:nvSpPr>
-          <p:cNvPr id="124" name="CuadroTexto 123">
-            <a:extLst>
-              <a:ext uri="{FF2B5EF4-FFF2-40B4-BE49-F238E27FC236}">
-                <a16:creationId xmlns:a16="http://schemas.microsoft.com/office/drawing/2014/main" id="{E5576CAD-55B7-4AF5-A680-B9EB0B77102D}"/>
-              </a:ext>
-            </a:extLst>
-          </p:cNvPr>
-          <p:cNvSpPr txBox="1"/>
-          <p:nvPr/>
-        </p:nvSpPr>
-        <p:spPr>
-          <a:xfrm>
-            <a:off x="7294830" y="6104272"/>
-            <a:ext cx="2148926" cy="307777"/>
-          </a:xfrm>
-          <a:prstGeom prst="rect">
-            <a:avLst/>
-          </a:prstGeom>
-          <a:solidFill>
-            <a:schemeClr val="tx1"/>
-          </a:solidFill>
-        </p:spPr>
-        <p:txBody>
-          <a:bodyPr wrap="square" rtlCol="0">
-            <a:spAutoFit/>
-          </a:bodyPr>
-          <a:lstStyle/>
-          <a:p>
-            <a:pPr algn="ctr"/>
-            <a:r>
-              <a:rPr lang="es-UY" sz="1400" u="sng" dirty="0">
-                <a:solidFill>
-                  <a:schemeClr val="bg1"/>
-                </a:solidFill>
-              </a:rPr>
-              <a:t>X</a:t>
-            </a:r>
-          </a:p>
-        </p:txBody>
-      </p:sp>
-      <p:sp>
-        <p:nvSpPr>
-          <p:cNvPr id="125" name="CuadroTexto 124">
-            <a:extLst>
-              <a:ext uri="{FF2B5EF4-FFF2-40B4-BE49-F238E27FC236}">
-                <a16:creationId xmlns:a16="http://schemas.microsoft.com/office/drawing/2014/main" id="{7BB0B988-D2E9-4E70-B672-98AA714A56E3}"/>
-              </a:ext>
-            </a:extLst>
-          </p:cNvPr>
-          <p:cNvSpPr txBox="1"/>
-          <p:nvPr/>
-        </p:nvSpPr>
-        <p:spPr>
-          <a:xfrm>
-            <a:off x="9576586" y="6090269"/>
-            <a:ext cx="2148926" cy="307777"/>
-          </a:xfrm>
-          <a:prstGeom prst="rect">
-            <a:avLst/>
-          </a:prstGeom>
-          <a:solidFill>
-            <a:schemeClr val="tx1"/>
-          </a:solidFill>
-        </p:spPr>
-        <p:txBody>
-          <a:bodyPr wrap="square" rtlCol="0">
-            <a:spAutoFit/>
-          </a:bodyPr>
-          <a:lstStyle/>
-          <a:p>
-            <a:pPr algn="ctr"/>
-            <a:r>
-              <a:rPr lang="es-UY" sz="1400" u="sng" dirty="0">
-                <a:solidFill>
-                  <a:schemeClr val="bg1"/>
-                </a:solidFill>
-              </a:rPr>
-              <a:t>X</a:t>
-            </a:r>
-          </a:p>
-        </p:txBody>
-      </p:sp>
-      <p:sp>
-        <p:nvSpPr>
-          <p:cNvPr id="28" name="CuadroTexto 27">
-            <a:extLst>
-              <a:ext uri="{FF2B5EF4-FFF2-40B4-BE49-F238E27FC236}">
-                <a16:creationId xmlns:a16="http://schemas.microsoft.com/office/drawing/2014/main" id="{4ACB22EC-D27F-4335-9759-DF58E9E14102}"/>
-              </a:ext>
-            </a:extLst>
-          </p:cNvPr>
-          <p:cNvSpPr txBox="1"/>
-          <p:nvPr/>
-        </p:nvSpPr>
-        <p:spPr>
-          <a:xfrm>
-            <a:off x="508436" y="3038044"/>
-            <a:ext cx="2148926" cy="677108"/>
-          </a:xfrm>
-          <a:prstGeom prst="rect">
-            <a:avLst/>
-          </a:prstGeom>
-          <a:solidFill>
-            <a:schemeClr val="tx1"/>
-          </a:solidFill>
-        </p:spPr>
-        <p:txBody>
-          <a:bodyPr wrap="square" rtlCol="0">
-            <a:spAutoFit/>
-          </a:bodyPr>
-          <a:lstStyle/>
-          <a:p>
-            <a:pPr algn="ctr"/>
-            <a:r>
-              <a:rPr lang="es-UY" sz="1400" u="sng" dirty="0">
-                <a:solidFill>
-                  <a:schemeClr val="bg1"/>
-                </a:solidFill>
-              </a:rPr>
-              <a:t>Bloqueo</a:t>
-            </a:r>
-          </a:p>
-          <a:p>
-            <a:pPr algn="ctr"/>
-            <a:r>
-              <a:rPr lang="es-UY" sz="600" b="1" dirty="0">
-                <a:solidFill>
-                  <a:schemeClr val="bg1"/>
-                </a:solidFill>
-              </a:rPr>
-              <a:t>Éxito</a:t>
-            </a:r>
-            <a:r>
-              <a:rPr lang="es-UY" sz="600" dirty="0">
-                <a:solidFill>
-                  <a:schemeClr val="bg1"/>
-                </a:solidFill>
-              </a:rPr>
-              <a:t> – Se pasa al estado Golpe Bloqueado</a:t>
-            </a:r>
-          </a:p>
-          <a:p>
-            <a:pPr algn="ctr"/>
-            <a:r>
-              <a:rPr lang="es-UY" sz="600" b="1" dirty="0">
-                <a:solidFill>
-                  <a:schemeClr val="bg1"/>
-                </a:solidFill>
-              </a:rPr>
-              <a:t>Choque</a:t>
-            </a:r>
-            <a:r>
-              <a:rPr lang="es-UY" sz="600" dirty="0">
-                <a:solidFill>
-                  <a:schemeClr val="bg1"/>
-                </a:solidFill>
-              </a:rPr>
-              <a:t> – A favor si Hitbox de Arma, desventaja si Hitbox poncho</a:t>
-            </a:r>
-          </a:p>
-          <a:p>
-            <a:pPr algn="ctr"/>
-            <a:r>
-              <a:rPr lang="es-UY" sz="600" b="1" dirty="0">
-                <a:solidFill>
-                  <a:schemeClr val="bg1"/>
-                </a:solidFill>
-              </a:rPr>
-              <a:t>Fallo</a:t>
-            </a:r>
-            <a:r>
-              <a:rPr lang="es-UY" sz="600" dirty="0">
-                <a:solidFill>
-                  <a:schemeClr val="bg1"/>
-                </a:solidFill>
-              </a:rPr>
-              <a:t> – Alta recuperación</a:t>
-            </a:r>
-          </a:p>
-        </p:txBody>
-      </p:sp>
-      <p:sp>
-        <p:nvSpPr>
-          <p:cNvPr id="29" name="CuadroTexto 28">
-            <a:extLst>
-              <a:ext uri="{FF2B5EF4-FFF2-40B4-BE49-F238E27FC236}">
-                <a16:creationId xmlns:a16="http://schemas.microsoft.com/office/drawing/2014/main" id="{A4B84FFE-3A52-48D1-9F14-63F7788A3F09}"/>
-              </a:ext>
-            </a:extLst>
-          </p:cNvPr>
-          <p:cNvSpPr txBox="1"/>
-          <p:nvPr/>
-        </p:nvSpPr>
-        <p:spPr>
-          <a:xfrm>
-            <a:off x="2772063" y="3224639"/>
-            <a:ext cx="2148926" cy="492443"/>
-          </a:xfrm>
-          <a:prstGeom prst="rect">
-            <a:avLst/>
-          </a:prstGeom>
-          <a:solidFill>
-            <a:schemeClr val="tx1"/>
-          </a:solidFill>
-        </p:spPr>
-        <p:txBody>
-          <a:bodyPr wrap="square" rtlCol="0">
-            <a:spAutoFit/>
-          </a:bodyPr>
-          <a:lstStyle/>
-          <a:p>
-            <a:pPr algn="ctr"/>
-            <a:r>
-              <a:rPr lang="es-UY" sz="1400" u="sng" dirty="0">
-                <a:solidFill>
-                  <a:schemeClr val="bg1"/>
-                </a:solidFill>
-              </a:rPr>
-              <a:t>Golpe Bloqueado</a:t>
-            </a:r>
-          </a:p>
-          <a:p>
-            <a:pPr algn="ctr"/>
-            <a:r>
-              <a:rPr lang="es-UY" sz="600" b="1" dirty="0">
-                <a:solidFill>
-                  <a:schemeClr val="bg1"/>
-                </a:solidFill>
-              </a:rPr>
-              <a:t>Éxito</a:t>
-            </a:r>
-            <a:r>
-              <a:rPr lang="es-UY" sz="600" dirty="0">
-                <a:solidFill>
-                  <a:schemeClr val="bg1"/>
-                </a:solidFill>
-              </a:rPr>
-              <a:t> – El jugador se recupera rápidamente al estar en este estado.</a:t>
-            </a:r>
-          </a:p>
-        </p:txBody>
-      </p:sp>
-      <p:sp>
-        <p:nvSpPr>
-          <p:cNvPr id="30" name="CuadroTexto 29">
-            <a:extLst>
-              <a:ext uri="{FF2B5EF4-FFF2-40B4-BE49-F238E27FC236}">
-                <a16:creationId xmlns:a16="http://schemas.microsoft.com/office/drawing/2014/main" id="{0DAD467B-9DF2-4A5C-94BC-8A4BD134F711}"/>
-              </a:ext>
-            </a:extLst>
-          </p:cNvPr>
-          <p:cNvSpPr txBox="1"/>
-          <p:nvPr/>
-        </p:nvSpPr>
-        <p:spPr>
-          <a:xfrm>
-            <a:off x="5023611" y="3219649"/>
-            <a:ext cx="2148926" cy="492443"/>
-          </a:xfrm>
-          <a:prstGeom prst="rect">
-            <a:avLst/>
-          </a:prstGeom>
-          <a:solidFill>
-            <a:schemeClr val="tx1"/>
-          </a:solidFill>
-        </p:spPr>
-        <p:txBody>
-          <a:bodyPr wrap="square" rtlCol="0">
-            <a:spAutoFit/>
-          </a:bodyPr>
-          <a:lstStyle/>
-          <a:p>
-            <a:pPr algn="ctr"/>
-            <a:r>
-              <a:rPr lang="es-UY" sz="1400" u="sng" dirty="0">
-                <a:solidFill>
-                  <a:schemeClr val="bg1"/>
-                </a:solidFill>
-              </a:rPr>
-              <a:t>Aturdido</a:t>
-            </a:r>
-          </a:p>
-          <a:p>
-            <a:pPr algn="ctr"/>
-            <a:r>
-              <a:rPr lang="es-UY" sz="600" b="1" dirty="0">
-                <a:solidFill>
-                  <a:schemeClr val="bg1"/>
-                </a:solidFill>
-              </a:rPr>
-              <a:t>Éxito</a:t>
-            </a:r>
-            <a:r>
-              <a:rPr lang="es-UY" sz="600" dirty="0">
-                <a:solidFill>
-                  <a:schemeClr val="bg1"/>
-                </a:solidFill>
-              </a:rPr>
-              <a:t> – El jugador no puede moverse ni atacar en este estado, hay que pulsar rápidamente el botón de ataque para salir.</a:t>
-            </a:r>
-          </a:p>
-        </p:txBody>
-      </p:sp>
-      <p:sp>
-        <p:nvSpPr>
-          <p:cNvPr id="31" name="CuadroTexto 30">
-            <a:extLst>
-              <a:ext uri="{FF2B5EF4-FFF2-40B4-BE49-F238E27FC236}">
-                <a16:creationId xmlns:a16="http://schemas.microsoft.com/office/drawing/2014/main" id="{6D58E931-6B66-405E-BF2F-A30E9182B50F}"/>
-              </a:ext>
-            </a:extLst>
-          </p:cNvPr>
-          <p:cNvSpPr txBox="1"/>
-          <p:nvPr/>
-        </p:nvSpPr>
-        <p:spPr>
-          <a:xfrm>
-            <a:off x="7288955" y="3407115"/>
-            <a:ext cx="2148926" cy="307777"/>
-          </a:xfrm>
-          <a:prstGeom prst="rect">
-            <a:avLst/>
-          </a:prstGeom>
-          <a:solidFill>
-            <a:schemeClr val="tx1"/>
-          </a:solidFill>
-        </p:spPr>
-        <p:txBody>
-          <a:bodyPr wrap="square" rtlCol="0">
-            <a:spAutoFit/>
-          </a:bodyPr>
-          <a:lstStyle/>
-          <a:p>
-            <a:pPr algn="ctr"/>
-            <a:r>
-              <a:rPr lang="es-UY" sz="1400" u="sng" dirty="0">
-                <a:solidFill>
-                  <a:schemeClr val="bg1"/>
-                </a:solidFill>
-              </a:rPr>
-              <a:t>Hit Terrestre</a:t>
-            </a:r>
-          </a:p>
-        </p:txBody>
-      </p:sp>
-    </p:spTree>
-    <p:extLst>
-      <p:ext uri="{BB962C8B-B14F-4D97-AF65-F5344CB8AC3E}">
-        <p14:creationId xmlns:p14="http://schemas.microsoft.com/office/powerpoint/2010/main" val="1644024000"/>
-      </p:ext>
-    </p:extLst>
-  </p:cSld>
-  <p:clrMapOvr>
-    <a:masterClrMapping/>
-  </p:clrMapOvr>
-</p:sld>
-</file>
-
 <file path=ppt/slides/slide9.xml><?xml version="1.0" encoding="utf-8"?>
 <p:sld xmlns:a="http://schemas.openxmlformats.org/drawingml/2006/main" xmlns:r="http://schemas.openxmlformats.org/officeDocument/2006/relationships" xmlns:p="http://schemas.openxmlformats.org/presentationml/2006/main">
   <p:cSld>
@@ -17224,106 +18182,10 @@
       </p:grpSpPr>
       <p:sp>
         <p:nvSpPr>
-          <p:cNvPr id="2" name="CuadroTexto 1">
-            <a:extLst>
-              <a:ext uri="{FF2B5EF4-FFF2-40B4-BE49-F238E27FC236}">
-                <a16:creationId xmlns:a16="http://schemas.microsoft.com/office/drawing/2014/main" id="{BDD9EB80-7B9D-4C18-96A6-BA81186144EA}"/>
-              </a:ext>
-            </a:extLst>
-          </p:cNvPr>
-          <p:cNvSpPr txBox="1"/>
-          <p:nvPr/>
-        </p:nvSpPr>
-        <p:spPr>
-          <a:xfrm>
-            <a:off x="159799" y="1097539"/>
-            <a:ext cx="5839350" cy="3323987"/>
-          </a:xfrm>
-          <a:prstGeom prst="rect">
-            <a:avLst/>
-          </a:prstGeom>
-          <a:noFill/>
-          <a:ln w="28575">
-            <a:solidFill>
-              <a:schemeClr val="tx1"/>
-            </a:solidFill>
-          </a:ln>
-        </p:spPr>
-        <p:txBody>
-          <a:bodyPr wrap="square" rtlCol="0">
-            <a:spAutoFit/>
-          </a:bodyPr>
-          <a:lstStyle/>
-          <a:p>
-            <a:pPr algn="just"/>
-            <a:r>
-              <a:rPr lang="es-UY" sz="1400" dirty="0"/>
-              <a:t>El juego tiene tres tipos de enemigos esparcidos por el nivel:</a:t>
-            </a:r>
-          </a:p>
-          <a:p>
-            <a:pPr algn="just"/>
-            <a:endParaRPr lang="es-UY" sz="1400" dirty="0"/>
-          </a:p>
-          <a:p>
-            <a:pPr algn="just"/>
-            <a:r>
-              <a:rPr lang="es-UY" sz="1400" u="sng" dirty="0"/>
-              <a:t>Enemigo Simples </a:t>
-            </a:r>
-          </a:p>
-          <a:p>
-            <a:pPr algn="just"/>
-            <a:r>
-              <a:rPr lang="es-UY" sz="1400" dirty="0"/>
-              <a:t>Enemigos con funciones básicas que no necesitan de una interacción compleja con el jugador. Se dedican a hacer una cosa y son fáciles de derrotar.</a:t>
-            </a:r>
-          </a:p>
-          <a:p>
-            <a:pPr algn="just"/>
-            <a:endParaRPr lang="es-UY" sz="1400" dirty="0"/>
-          </a:p>
-          <a:p>
-            <a:pPr algn="just"/>
-            <a:r>
-              <a:rPr lang="es-UY" sz="1400" u="sng" dirty="0"/>
-              <a:t>Enemigo Inteligentes </a:t>
-            </a:r>
-            <a:endParaRPr lang="es-UY" sz="1400" dirty="0"/>
-          </a:p>
-          <a:p>
-            <a:pPr algn="just"/>
-            <a:r>
-              <a:rPr lang="es-UY" sz="1400" dirty="0"/>
-              <a:t>Enemigos con IA hecha para interactuar de diversas maneras con el jugador. Son retos que tienen que detener al jugador, son mas complejos de derrotar y marcan un ritmo en el nivel.</a:t>
-            </a:r>
-          </a:p>
-          <a:p>
-            <a:pPr algn="just"/>
-            <a:endParaRPr lang="es-UY" sz="1400" dirty="0"/>
-          </a:p>
-          <a:p>
-            <a:pPr algn="just"/>
-            <a:r>
-              <a:rPr lang="es-UY" sz="1400" u="sng" dirty="0"/>
-              <a:t>Enemigo Final</a:t>
-            </a:r>
-          </a:p>
-          <a:p>
-            <a:pPr algn="just"/>
-            <a:r>
-              <a:rPr lang="es-UY" sz="1400" dirty="0"/>
-              <a:t>Es un enemigo que combina el conocimiento adquirido del nivel en uno solo. Tiene una IA mas avanzada que los otros dos ya que busca desafiar y interactuar al jugador al máximo.</a:t>
-            </a:r>
-          </a:p>
-        </p:txBody>
-      </p:sp>
-      <p:sp>
-        <p:nvSpPr>
-          <p:cNvPr id="3" name="Rectángulo: esquinas redondeadas 2">
-            <a:extLst>
-              <a:ext uri="{FF2B5EF4-FFF2-40B4-BE49-F238E27FC236}">
-                <a16:creationId xmlns:a16="http://schemas.microsoft.com/office/drawing/2014/main" id="{3612F458-F975-4939-A718-E92212B9AE44}"/>
+          <p:cNvPr id="45" name="Rectángulo: esquinas redondeadas 44">
+            <a:extLst>
+              <a:ext uri="{FF2B5EF4-FFF2-40B4-BE49-F238E27FC236}">
+                <a16:creationId xmlns:a16="http://schemas.microsoft.com/office/drawing/2014/main" id="{8D559841-E46F-4934-8D07-A2092603A2C5}"/>
               </a:ext>
             </a:extLst>
           </p:cNvPr>
@@ -17367,479 +18229,1104 @@
           <a:p>
             <a:pPr algn="ctr"/>
             <a:r>
-              <a:rPr lang="es-UY" sz="6600" dirty="0">
+              <a:rPr lang="es-UY" sz="5400" dirty="0">
                 <a:latin typeface="Times New Roman" panose="02020603050405020304" pitchFamily="18" charset="0"/>
                 <a:cs typeface="Times New Roman" panose="02020603050405020304" pitchFamily="18" charset="0"/>
               </a:rPr>
-              <a:t>Tipos de Enemigos</a:t>
-            </a:r>
-          </a:p>
-        </p:txBody>
-      </p:sp>
-      <p:sp>
-        <p:nvSpPr>
-          <p:cNvPr id="40" name="CuadroTexto 39">
-            <a:extLst>
-              <a:ext uri="{FF2B5EF4-FFF2-40B4-BE49-F238E27FC236}">
-                <a16:creationId xmlns:a16="http://schemas.microsoft.com/office/drawing/2014/main" id="{76BCE6BB-B692-40EB-BDED-E791E418B566}"/>
-              </a:ext>
-            </a:extLst>
-          </p:cNvPr>
-          <p:cNvSpPr txBox="1"/>
-          <p:nvPr/>
-        </p:nvSpPr>
-        <p:spPr>
-          <a:xfrm>
-            <a:off x="6192853" y="2721383"/>
-            <a:ext cx="3595456" cy="830997"/>
-          </a:xfrm>
-          <a:prstGeom prst="rect">
-            <a:avLst/>
+              <a:t>Anim: Interacciones</a:t>
+            </a:r>
+          </a:p>
+        </p:txBody>
+      </p:sp>
+      <p:sp>
+        <p:nvSpPr>
+          <p:cNvPr id="62" name="Rectángulo: esquinas redondeadas 61">
+            <a:extLst>
+              <a:ext uri="{FF2B5EF4-FFF2-40B4-BE49-F238E27FC236}">
+                <a16:creationId xmlns:a16="http://schemas.microsoft.com/office/drawing/2014/main" id="{A6EB4EBC-18EB-4AE2-9A3E-EEA344493360}"/>
+              </a:ext>
+            </a:extLst>
+          </p:cNvPr>
+          <p:cNvSpPr/>
+          <p:nvPr/>
+        </p:nvSpPr>
+        <p:spPr>
+          <a:xfrm>
+            <a:off x="7288955" y="1201081"/>
+            <a:ext cx="2148926" cy="2510831"/>
+          </a:xfrm>
+          <a:prstGeom prst="roundRect">
+            <a:avLst>
+              <a:gd name="adj" fmla="val 2601"/>
+            </a:avLst>
           </a:prstGeom>
           <a:noFill/>
-          <a:ln w="19050">
+          <a:ln w="38100">
             <a:solidFill>
               <a:schemeClr val="tx1"/>
             </a:solidFill>
           </a:ln>
         </p:spPr>
-        <p:txBody>
-          <a:bodyPr wrap="square" rtlCol="0">
-            <a:spAutoFit/>
-          </a:bodyPr>
-          <a:lstStyle/>
-          <a:p>
-            <a:pPr algn="just"/>
-            <a:r>
-              <a:rPr lang="es-UY" sz="1200" dirty="0"/>
-              <a:t>Enemigo Básico – Guris.</a:t>
-            </a:r>
-          </a:p>
-          <a:p>
-            <a:pPr algn="just"/>
-            <a:r>
-              <a:rPr lang="es-UY" sz="1200" dirty="0"/>
-              <a:t>Descansa quieto hasta que el jugador se acerca. Ataca mientras se mueve horizontalmente y rebota con las paredes. 1 golpe de HP.</a:t>
-            </a:r>
-          </a:p>
-        </p:txBody>
-      </p:sp>
-      <p:grpSp>
-        <p:nvGrpSpPr>
-          <p:cNvPr id="41" name="Grupo 40">
-            <a:extLst>
-              <a:ext uri="{FF2B5EF4-FFF2-40B4-BE49-F238E27FC236}">
-                <a16:creationId xmlns:a16="http://schemas.microsoft.com/office/drawing/2014/main" id="{AE658B23-FEE6-4530-9A05-ACD82434BD29}"/>
-              </a:ext>
-            </a:extLst>
-          </p:cNvPr>
-          <p:cNvGrpSpPr/>
-          <p:nvPr/>
-        </p:nvGrpSpPr>
-        <p:grpSpPr>
-          <a:xfrm>
-            <a:off x="6355223" y="1110121"/>
-            <a:ext cx="3235362" cy="1507673"/>
-            <a:chOff x="6552947" y="4495070"/>
-            <a:chExt cx="3235362" cy="1507673"/>
-          </a:xfrm>
-        </p:grpSpPr>
-        <p:sp>
-          <p:nvSpPr>
-            <p:cNvPr id="42" name="Flecha: a la derecha 41">
-              <a:extLst>
-                <a:ext uri="{FF2B5EF4-FFF2-40B4-BE49-F238E27FC236}">
-                  <a16:creationId xmlns:a16="http://schemas.microsoft.com/office/drawing/2014/main" id="{15050FEC-1A9A-497B-9C8D-C528BD3B6542}"/>
-                </a:ext>
-              </a:extLst>
-            </p:cNvPr>
-            <p:cNvSpPr/>
-            <p:nvPr/>
-          </p:nvSpPr>
-          <p:spPr>
-            <a:xfrm rot="10800000">
-              <a:off x="7852382" y="4929342"/>
-              <a:ext cx="1158708" cy="484632"/>
-            </a:xfrm>
-            <a:prstGeom prst="rightArrow">
-              <a:avLst/>
-            </a:prstGeom>
-            <a:solidFill>
-              <a:schemeClr val="tx1"/>
-            </a:solidFill>
-            <a:ln>
-              <a:noFill/>
-            </a:ln>
-          </p:spPr>
-          <p:style>
-            <a:lnRef idx="2">
-              <a:schemeClr val="accent1">
-                <a:shade val="50000"/>
-              </a:schemeClr>
-            </a:lnRef>
-            <a:fillRef idx="1">
-              <a:schemeClr val="accent1"/>
-            </a:fillRef>
-            <a:effectRef idx="0">
-              <a:schemeClr val="accent1"/>
-            </a:effectRef>
-            <a:fontRef idx="minor">
-              <a:schemeClr val="lt1"/>
-            </a:fontRef>
-          </p:style>
-          <p:txBody>
-            <a:bodyPr rtlCol="0" anchor="ctr"/>
-            <a:lstStyle/>
-            <a:p>
-              <a:pPr algn="ctr"/>
-              <a:endParaRPr lang="es-UY"/>
-            </a:p>
-          </p:txBody>
-        </p:sp>
-        <p:sp>
-          <p:nvSpPr>
-            <p:cNvPr id="43" name="Flecha: a la derecha 42">
-              <a:extLst>
-                <a:ext uri="{FF2B5EF4-FFF2-40B4-BE49-F238E27FC236}">
-                  <a16:creationId xmlns:a16="http://schemas.microsoft.com/office/drawing/2014/main" id="{82B9F141-452B-4E42-AE1D-276906207C7D}"/>
-                </a:ext>
-              </a:extLst>
-            </p:cNvPr>
-            <p:cNvSpPr/>
-            <p:nvPr/>
-          </p:nvSpPr>
-          <p:spPr>
-            <a:xfrm rot="16200000">
-              <a:off x="6539211" y="5026371"/>
-              <a:ext cx="978408" cy="484632"/>
-            </a:xfrm>
-            <a:prstGeom prst="rightArrow">
-              <a:avLst/>
-            </a:prstGeom>
-            <a:solidFill>
-              <a:schemeClr val="tx1"/>
-            </a:solidFill>
-            <a:ln>
-              <a:noFill/>
-            </a:ln>
-          </p:spPr>
-          <p:style>
-            <a:lnRef idx="2">
-              <a:schemeClr val="accent1">
-                <a:shade val="50000"/>
-              </a:schemeClr>
-            </a:lnRef>
-            <a:fillRef idx="1">
-              <a:schemeClr val="accent1"/>
-            </a:fillRef>
-            <a:effectRef idx="0">
-              <a:schemeClr val="accent1"/>
-            </a:effectRef>
-            <a:fontRef idx="minor">
-              <a:schemeClr val="lt1"/>
-            </a:fontRef>
-          </p:style>
-          <p:txBody>
-            <a:bodyPr rtlCol="0" anchor="ctr"/>
-            <a:lstStyle/>
-            <a:p>
-              <a:pPr algn="ctr"/>
-              <a:endParaRPr lang="es-UY"/>
-            </a:p>
-          </p:txBody>
-        </p:sp>
-        <p:pic>
-          <p:nvPicPr>
-            <p:cNvPr id="44" name="Imagen 43">
-              <a:extLst>
-                <a:ext uri="{FF2B5EF4-FFF2-40B4-BE49-F238E27FC236}">
-                  <a16:creationId xmlns:a16="http://schemas.microsoft.com/office/drawing/2014/main" id="{9F17A00B-E029-40FA-A597-49C29725AD93}"/>
-                </a:ext>
-              </a:extLst>
-            </p:cNvPr>
-            <p:cNvPicPr>
-              <a:picLocks noChangeAspect="1"/>
-            </p:cNvPicPr>
-            <p:nvPr/>
-          </p:nvPicPr>
-          <p:blipFill>
-            <a:blip r:embed="rId2">
-              <a:extLst>
-                <a:ext uri="{28A0092B-C50C-407E-A947-70E740481C1C}">
-                  <a14:useLocalDpi xmlns:a14="http://schemas.microsoft.com/office/drawing/2010/main" val="0"/>
-                </a:ext>
-              </a:extLst>
-            </a:blip>
-            <a:stretch>
-              <a:fillRect/>
-            </a:stretch>
-          </p:blipFill>
-          <p:spPr>
-            <a:xfrm flipH="1">
-              <a:off x="8582170" y="4495070"/>
-              <a:ext cx="1206139" cy="1507673"/>
-            </a:xfrm>
-            <a:prstGeom prst="rect">
-              <a:avLst/>
-            </a:prstGeom>
-          </p:spPr>
-        </p:pic>
-        <p:pic>
-          <p:nvPicPr>
-            <p:cNvPr id="45" name="Imagen 44">
-              <a:extLst>
-                <a:ext uri="{FF2B5EF4-FFF2-40B4-BE49-F238E27FC236}">
-                  <a16:creationId xmlns:a16="http://schemas.microsoft.com/office/drawing/2014/main" id="{6458CD6F-0D22-407E-8498-3BD332231D95}"/>
-                </a:ext>
-              </a:extLst>
-            </p:cNvPr>
-            <p:cNvPicPr>
-              <a:picLocks noChangeAspect="1"/>
-            </p:cNvPicPr>
-            <p:nvPr/>
-          </p:nvPicPr>
-          <p:blipFill>
-            <a:blip r:embed="rId3">
-              <a:extLst>
-                <a:ext uri="{28A0092B-C50C-407E-A947-70E740481C1C}">
-                  <a14:useLocalDpi xmlns:a14="http://schemas.microsoft.com/office/drawing/2010/main" val="0"/>
-                </a:ext>
-              </a:extLst>
-            </a:blip>
-            <a:stretch>
-              <a:fillRect/>
-            </a:stretch>
-          </p:blipFill>
-          <p:spPr>
-            <a:xfrm flipH="1">
-              <a:off x="6552947" y="4625700"/>
-              <a:ext cx="1101634" cy="1377043"/>
-            </a:xfrm>
-            <a:prstGeom prst="rect">
-              <a:avLst/>
-            </a:prstGeom>
-          </p:spPr>
-        </p:pic>
-      </p:grpSp>
-      <p:sp>
-        <p:nvSpPr>
-          <p:cNvPr id="46" name="CuadroTexto 45">
-            <a:extLst>
-              <a:ext uri="{FF2B5EF4-FFF2-40B4-BE49-F238E27FC236}">
-                <a16:creationId xmlns:a16="http://schemas.microsoft.com/office/drawing/2014/main" id="{34175FD0-7675-4624-8829-55AC8BB73C88}"/>
-              </a:ext>
-            </a:extLst>
-          </p:cNvPr>
-          <p:cNvSpPr txBox="1"/>
-          <p:nvPr/>
-        </p:nvSpPr>
-        <p:spPr>
-          <a:xfrm>
-            <a:off x="6192853" y="5542235"/>
-            <a:ext cx="3595456" cy="830997"/>
-          </a:xfrm>
-          <a:prstGeom prst="rect">
-            <a:avLst/>
+        <p:style>
+          <a:lnRef idx="2">
+            <a:schemeClr val="accent1">
+              <a:shade val="50000"/>
+            </a:schemeClr>
+          </a:lnRef>
+          <a:fillRef idx="1">
+            <a:schemeClr val="accent1"/>
+          </a:fillRef>
+          <a:effectRef idx="0">
+            <a:schemeClr val="accent1"/>
+          </a:effectRef>
+          <a:fontRef idx="minor">
+            <a:schemeClr val="lt1"/>
+          </a:fontRef>
+        </p:style>
+        <p:txBody>
+          <a:bodyPr rtlCol="0" anchor="ctr"/>
+          <a:lstStyle/>
+          <a:p>
+            <a:pPr algn="ctr"/>
+            <a:endParaRPr lang="es-UY" sz="6600" dirty="0">
+              <a:latin typeface="Times New Roman" panose="02020603050405020304" pitchFamily="18" charset="0"/>
+              <a:cs typeface="Times New Roman" panose="02020603050405020304" pitchFamily="18" charset="0"/>
+            </a:endParaRPr>
+          </a:p>
+        </p:txBody>
+      </p:sp>
+      <p:sp>
+        <p:nvSpPr>
+          <p:cNvPr id="51" name="Rectángulo: esquinas redondeadas 50">
+            <a:extLst>
+              <a:ext uri="{FF2B5EF4-FFF2-40B4-BE49-F238E27FC236}">
+                <a16:creationId xmlns:a16="http://schemas.microsoft.com/office/drawing/2014/main" id="{061157F9-7ACF-43D4-8182-ADB79307AF1F}"/>
+              </a:ext>
+            </a:extLst>
+          </p:cNvPr>
+          <p:cNvSpPr/>
+          <p:nvPr/>
+        </p:nvSpPr>
+        <p:spPr>
+          <a:xfrm>
+            <a:off x="500844" y="1201081"/>
+            <a:ext cx="2148926" cy="2510831"/>
+          </a:xfrm>
+          <a:prstGeom prst="roundRect">
+            <a:avLst>
+              <a:gd name="adj" fmla="val 2601"/>
+            </a:avLst>
           </a:prstGeom>
           <a:noFill/>
-          <a:ln w="19050">
+          <a:ln w="38100">
             <a:solidFill>
               <a:schemeClr val="tx1"/>
             </a:solidFill>
           </a:ln>
         </p:spPr>
+        <p:style>
+          <a:lnRef idx="2">
+            <a:schemeClr val="accent1">
+              <a:shade val="50000"/>
+            </a:schemeClr>
+          </a:lnRef>
+          <a:fillRef idx="1">
+            <a:schemeClr val="accent1"/>
+          </a:fillRef>
+          <a:effectRef idx="0">
+            <a:schemeClr val="accent1"/>
+          </a:effectRef>
+          <a:fontRef idx="minor">
+            <a:schemeClr val="lt1"/>
+          </a:fontRef>
+        </p:style>
+        <p:txBody>
+          <a:bodyPr rtlCol="0" anchor="ctr"/>
+          <a:lstStyle/>
+          <a:p>
+            <a:pPr algn="ctr"/>
+            <a:endParaRPr lang="es-UY" sz="6600" dirty="0">
+              <a:latin typeface="Times New Roman" panose="02020603050405020304" pitchFamily="18" charset="0"/>
+              <a:cs typeface="Times New Roman" panose="02020603050405020304" pitchFamily="18" charset="0"/>
+            </a:endParaRPr>
+          </a:p>
+        </p:txBody>
+      </p:sp>
+      <p:sp>
+        <p:nvSpPr>
+          <p:cNvPr id="46" name="Rectángulo: esquinas redondeadas 45">
+            <a:extLst>
+              <a:ext uri="{FF2B5EF4-FFF2-40B4-BE49-F238E27FC236}">
+                <a16:creationId xmlns:a16="http://schemas.microsoft.com/office/drawing/2014/main" id="{293BB8B5-E556-4FD0-9E83-84C9365688CD}"/>
+              </a:ext>
+            </a:extLst>
+          </p:cNvPr>
+          <p:cNvSpPr/>
+          <p:nvPr/>
+        </p:nvSpPr>
+        <p:spPr>
+          <a:xfrm>
+            <a:off x="2767575" y="1210127"/>
+            <a:ext cx="2148926" cy="2510831"/>
+          </a:xfrm>
+          <a:prstGeom prst="roundRect">
+            <a:avLst>
+              <a:gd name="adj" fmla="val 2601"/>
+            </a:avLst>
+          </a:prstGeom>
+          <a:noFill/>
+          <a:ln w="38100">
+            <a:solidFill>
+              <a:schemeClr val="tx1"/>
+            </a:solidFill>
+          </a:ln>
+        </p:spPr>
+        <p:style>
+          <a:lnRef idx="2">
+            <a:schemeClr val="accent1">
+              <a:shade val="50000"/>
+            </a:schemeClr>
+          </a:lnRef>
+          <a:fillRef idx="1">
+            <a:schemeClr val="accent1"/>
+          </a:fillRef>
+          <a:effectRef idx="0">
+            <a:schemeClr val="accent1"/>
+          </a:effectRef>
+          <a:fontRef idx="minor">
+            <a:schemeClr val="lt1"/>
+          </a:fontRef>
+        </p:style>
+        <p:txBody>
+          <a:bodyPr rtlCol="0" anchor="ctr"/>
+          <a:lstStyle/>
+          <a:p>
+            <a:pPr algn="ctr"/>
+            <a:endParaRPr lang="es-UY" sz="6600" dirty="0">
+              <a:latin typeface="Times New Roman" panose="02020603050405020304" pitchFamily="18" charset="0"/>
+              <a:cs typeface="Times New Roman" panose="02020603050405020304" pitchFamily="18" charset="0"/>
+            </a:endParaRPr>
+          </a:p>
+        </p:txBody>
+      </p:sp>
+      <p:sp>
+        <p:nvSpPr>
+          <p:cNvPr id="59" name="Rectángulo: esquinas redondeadas 58">
+            <a:extLst>
+              <a:ext uri="{FF2B5EF4-FFF2-40B4-BE49-F238E27FC236}">
+                <a16:creationId xmlns:a16="http://schemas.microsoft.com/office/drawing/2014/main" id="{2F8068C2-94CF-421F-B67D-D0B1DC583AC2}"/>
+              </a:ext>
+            </a:extLst>
+          </p:cNvPr>
+          <p:cNvSpPr/>
+          <p:nvPr/>
+        </p:nvSpPr>
+        <p:spPr>
+          <a:xfrm>
+            <a:off x="5028099" y="1201081"/>
+            <a:ext cx="2148926" cy="2510831"/>
+          </a:xfrm>
+          <a:prstGeom prst="roundRect">
+            <a:avLst>
+              <a:gd name="adj" fmla="val 2601"/>
+            </a:avLst>
+          </a:prstGeom>
+          <a:noFill/>
+          <a:ln w="38100">
+            <a:solidFill>
+              <a:schemeClr val="tx1"/>
+            </a:solidFill>
+          </a:ln>
+        </p:spPr>
+        <p:style>
+          <a:lnRef idx="2">
+            <a:schemeClr val="accent1">
+              <a:shade val="50000"/>
+            </a:schemeClr>
+          </a:lnRef>
+          <a:fillRef idx="1">
+            <a:schemeClr val="accent1"/>
+          </a:fillRef>
+          <a:effectRef idx="0">
+            <a:schemeClr val="accent1"/>
+          </a:effectRef>
+          <a:fontRef idx="minor">
+            <a:schemeClr val="lt1"/>
+          </a:fontRef>
+        </p:style>
+        <p:txBody>
+          <a:bodyPr rtlCol="0" anchor="ctr"/>
+          <a:lstStyle/>
+          <a:p>
+            <a:pPr algn="ctr"/>
+            <a:endParaRPr lang="es-UY" sz="6600" dirty="0">
+              <a:latin typeface="Times New Roman" panose="02020603050405020304" pitchFamily="18" charset="0"/>
+              <a:cs typeface="Times New Roman" panose="02020603050405020304" pitchFamily="18" charset="0"/>
+            </a:endParaRPr>
+          </a:p>
+        </p:txBody>
+      </p:sp>
+      <p:sp>
+        <p:nvSpPr>
+          <p:cNvPr id="87" name="Rectángulo: esquinas redondeadas 86">
+            <a:extLst>
+              <a:ext uri="{FF2B5EF4-FFF2-40B4-BE49-F238E27FC236}">
+                <a16:creationId xmlns:a16="http://schemas.microsoft.com/office/drawing/2014/main" id="{F3C0F78A-7ADC-459D-A95D-EFDCB0F3BD23}"/>
+              </a:ext>
+            </a:extLst>
+          </p:cNvPr>
+          <p:cNvSpPr/>
+          <p:nvPr/>
+        </p:nvSpPr>
+        <p:spPr>
+          <a:xfrm>
+            <a:off x="490726" y="3906460"/>
+            <a:ext cx="2148926" cy="2510831"/>
+          </a:xfrm>
+          <a:prstGeom prst="roundRect">
+            <a:avLst>
+              <a:gd name="adj" fmla="val 2601"/>
+            </a:avLst>
+          </a:prstGeom>
+          <a:noFill/>
+          <a:ln w="38100">
+            <a:solidFill>
+              <a:schemeClr val="tx1"/>
+            </a:solidFill>
+          </a:ln>
+        </p:spPr>
+        <p:style>
+          <a:lnRef idx="2">
+            <a:schemeClr val="accent1">
+              <a:shade val="50000"/>
+            </a:schemeClr>
+          </a:lnRef>
+          <a:fillRef idx="1">
+            <a:schemeClr val="accent1"/>
+          </a:fillRef>
+          <a:effectRef idx="0">
+            <a:schemeClr val="accent1"/>
+          </a:effectRef>
+          <a:fontRef idx="minor">
+            <a:schemeClr val="lt1"/>
+          </a:fontRef>
+        </p:style>
+        <p:txBody>
+          <a:bodyPr rtlCol="0" anchor="ctr"/>
+          <a:lstStyle/>
+          <a:p>
+            <a:pPr algn="ctr"/>
+            <a:endParaRPr lang="es-UY" sz="6600" dirty="0">
+              <a:latin typeface="Times New Roman" panose="02020603050405020304" pitchFamily="18" charset="0"/>
+              <a:cs typeface="Times New Roman" panose="02020603050405020304" pitchFamily="18" charset="0"/>
+            </a:endParaRPr>
+          </a:p>
+        </p:txBody>
+      </p:sp>
+      <p:sp>
+        <p:nvSpPr>
+          <p:cNvPr id="94" name="Rectángulo: esquinas redondeadas 93">
+            <a:extLst>
+              <a:ext uri="{FF2B5EF4-FFF2-40B4-BE49-F238E27FC236}">
+                <a16:creationId xmlns:a16="http://schemas.microsoft.com/office/drawing/2014/main" id="{9C0AFDA7-3D9D-4EE9-A465-68CB59D1CA9D}"/>
+              </a:ext>
+            </a:extLst>
+          </p:cNvPr>
+          <p:cNvSpPr/>
+          <p:nvPr/>
+        </p:nvSpPr>
+        <p:spPr>
+          <a:xfrm>
+            <a:off x="2775167" y="3900859"/>
+            <a:ext cx="2148926" cy="2510831"/>
+          </a:xfrm>
+          <a:prstGeom prst="roundRect">
+            <a:avLst>
+              <a:gd name="adj" fmla="val 2601"/>
+            </a:avLst>
+          </a:prstGeom>
+          <a:noFill/>
+          <a:ln w="38100">
+            <a:solidFill>
+              <a:schemeClr val="tx1"/>
+            </a:solidFill>
+          </a:ln>
+        </p:spPr>
+        <p:style>
+          <a:lnRef idx="2">
+            <a:schemeClr val="accent1">
+              <a:shade val="50000"/>
+            </a:schemeClr>
+          </a:lnRef>
+          <a:fillRef idx="1">
+            <a:schemeClr val="accent1"/>
+          </a:fillRef>
+          <a:effectRef idx="0">
+            <a:schemeClr val="accent1"/>
+          </a:effectRef>
+          <a:fontRef idx="minor">
+            <a:schemeClr val="lt1"/>
+          </a:fontRef>
+        </p:style>
+        <p:txBody>
+          <a:bodyPr rtlCol="0" anchor="ctr"/>
+          <a:lstStyle/>
+          <a:p>
+            <a:pPr algn="ctr"/>
+            <a:endParaRPr lang="es-UY" sz="6600" dirty="0">
+              <a:latin typeface="Times New Roman" panose="02020603050405020304" pitchFamily="18" charset="0"/>
+              <a:cs typeface="Times New Roman" panose="02020603050405020304" pitchFamily="18" charset="0"/>
+            </a:endParaRPr>
+          </a:p>
+        </p:txBody>
+      </p:sp>
+      <p:sp>
+        <p:nvSpPr>
+          <p:cNvPr id="111" name="Rectángulo: esquinas redondeadas 110">
+            <a:extLst>
+              <a:ext uri="{FF2B5EF4-FFF2-40B4-BE49-F238E27FC236}">
+                <a16:creationId xmlns:a16="http://schemas.microsoft.com/office/drawing/2014/main" id="{329CEACB-93CB-48C0-BDF4-2BD49ECBECFA}"/>
+              </a:ext>
+            </a:extLst>
+          </p:cNvPr>
+          <p:cNvSpPr/>
+          <p:nvPr/>
+        </p:nvSpPr>
+        <p:spPr>
+          <a:xfrm>
+            <a:off x="5007704" y="3900859"/>
+            <a:ext cx="2148926" cy="2510831"/>
+          </a:xfrm>
+          <a:prstGeom prst="roundRect">
+            <a:avLst>
+              <a:gd name="adj" fmla="val 2601"/>
+            </a:avLst>
+          </a:prstGeom>
+          <a:noFill/>
+          <a:ln w="38100">
+            <a:solidFill>
+              <a:schemeClr val="tx1"/>
+            </a:solidFill>
+          </a:ln>
+        </p:spPr>
+        <p:style>
+          <a:lnRef idx="2">
+            <a:schemeClr val="accent1">
+              <a:shade val="50000"/>
+            </a:schemeClr>
+          </a:lnRef>
+          <a:fillRef idx="1">
+            <a:schemeClr val="accent1"/>
+          </a:fillRef>
+          <a:effectRef idx="0">
+            <a:schemeClr val="accent1"/>
+          </a:effectRef>
+          <a:fontRef idx="minor">
+            <a:schemeClr val="lt1"/>
+          </a:fontRef>
+        </p:style>
+        <p:txBody>
+          <a:bodyPr rtlCol="0" anchor="ctr"/>
+          <a:lstStyle/>
+          <a:p>
+            <a:pPr algn="ctr"/>
+            <a:endParaRPr lang="es-UY" sz="6600" dirty="0">
+              <a:latin typeface="Times New Roman" panose="02020603050405020304" pitchFamily="18" charset="0"/>
+              <a:cs typeface="Times New Roman" panose="02020603050405020304" pitchFamily="18" charset="0"/>
+            </a:endParaRPr>
+          </a:p>
+        </p:txBody>
+      </p:sp>
+      <p:sp>
+        <p:nvSpPr>
+          <p:cNvPr id="117" name="Rectángulo: esquinas redondeadas 116">
+            <a:extLst>
+              <a:ext uri="{FF2B5EF4-FFF2-40B4-BE49-F238E27FC236}">
+                <a16:creationId xmlns:a16="http://schemas.microsoft.com/office/drawing/2014/main" id="{5E48A019-3A3B-46F2-9B90-8FA0B25E1F7A}"/>
+              </a:ext>
+            </a:extLst>
+          </p:cNvPr>
+          <p:cNvSpPr/>
+          <p:nvPr/>
+        </p:nvSpPr>
+        <p:spPr>
+          <a:xfrm>
+            <a:off x="7292145" y="3895258"/>
+            <a:ext cx="2148926" cy="2510831"/>
+          </a:xfrm>
+          <a:prstGeom prst="roundRect">
+            <a:avLst>
+              <a:gd name="adj" fmla="val 2601"/>
+            </a:avLst>
+          </a:prstGeom>
+          <a:noFill/>
+          <a:ln w="38100">
+            <a:solidFill>
+              <a:schemeClr val="tx1"/>
+            </a:solidFill>
+          </a:ln>
+        </p:spPr>
+        <p:style>
+          <a:lnRef idx="2">
+            <a:schemeClr val="accent1">
+              <a:shade val="50000"/>
+            </a:schemeClr>
+          </a:lnRef>
+          <a:fillRef idx="1">
+            <a:schemeClr val="accent1"/>
+          </a:fillRef>
+          <a:effectRef idx="0">
+            <a:schemeClr val="accent1"/>
+          </a:effectRef>
+          <a:fontRef idx="minor">
+            <a:schemeClr val="lt1"/>
+          </a:fontRef>
+        </p:style>
+        <p:txBody>
+          <a:bodyPr rtlCol="0" anchor="ctr"/>
+          <a:lstStyle/>
+          <a:p>
+            <a:pPr algn="ctr"/>
+            <a:endParaRPr lang="es-UY" sz="6600" dirty="0">
+              <a:latin typeface="Times New Roman" panose="02020603050405020304" pitchFamily="18" charset="0"/>
+              <a:cs typeface="Times New Roman" panose="02020603050405020304" pitchFamily="18" charset="0"/>
+            </a:endParaRPr>
+          </a:p>
+        </p:txBody>
+      </p:sp>
+      <p:sp>
+        <p:nvSpPr>
+          <p:cNvPr id="41" name="Rectángulo: esquinas redondeadas 40">
+            <a:extLst>
+              <a:ext uri="{FF2B5EF4-FFF2-40B4-BE49-F238E27FC236}">
+                <a16:creationId xmlns:a16="http://schemas.microsoft.com/office/drawing/2014/main" id="{3667AE9A-8C3A-467F-BFBB-70DDDF7AB935}"/>
+              </a:ext>
+            </a:extLst>
+          </p:cNvPr>
+          <p:cNvSpPr/>
+          <p:nvPr/>
+        </p:nvSpPr>
+        <p:spPr>
+          <a:xfrm>
+            <a:off x="9576586" y="1206682"/>
+            <a:ext cx="2148926" cy="2510831"/>
+          </a:xfrm>
+          <a:prstGeom prst="roundRect">
+            <a:avLst>
+              <a:gd name="adj" fmla="val 2601"/>
+            </a:avLst>
+          </a:prstGeom>
+          <a:noFill/>
+          <a:ln w="38100">
+            <a:solidFill>
+              <a:schemeClr val="tx1"/>
+            </a:solidFill>
+          </a:ln>
+        </p:spPr>
+        <p:style>
+          <a:lnRef idx="2">
+            <a:schemeClr val="accent1">
+              <a:shade val="50000"/>
+            </a:schemeClr>
+          </a:lnRef>
+          <a:fillRef idx="1">
+            <a:schemeClr val="accent1"/>
+          </a:fillRef>
+          <a:effectRef idx="0">
+            <a:schemeClr val="accent1"/>
+          </a:effectRef>
+          <a:fontRef idx="minor">
+            <a:schemeClr val="lt1"/>
+          </a:fontRef>
+        </p:style>
+        <p:txBody>
+          <a:bodyPr rtlCol="0" anchor="ctr"/>
+          <a:lstStyle/>
+          <a:p>
+            <a:pPr algn="ctr"/>
+            <a:endParaRPr lang="es-UY" sz="6600" dirty="0">
+              <a:latin typeface="Times New Roman" panose="02020603050405020304" pitchFamily="18" charset="0"/>
+              <a:cs typeface="Times New Roman" panose="02020603050405020304" pitchFamily="18" charset="0"/>
+            </a:endParaRPr>
+          </a:p>
+        </p:txBody>
+      </p:sp>
+      <p:sp>
+        <p:nvSpPr>
+          <p:cNvPr id="43" name="Rectángulo: esquinas redondeadas 42">
+            <a:extLst>
+              <a:ext uri="{FF2B5EF4-FFF2-40B4-BE49-F238E27FC236}">
+                <a16:creationId xmlns:a16="http://schemas.microsoft.com/office/drawing/2014/main" id="{76777907-9D11-4DDE-B431-F5B967995C8F}"/>
+              </a:ext>
+            </a:extLst>
+          </p:cNvPr>
+          <p:cNvSpPr/>
+          <p:nvPr/>
+        </p:nvSpPr>
+        <p:spPr>
+          <a:xfrm>
+            <a:off x="9579776" y="3900859"/>
+            <a:ext cx="2148926" cy="2510831"/>
+          </a:xfrm>
+          <a:prstGeom prst="roundRect">
+            <a:avLst>
+              <a:gd name="adj" fmla="val 2601"/>
+            </a:avLst>
+          </a:prstGeom>
+          <a:noFill/>
+          <a:ln w="38100">
+            <a:solidFill>
+              <a:schemeClr val="tx1"/>
+            </a:solidFill>
+          </a:ln>
+        </p:spPr>
+        <p:style>
+          <a:lnRef idx="2">
+            <a:schemeClr val="accent1">
+              <a:shade val="50000"/>
+            </a:schemeClr>
+          </a:lnRef>
+          <a:fillRef idx="1">
+            <a:schemeClr val="accent1"/>
+          </a:fillRef>
+          <a:effectRef idx="0">
+            <a:schemeClr val="accent1"/>
+          </a:effectRef>
+          <a:fontRef idx="minor">
+            <a:schemeClr val="lt1"/>
+          </a:fontRef>
+        </p:style>
+        <p:txBody>
+          <a:bodyPr rtlCol="0" anchor="ctr"/>
+          <a:lstStyle/>
+          <a:p>
+            <a:pPr algn="ctr"/>
+            <a:endParaRPr lang="es-UY" sz="6600" dirty="0">
+              <a:latin typeface="Times New Roman" panose="02020603050405020304" pitchFamily="18" charset="0"/>
+              <a:cs typeface="Times New Roman" panose="02020603050405020304" pitchFamily="18" charset="0"/>
+            </a:endParaRPr>
+          </a:p>
+        </p:txBody>
+      </p:sp>
+      <p:sp>
+        <p:nvSpPr>
+          <p:cNvPr id="60" name="CuadroTexto 59">
+            <a:extLst>
+              <a:ext uri="{FF2B5EF4-FFF2-40B4-BE49-F238E27FC236}">
+                <a16:creationId xmlns:a16="http://schemas.microsoft.com/office/drawing/2014/main" id="{4B12C472-C471-4130-8AB9-33D6DC708C73}"/>
+              </a:ext>
+            </a:extLst>
+          </p:cNvPr>
+          <p:cNvSpPr txBox="1"/>
+          <p:nvPr/>
+        </p:nvSpPr>
+        <p:spPr>
+          <a:xfrm>
+            <a:off x="9576586" y="3413181"/>
+            <a:ext cx="2148926" cy="307777"/>
+          </a:xfrm>
+          <a:prstGeom prst="rect">
+            <a:avLst/>
+          </a:prstGeom>
+          <a:solidFill>
+            <a:schemeClr val="tx1"/>
+          </a:solidFill>
+        </p:spPr>
         <p:txBody>
           <a:bodyPr wrap="square" rtlCol="0">
             <a:spAutoFit/>
           </a:bodyPr>
           <a:lstStyle/>
           <a:p>
-            <a:pPr algn="just"/>
-            <a:r>
-              <a:rPr lang="es-UY" sz="1200" dirty="0"/>
-              <a:t>Enemigo Avanzado – Soldado.</a:t>
-            </a:r>
-          </a:p>
-          <a:p>
-            <a:pPr algn="just"/>
-            <a:r>
-              <a:rPr lang="es-MX" sz="1200" dirty="0"/>
-              <a:t>Patrulla moviéndose horizontalmente. Al detectar al enemigo puede Atacar y Bloquear.</a:t>
-            </a:r>
-          </a:p>
-          <a:p>
-            <a:pPr algn="just"/>
-            <a:r>
-              <a:rPr lang="es-MX" sz="1200" dirty="0"/>
-              <a:t>2 normales + 1 poncho de HP. 2.5HP</a:t>
-            </a:r>
-          </a:p>
-        </p:txBody>
-      </p:sp>
-      <p:grpSp>
-        <p:nvGrpSpPr>
-          <p:cNvPr id="47" name="Grupo 46">
-            <a:extLst>
-              <a:ext uri="{FF2B5EF4-FFF2-40B4-BE49-F238E27FC236}">
-                <a16:creationId xmlns:a16="http://schemas.microsoft.com/office/drawing/2014/main" id="{117CA44B-64C6-444C-A6A9-C566D020E33F}"/>
-              </a:ext>
-            </a:extLst>
-          </p:cNvPr>
-          <p:cNvGrpSpPr/>
-          <p:nvPr/>
-        </p:nvGrpSpPr>
-        <p:grpSpPr>
-          <a:xfrm>
-            <a:off x="6319205" y="3826100"/>
-            <a:ext cx="3346167" cy="1692677"/>
-            <a:chOff x="4045038" y="3665209"/>
-            <a:chExt cx="3346167" cy="1692677"/>
-          </a:xfrm>
-        </p:grpSpPr>
-        <p:sp>
-          <p:nvSpPr>
-            <p:cNvPr id="48" name="Flecha: a la derecha 47">
-              <a:extLst>
-                <a:ext uri="{FF2B5EF4-FFF2-40B4-BE49-F238E27FC236}">
-                  <a16:creationId xmlns:a16="http://schemas.microsoft.com/office/drawing/2014/main" id="{4E0B12D7-C2B0-47D8-9CDD-466D3DDF8C81}"/>
-                </a:ext>
-              </a:extLst>
-            </p:cNvPr>
-            <p:cNvSpPr/>
-            <p:nvPr/>
-          </p:nvSpPr>
-          <p:spPr>
-            <a:xfrm rot="10800000">
-              <a:off x="4045038" y="4198164"/>
-              <a:ext cx="1673084" cy="484632"/>
-            </a:xfrm>
-            <a:prstGeom prst="rightArrow">
-              <a:avLst/>
-            </a:prstGeom>
-            <a:solidFill>
-              <a:schemeClr val="tx1"/>
-            </a:solidFill>
-            <a:ln>
-              <a:noFill/>
-            </a:ln>
-          </p:spPr>
-          <p:style>
-            <a:lnRef idx="2">
-              <a:schemeClr val="accent1">
-                <a:shade val="50000"/>
-              </a:schemeClr>
-            </a:lnRef>
-            <a:fillRef idx="1">
-              <a:schemeClr val="accent1"/>
-            </a:fillRef>
-            <a:effectRef idx="0">
-              <a:schemeClr val="accent1"/>
-            </a:effectRef>
-            <a:fontRef idx="minor">
-              <a:schemeClr val="lt1"/>
-            </a:fontRef>
-          </p:style>
-          <p:txBody>
-            <a:bodyPr rtlCol="0" anchor="ctr"/>
-            <a:lstStyle/>
-            <a:p>
-              <a:pPr algn="ctr"/>
-              <a:endParaRPr lang="es-UY"/>
-            </a:p>
-          </p:txBody>
-        </p:sp>
-        <p:sp>
-          <p:nvSpPr>
-            <p:cNvPr id="49" name="Flecha: a la derecha 48">
-              <a:extLst>
-                <a:ext uri="{FF2B5EF4-FFF2-40B4-BE49-F238E27FC236}">
-                  <a16:creationId xmlns:a16="http://schemas.microsoft.com/office/drawing/2014/main" id="{BDE0F6F5-FB56-47F4-BCF8-0CE01D760B32}"/>
-                </a:ext>
-              </a:extLst>
-            </p:cNvPr>
-            <p:cNvSpPr/>
-            <p:nvPr/>
-          </p:nvSpPr>
-          <p:spPr>
-            <a:xfrm rot="10800000" flipH="1">
-              <a:off x="5718121" y="4198164"/>
-              <a:ext cx="1673084" cy="484632"/>
-            </a:xfrm>
-            <a:prstGeom prst="rightArrow">
-              <a:avLst/>
-            </a:prstGeom>
-            <a:solidFill>
-              <a:schemeClr val="tx1"/>
-            </a:solidFill>
-            <a:ln>
-              <a:noFill/>
-            </a:ln>
-          </p:spPr>
-          <p:style>
-            <a:lnRef idx="2">
-              <a:schemeClr val="accent1">
-                <a:shade val="50000"/>
-              </a:schemeClr>
-            </a:lnRef>
-            <a:fillRef idx="1">
-              <a:schemeClr val="accent1"/>
-            </a:fillRef>
-            <a:effectRef idx="0">
-              <a:schemeClr val="accent1"/>
-            </a:effectRef>
-            <a:fontRef idx="minor">
-              <a:schemeClr val="lt1"/>
-            </a:fontRef>
-          </p:style>
-          <p:txBody>
-            <a:bodyPr rtlCol="0" anchor="ctr"/>
-            <a:lstStyle/>
-            <a:p>
-              <a:pPr algn="ctr"/>
-              <a:endParaRPr lang="es-UY"/>
-            </a:p>
-          </p:txBody>
-        </p:sp>
-        <p:pic>
-          <p:nvPicPr>
-            <p:cNvPr id="50" name="Imagen 49">
-              <a:extLst>
-                <a:ext uri="{FF2B5EF4-FFF2-40B4-BE49-F238E27FC236}">
-                  <a16:creationId xmlns:a16="http://schemas.microsoft.com/office/drawing/2014/main" id="{E72C389B-8FD2-4282-ABDD-B043E8F89AFA}"/>
-                </a:ext>
-              </a:extLst>
-            </p:cNvPr>
-            <p:cNvPicPr>
-              <a:picLocks noChangeAspect="1"/>
-            </p:cNvPicPr>
-            <p:nvPr/>
-          </p:nvPicPr>
-          <p:blipFill rotWithShape="1">
-            <a:blip r:embed="rId4">
-              <a:extLst>
-                <a:ext uri="{28A0092B-C50C-407E-A947-70E740481C1C}">
-                  <a14:useLocalDpi xmlns:a14="http://schemas.microsoft.com/office/drawing/2010/main" val="0"/>
-                </a:ext>
-              </a:extLst>
-            </a:blip>
-            <a:srcRect l="38114" t="37246" r="36560" b="37132"/>
-            <a:stretch/>
-          </p:blipFill>
-          <p:spPr>
-            <a:xfrm>
-              <a:off x="4879872" y="3665209"/>
-              <a:ext cx="1673084" cy="1692677"/>
-            </a:xfrm>
-            <a:prstGeom prst="rect">
-              <a:avLst/>
-            </a:prstGeom>
-          </p:spPr>
-        </p:pic>
-      </p:grpSp>
+            <a:pPr algn="ctr"/>
+            <a:r>
+              <a:rPr lang="es-UY" sz="1400" u="sng" dirty="0">
+                <a:solidFill>
+                  <a:schemeClr val="bg1"/>
+                </a:solidFill>
+              </a:rPr>
+              <a:t>Hit Aéreo</a:t>
+            </a:r>
+          </a:p>
+        </p:txBody>
+      </p:sp>
+      <p:sp>
+        <p:nvSpPr>
+          <p:cNvPr id="119" name="CuadroTexto 118">
+            <a:extLst>
+              <a:ext uri="{FF2B5EF4-FFF2-40B4-BE49-F238E27FC236}">
+                <a16:creationId xmlns:a16="http://schemas.microsoft.com/office/drawing/2014/main" id="{1B2973EE-6759-4CA6-9EF0-C9B234E9A0EF}"/>
+              </a:ext>
+            </a:extLst>
+          </p:cNvPr>
+          <p:cNvSpPr txBox="1"/>
+          <p:nvPr/>
+        </p:nvSpPr>
+        <p:spPr>
+          <a:xfrm>
+            <a:off x="508436" y="6098312"/>
+            <a:ext cx="2148926" cy="307777"/>
+          </a:xfrm>
+          <a:prstGeom prst="rect">
+            <a:avLst/>
+          </a:prstGeom>
+          <a:solidFill>
+            <a:schemeClr val="tx1"/>
+          </a:solidFill>
+        </p:spPr>
+        <p:txBody>
+          <a:bodyPr wrap="square" rtlCol="0">
+            <a:spAutoFit/>
+          </a:bodyPr>
+          <a:lstStyle/>
+          <a:p>
+            <a:pPr algn="ctr"/>
+            <a:r>
+              <a:rPr lang="es-UY" sz="1400" u="sng" dirty="0">
+                <a:solidFill>
+                  <a:schemeClr val="bg1"/>
+                </a:solidFill>
+              </a:rPr>
+              <a:t>x</a:t>
+            </a:r>
+          </a:p>
+        </p:txBody>
+      </p:sp>
+      <p:sp>
+        <p:nvSpPr>
+          <p:cNvPr id="120" name="CuadroTexto 119">
+            <a:extLst>
+              <a:ext uri="{FF2B5EF4-FFF2-40B4-BE49-F238E27FC236}">
+                <a16:creationId xmlns:a16="http://schemas.microsoft.com/office/drawing/2014/main" id="{4EAC24CA-07D8-4648-8A08-FDD8B39F9858}"/>
+              </a:ext>
+            </a:extLst>
+          </p:cNvPr>
+          <p:cNvSpPr txBox="1"/>
+          <p:nvPr/>
+        </p:nvSpPr>
+        <p:spPr>
+          <a:xfrm>
+            <a:off x="2768960" y="6098311"/>
+            <a:ext cx="2148926" cy="307777"/>
+          </a:xfrm>
+          <a:prstGeom prst="rect">
+            <a:avLst/>
+          </a:prstGeom>
+          <a:solidFill>
+            <a:schemeClr val="tx1"/>
+          </a:solidFill>
+        </p:spPr>
+        <p:txBody>
+          <a:bodyPr wrap="square" rtlCol="0">
+            <a:spAutoFit/>
+          </a:bodyPr>
+          <a:lstStyle/>
+          <a:p>
+            <a:pPr algn="ctr"/>
+            <a:r>
+              <a:rPr lang="es-UY" sz="1400" u="sng" dirty="0">
+                <a:solidFill>
+                  <a:schemeClr val="bg1"/>
+                </a:solidFill>
+              </a:rPr>
+              <a:t>x</a:t>
+            </a:r>
+          </a:p>
+        </p:txBody>
+      </p:sp>
+      <p:sp>
+        <p:nvSpPr>
+          <p:cNvPr id="121" name="CuadroTexto 120">
+            <a:extLst>
+              <a:ext uri="{FF2B5EF4-FFF2-40B4-BE49-F238E27FC236}">
+                <a16:creationId xmlns:a16="http://schemas.microsoft.com/office/drawing/2014/main" id="{2192EFA3-A52B-4308-ABCA-473CECA477BA}"/>
+              </a:ext>
+            </a:extLst>
+          </p:cNvPr>
+          <p:cNvSpPr txBox="1"/>
+          <p:nvPr/>
+        </p:nvSpPr>
+        <p:spPr>
+          <a:xfrm>
+            <a:off x="5016888" y="6104273"/>
+            <a:ext cx="2148926" cy="307777"/>
+          </a:xfrm>
+          <a:prstGeom prst="rect">
+            <a:avLst/>
+          </a:prstGeom>
+          <a:solidFill>
+            <a:schemeClr val="tx1"/>
+          </a:solidFill>
+        </p:spPr>
+        <p:txBody>
+          <a:bodyPr wrap="square" rtlCol="0">
+            <a:spAutoFit/>
+          </a:bodyPr>
+          <a:lstStyle/>
+          <a:p>
+            <a:pPr algn="ctr"/>
+            <a:r>
+              <a:rPr lang="es-UY" sz="1400" u="sng" dirty="0">
+                <a:solidFill>
+                  <a:schemeClr val="bg1"/>
+                </a:solidFill>
+              </a:rPr>
+              <a:t>x</a:t>
+            </a:r>
+          </a:p>
+        </p:txBody>
+      </p:sp>
+      <p:sp>
+        <p:nvSpPr>
+          <p:cNvPr id="124" name="CuadroTexto 123">
+            <a:extLst>
+              <a:ext uri="{FF2B5EF4-FFF2-40B4-BE49-F238E27FC236}">
+                <a16:creationId xmlns:a16="http://schemas.microsoft.com/office/drawing/2014/main" id="{E5576CAD-55B7-4AF5-A680-B9EB0B77102D}"/>
+              </a:ext>
+            </a:extLst>
+          </p:cNvPr>
+          <p:cNvSpPr txBox="1"/>
+          <p:nvPr/>
+        </p:nvSpPr>
+        <p:spPr>
+          <a:xfrm>
+            <a:off x="7294830" y="6104272"/>
+            <a:ext cx="2148926" cy="307777"/>
+          </a:xfrm>
+          <a:prstGeom prst="rect">
+            <a:avLst/>
+          </a:prstGeom>
+          <a:solidFill>
+            <a:schemeClr val="tx1"/>
+          </a:solidFill>
+        </p:spPr>
+        <p:txBody>
+          <a:bodyPr wrap="square" rtlCol="0">
+            <a:spAutoFit/>
+          </a:bodyPr>
+          <a:lstStyle/>
+          <a:p>
+            <a:pPr algn="ctr"/>
+            <a:r>
+              <a:rPr lang="es-UY" sz="1400" u="sng" dirty="0">
+                <a:solidFill>
+                  <a:schemeClr val="bg1"/>
+                </a:solidFill>
+              </a:rPr>
+              <a:t>X</a:t>
+            </a:r>
+          </a:p>
+        </p:txBody>
+      </p:sp>
+      <p:sp>
+        <p:nvSpPr>
+          <p:cNvPr id="125" name="CuadroTexto 124">
+            <a:extLst>
+              <a:ext uri="{FF2B5EF4-FFF2-40B4-BE49-F238E27FC236}">
+                <a16:creationId xmlns:a16="http://schemas.microsoft.com/office/drawing/2014/main" id="{7BB0B988-D2E9-4E70-B672-98AA714A56E3}"/>
+              </a:ext>
+            </a:extLst>
+          </p:cNvPr>
+          <p:cNvSpPr txBox="1"/>
+          <p:nvPr/>
+        </p:nvSpPr>
+        <p:spPr>
+          <a:xfrm>
+            <a:off x="9576586" y="6090269"/>
+            <a:ext cx="2148926" cy="307777"/>
+          </a:xfrm>
+          <a:prstGeom prst="rect">
+            <a:avLst/>
+          </a:prstGeom>
+          <a:solidFill>
+            <a:schemeClr val="tx1"/>
+          </a:solidFill>
+        </p:spPr>
+        <p:txBody>
+          <a:bodyPr wrap="square" rtlCol="0">
+            <a:spAutoFit/>
+          </a:bodyPr>
+          <a:lstStyle/>
+          <a:p>
+            <a:pPr algn="ctr"/>
+            <a:r>
+              <a:rPr lang="es-UY" sz="1400" u="sng" dirty="0">
+                <a:solidFill>
+                  <a:schemeClr val="bg1"/>
+                </a:solidFill>
+              </a:rPr>
+              <a:t>X</a:t>
+            </a:r>
+          </a:p>
+        </p:txBody>
+      </p:sp>
+      <p:sp>
+        <p:nvSpPr>
+          <p:cNvPr id="28" name="CuadroTexto 27">
+            <a:extLst>
+              <a:ext uri="{FF2B5EF4-FFF2-40B4-BE49-F238E27FC236}">
+                <a16:creationId xmlns:a16="http://schemas.microsoft.com/office/drawing/2014/main" id="{4ACB22EC-D27F-4335-9759-DF58E9E14102}"/>
+              </a:ext>
+            </a:extLst>
+          </p:cNvPr>
+          <p:cNvSpPr txBox="1"/>
+          <p:nvPr/>
+        </p:nvSpPr>
+        <p:spPr>
+          <a:xfrm>
+            <a:off x="508436" y="3038044"/>
+            <a:ext cx="2148926" cy="677108"/>
+          </a:xfrm>
+          <a:prstGeom prst="rect">
+            <a:avLst/>
+          </a:prstGeom>
+          <a:solidFill>
+            <a:schemeClr val="tx1"/>
+          </a:solidFill>
+        </p:spPr>
+        <p:txBody>
+          <a:bodyPr wrap="square" rtlCol="0">
+            <a:spAutoFit/>
+          </a:bodyPr>
+          <a:lstStyle/>
+          <a:p>
+            <a:pPr algn="ctr"/>
+            <a:r>
+              <a:rPr lang="es-UY" sz="1400" u="sng" dirty="0">
+                <a:solidFill>
+                  <a:schemeClr val="bg1"/>
+                </a:solidFill>
+              </a:rPr>
+              <a:t>Bloqueo</a:t>
+            </a:r>
+          </a:p>
+          <a:p>
+            <a:pPr algn="ctr"/>
+            <a:r>
+              <a:rPr lang="es-UY" sz="600" b="1" dirty="0">
+                <a:solidFill>
+                  <a:schemeClr val="bg1"/>
+                </a:solidFill>
+              </a:rPr>
+              <a:t>Éxito</a:t>
+            </a:r>
+            <a:r>
+              <a:rPr lang="es-UY" sz="600" dirty="0">
+                <a:solidFill>
+                  <a:schemeClr val="bg1"/>
+                </a:solidFill>
+              </a:rPr>
+              <a:t> – Se pasa al estado Golpe Bloqueado</a:t>
+            </a:r>
+          </a:p>
+          <a:p>
+            <a:pPr algn="ctr"/>
+            <a:r>
+              <a:rPr lang="es-UY" sz="600" b="1" dirty="0">
+                <a:solidFill>
+                  <a:schemeClr val="bg1"/>
+                </a:solidFill>
+              </a:rPr>
+              <a:t>Choque</a:t>
+            </a:r>
+            <a:r>
+              <a:rPr lang="es-UY" sz="600" dirty="0">
+                <a:solidFill>
+                  <a:schemeClr val="bg1"/>
+                </a:solidFill>
+              </a:rPr>
+              <a:t> – A favor si Hitbox de Arma, desventaja si Hitbox poncho</a:t>
+            </a:r>
+          </a:p>
+          <a:p>
+            <a:pPr algn="ctr"/>
+            <a:r>
+              <a:rPr lang="es-UY" sz="600" b="1" dirty="0">
+                <a:solidFill>
+                  <a:schemeClr val="bg1"/>
+                </a:solidFill>
+              </a:rPr>
+              <a:t>Fallo</a:t>
+            </a:r>
+            <a:r>
+              <a:rPr lang="es-UY" sz="600" dirty="0">
+                <a:solidFill>
+                  <a:schemeClr val="bg1"/>
+                </a:solidFill>
+              </a:rPr>
+              <a:t> – Alta recuperación</a:t>
+            </a:r>
+          </a:p>
+        </p:txBody>
+      </p:sp>
+      <p:sp>
+        <p:nvSpPr>
+          <p:cNvPr id="29" name="CuadroTexto 28">
+            <a:extLst>
+              <a:ext uri="{FF2B5EF4-FFF2-40B4-BE49-F238E27FC236}">
+                <a16:creationId xmlns:a16="http://schemas.microsoft.com/office/drawing/2014/main" id="{A4B84FFE-3A52-48D1-9F14-63F7788A3F09}"/>
+              </a:ext>
+            </a:extLst>
+          </p:cNvPr>
+          <p:cNvSpPr txBox="1"/>
+          <p:nvPr/>
+        </p:nvSpPr>
+        <p:spPr>
+          <a:xfrm>
+            <a:off x="2772063" y="3224639"/>
+            <a:ext cx="2148926" cy="492443"/>
+          </a:xfrm>
+          <a:prstGeom prst="rect">
+            <a:avLst/>
+          </a:prstGeom>
+          <a:solidFill>
+            <a:schemeClr val="tx1"/>
+          </a:solidFill>
+        </p:spPr>
+        <p:txBody>
+          <a:bodyPr wrap="square" rtlCol="0">
+            <a:spAutoFit/>
+          </a:bodyPr>
+          <a:lstStyle/>
+          <a:p>
+            <a:pPr algn="ctr"/>
+            <a:r>
+              <a:rPr lang="es-UY" sz="1400" u="sng" dirty="0">
+                <a:solidFill>
+                  <a:schemeClr val="bg1"/>
+                </a:solidFill>
+              </a:rPr>
+              <a:t>Golpe Bloqueado</a:t>
+            </a:r>
+          </a:p>
+          <a:p>
+            <a:pPr algn="ctr"/>
+            <a:r>
+              <a:rPr lang="es-UY" sz="600" b="1" dirty="0">
+                <a:solidFill>
+                  <a:schemeClr val="bg1"/>
+                </a:solidFill>
+              </a:rPr>
+              <a:t>Éxito</a:t>
+            </a:r>
+            <a:r>
+              <a:rPr lang="es-UY" sz="600" dirty="0">
+                <a:solidFill>
+                  <a:schemeClr val="bg1"/>
+                </a:solidFill>
+              </a:rPr>
+              <a:t> – El jugador se recupera rápidamente al estar en este estado.</a:t>
+            </a:r>
+          </a:p>
+        </p:txBody>
+      </p:sp>
+      <p:sp>
+        <p:nvSpPr>
+          <p:cNvPr id="30" name="CuadroTexto 29">
+            <a:extLst>
+              <a:ext uri="{FF2B5EF4-FFF2-40B4-BE49-F238E27FC236}">
+                <a16:creationId xmlns:a16="http://schemas.microsoft.com/office/drawing/2014/main" id="{0DAD467B-9DF2-4A5C-94BC-8A4BD134F711}"/>
+              </a:ext>
+            </a:extLst>
+          </p:cNvPr>
+          <p:cNvSpPr txBox="1"/>
+          <p:nvPr/>
+        </p:nvSpPr>
+        <p:spPr>
+          <a:xfrm>
+            <a:off x="5023611" y="3219649"/>
+            <a:ext cx="2148926" cy="492443"/>
+          </a:xfrm>
+          <a:prstGeom prst="rect">
+            <a:avLst/>
+          </a:prstGeom>
+          <a:solidFill>
+            <a:schemeClr val="tx1"/>
+          </a:solidFill>
+        </p:spPr>
+        <p:txBody>
+          <a:bodyPr wrap="square" rtlCol="0">
+            <a:spAutoFit/>
+          </a:bodyPr>
+          <a:lstStyle/>
+          <a:p>
+            <a:pPr algn="ctr"/>
+            <a:r>
+              <a:rPr lang="es-UY" sz="1400" u="sng" dirty="0">
+                <a:solidFill>
+                  <a:schemeClr val="bg1"/>
+                </a:solidFill>
+              </a:rPr>
+              <a:t>Aturdido</a:t>
+            </a:r>
+          </a:p>
+          <a:p>
+            <a:pPr algn="ctr"/>
+            <a:r>
+              <a:rPr lang="es-UY" sz="600" b="1" dirty="0">
+                <a:solidFill>
+                  <a:schemeClr val="bg1"/>
+                </a:solidFill>
+              </a:rPr>
+              <a:t>Éxito</a:t>
+            </a:r>
+            <a:r>
+              <a:rPr lang="es-UY" sz="600" dirty="0">
+                <a:solidFill>
+                  <a:schemeClr val="bg1"/>
+                </a:solidFill>
+              </a:rPr>
+              <a:t> – El jugador no puede moverse ni atacar en este estado, hay que pulsar rápidamente el botón de ataque para salir.</a:t>
+            </a:r>
+          </a:p>
+        </p:txBody>
+      </p:sp>
+      <p:sp>
+        <p:nvSpPr>
+          <p:cNvPr id="31" name="CuadroTexto 30">
+            <a:extLst>
+              <a:ext uri="{FF2B5EF4-FFF2-40B4-BE49-F238E27FC236}">
+                <a16:creationId xmlns:a16="http://schemas.microsoft.com/office/drawing/2014/main" id="{6D58E931-6B66-405E-BF2F-A30E9182B50F}"/>
+              </a:ext>
+            </a:extLst>
+          </p:cNvPr>
+          <p:cNvSpPr txBox="1"/>
+          <p:nvPr/>
+        </p:nvSpPr>
+        <p:spPr>
+          <a:xfrm>
+            <a:off x="7288955" y="3407115"/>
+            <a:ext cx="2148926" cy="307777"/>
+          </a:xfrm>
+          <a:prstGeom prst="rect">
+            <a:avLst/>
+          </a:prstGeom>
+          <a:solidFill>
+            <a:schemeClr val="tx1"/>
+          </a:solidFill>
+        </p:spPr>
+        <p:txBody>
+          <a:bodyPr wrap="square" rtlCol="0">
+            <a:spAutoFit/>
+          </a:bodyPr>
+          <a:lstStyle/>
+          <a:p>
+            <a:pPr algn="ctr"/>
+            <a:r>
+              <a:rPr lang="es-UY" sz="1400" u="sng" dirty="0">
+                <a:solidFill>
+                  <a:schemeClr val="bg1"/>
+                </a:solidFill>
+              </a:rPr>
+              <a:t>Hit Terrestre</a:t>
+            </a:r>
+          </a:p>
+        </p:txBody>
+      </p:sp>
     </p:spTree>
     <p:extLst>
       <p:ext uri="{BB962C8B-B14F-4D97-AF65-F5344CB8AC3E}">
-        <p14:creationId xmlns:p14="http://schemas.microsoft.com/office/powerpoint/2010/main" val="732763329"/>
+        <p14:creationId xmlns:p14="http://schemas.microsoft.com/office/powerpoint/2010/main" val="1644024000"/>
       </p:ext>
     </p:extLst>
   </p:cSld>
